--- a/Design Patterns en C (1).pptx
+++ b/Design Patterns en C (1).pptx
@@ -597,10 +597,38 @@
 <file path=ppt/revisionInfo.xml><?xml version="1.0" encoding="utf-8"?>
 <p1510:revInfo xmlns:a="http://schemas.openxmlformats.org/drawingml/2006/main" xmlns:r="http://schemas.openxmlformats.org/officeDocument/2006/relationships" xmlns:p1510="http://schemas.microsoft.com/office/powerpoint/2015/10/main">
   <p1510:revLst>
-    <p1510:client id="{CDEBAD88-2E5E-7E31-200C-1D5BEF2E07FC}" v="154" dt="2024-10-23T13:11:19.208"/>
-    <p1510:client id="{DD46BE27-8843-9C2C-387A-9BE1DE9D7D66}" v="108" dt="2024-10-25T09:51:56.476"/>
+    <p1510:client id="{B373AB16-4E82-2FB6-0C7C-09E75F3442E2}" v="21" dt="2024-12-30T08:28:05.997"/>
   </p1510:revLst>
 </p1510:revInfo>
+</file>
+
+<file path=ppt/changesInfos/changesInfo1.xml><?xml version="1.0" encoding="utf-8"?>
+<pc:chgInfo xmlns:a="http://schemas.openxmlformats.org/drawingml/2006/main" xmlns:r="http://schemas.openxmlformats.org/officeDocument/2006/relationships" xmlns:ac="http://schemas.microsoft.com/office/drawing/2013/main/command" xmlns:pc="http://schemas.microsoft.com/office/powerpoint/2013/main/command">
+  <pc:docChgLst>
+    <pc:chgData name="Mathieu GAY" userId="S::mathieu.gay@ecole-isitech.fr::f319ccc3-7693-4699-a65b-7443e57c72fd" providerId="AD" clId="Web-{B373AB16-4E82-2FB6-0C7C-09E75F3442E2}"/>
+    <pc:docChg chg="modSld">
+      <pc:chgData name="Mathieu GAY" userId="S::mathieu.gay@ecole-isitech.fr::f319ccc3-7693-4699-a65b-7443e57c72fd" providerId="AD" clId="Web-{B373AB16-4E82-2FB6-0C7C-09E75F3442E2}" dt="2024-12-30T08:28:05.997" v="20" actId="20577"/>
+      <pc:docMkLst>
+        <pc:docMk/>
+      </pc:docMkLst>
+      <pc:sldChg chg="modSp">
+        <pc:chgData name="Mathieu GAY" userId="S::mathieu.gay@ecole-isitech.fr::f319ccc3-7693-4699-a65b-7443e57c72fd" providerId="AD" clId="Web-{B373AB16-4E82-2FB6-0C7C-09E75F3442E2}" dt="2024-12-30T08:28:05.997" v="20" actId="20577"/>
+        <pc:sldMkLst>
+          <pc:docMk/>
+          <pc:sldMk cId="3430679035" sldId="438"/>
+        </pc:sldMkLst>
+        <pc:spChg chg="mod">
+          <ac:chgData name="Mathieu GAY" userId="S::mathieu.gay@ecole-isitech.fr::f319ccc3-7693-4699-a65b-7443e57c72fd" providerId="AD" clId="Web-{B373AB16-4E82-2FB6-0C7C-09E75F3442E2}" dt="2024-12-30T08:28:05.997" v="20" actId="20577"/>
+          <ac:spMkLst>
+            <pc:docMk/>
+            <pc:sldMk cId="3430679035" sldId="438"/>
+            <ac:spMk id="3" creationId="{3CAA9AEC-590A-0135-3661-C6BD0685CE0B}"/>
+          </ac:spMkLst>
+        </pc:spChg>
+      </pc:sldChg>
+    </pc:docChg>
+  </pc:docChgLst>
+</pc:chgInfo>
 </file>
 
 <file path=ppt/diagrams/colors1.xml><?xml version="1.0" encoding="utf-8"?>
@@ -3753,10 +3781,10 @@
         <a:lstStyle/>
         <a:p>
           <a:r>
-            <a:rPr lang="fr-FR" dirty="0"/>
+            <a:rPr lang="fr-FR"/>
             <a:t>Chapitre 1 Titre</a:t>
           </a:r>
-          <a:endParaRPr lang="en-US" dirty="0"/>
+          <a:endParaRPr lang="en-US"/>
         </a:p>
       </dgm:t>
     </dgm:pt>
@@ -3790,10 +3818,10 @@
         <a:lstStyle/>
         <a:p>
           <a:r>
-            <a:rPr lang="fr-FR" dirty="0"/>
+            <a:rPr lang="fr-FR"/>
             <a:t>Chapitre 2 Titre</a:t>
           </a:r>
-          <a:endParaRPr lang="en-US" dirty="0"/>
+          <a:endParaRPr lang="en-US"/>
         </a:p>
       </dgm:t>
     </dgm:pt>
@@ -3827,10 +3855,10 @@
         <a:lstStyle/>
         <a:p>
           <a:r>
-            <a:rPr lang="fr-FR" dirty="0"/>
+            <a:rPr lang="fr-FR"/>
             <a:t>Chapitre 3 Titre</a:t>
           </a:r>
-          <a:endParaRPr lang="en-US" dirty="0"/>
+          <a:endParaRPr lang="en-US"/>
         </a:p>
       </dgm:t>
     </dgm:pt>
@@ -3864,10 +3892,10 @@
         <a:lstStyle/>
         <a:p>
           <a:r>
-            <a:rPr lang="fr-FR" dirty="0"/>
+            <a:rPr lang="fr-FR"/>
             <a:t>Chapitre 4 Titre</a:t>
           </a:r>
-          <a:endParaRPr lang="en-US" dirty="0"/>
+          <a:endParaRPr lang="en-US"/>
         </a:p>
       </dgm:t>
     </dgm:pt>
@@ -3901,10 +3929,10 @@
         <a:lstStyle/>
         <a:p>
           <a:r>
-            <a:rPr lang="fr-FR" dirty="0"/>
+            <a:rPr lang="fr-FR"/>
             <a:t>Chapitre 5 Titre</a:t>
           </a:r>
-          <a:endParaRPr lang="en-US" dirty="0"/>
+          <a:endParaRPr lang="en-US"/>
         </a:p>
       </dgm:t>
     </dgm:pt>
@@ -3938,10 +3966,10 @@
         <a:lstStyle/>
         <a:p>
           <a:r>
-            <a:rPr lang="fr-FR" dirty="0"/>
+            <a:rPr lang="fr-FR"/>
             <a:t>Chapitre 8 Titre</a:t>
           </a:r>
-          <a:endParaRPr lang="en-US" dirty="0"/>
+          <a:endParaRPr lang="en-US"/>
         </a:p>
       </dgm:t>
     </dgm:pt>
@@ -3975,10 +4003,10 @@
         <a:lstStyle/>
         <a:p>
           <a:r>
-            <a:rPr lang="fr-FR" dirty="0"/>
+            <a:rPr lang="fr-FR"/>
             <a:t>Chapitre 6 Titre</a:t>
           </a:r>
-          <a:endParaRPr lang="en-US" dirty="0"/>
+          <a:endParaRPr lang="en-US"/>
         </a:p>
       </dgm:t>
     </dgm:pt>
@@ -4012,10 +4040,10 @@
         <a:lstStyle/>
         <a:p>
           <a:r>
-            <a:rPr lang="fr-FR" dirty="0"/>
+            <a:rPr lang="fr-FR"/>
             <a:t>Chapitre 7 Titre</a:t>
           </a:r>
-          <a:endParaRPr lang="en-US" dirty="0"/>
+          <a:endParaRPr lang="en-US"/>
         </a:p>
       </dgm:t>
     </dgm:pt>
@@ -4049,10 +4077,10 @@
         <a:lstStyle/>
         <a:p>
           <a:r>
-            <a:rPr lang="fr-FR" dirty="0"/>
+            <a:rPr lang="fr-FR"/>
             <a:t>Chapitre 9 Titre</a:t>
           </a:r>
-          <a:endParaRPr lang="en-US" dirty="0"/>
+          <a:endParaRPr lang="en-US"/>
         </a:p>
       </dgm:t>
     </dgm:pt>
@@ -4238,13 +4266,13 @@
     <dgm:cxn modelId="{AB1D031C-E4E5-5846-B5E9-C8C5CECD6D25}" type="presOf" srcId="{0308D590-C161-4E12-B758-1525695553A2}" destId="{9A2C8170-E140-3048-85C0-97DC20485B0D}" srcOrd="0" destOrd="0" presId="urn:microsoft.com/office/officeart/2008/layout/LinedList"/>
     <dgm:cxn modelId="{80A75F29-AAD9-DD46-9EAC-6538825CD801}" type="presOf" srcId="{3D3BD6BA-8B32-264C-B6D9-C526BE319876}" destId="{E713B1FB-C0E5-8F41-9EC9-6A13984FC023}" srcOrd="0" destOrd="0" presId="urn:microsoft.com/office/officeart/2008/layout/LinedList"/>
     <dgm:cxn modelId="{DA738935-15F2-EC4A-8A24-AA658B1806D5}" srcId="{E5B6C62B-81E8-463D-9B1C-741416C9BAC5}" destId="{95926559-3651-6548-BC44-142C1611C040}" srcOrd="6" destOrd="0" parTransId="{E61EBCF3-FCBC-3549-B6E5-5ECD0C216B6F}" sibTransId="{5C8BE786-5E8F-CB47-A749-C85C2CEB1C6A}"/>
+    <dgm:cxn modelId="{DAD4B95B-8481-48C6-B4DB-BD755655411F}" srcId="{E5B6C62B-81E8-463D-9B1C-741416C9BAC5}" destId="{0308D590-C161-4E12-B758-1525695553A2}" srcOrd="2" destOrd="0" parTransId="{39419476-084D-4A4C-A9CE-69874249D259}" sibTransId="{01F9F1C1-8C6A-47AF-95B2-6EA5FB2E037A}"/>
     <dgm:cxn modelId="{716C3842-5AFB-4526-895F-9A462BE24C0E}" srcId="{E5B6C62B-81E8-463D-9B1C-741416C9BAC5}" destId="{49A44209-5A42-4EC8-8D54-3F1432B656B3}" srcOrd="4" destOrd="0" parTransId="{7C46BF6B-BE90-47CF-A37A-8E9DB8E41EC8}" sibTransId="{96E00C55-5225-4227-84F0-ACF138BEE79F}"/>
+    <dgm:cxn modelId="{DBC0BD62-354A-BD42-A4BC-2C24431F3506}" srcId="{E5B6C62B-81E8-463D-9B1C-741416C9BAC5}" destId="{3D3BD6BA-8B32-264C-B6D9-C526BE319876}" srcOrd="8" destOrd="0" parTransId="{06A76EF8-4AC1-D247-8E0C-78488883911A}" sibTransId="{1131F828-8763-6041-90F8-8BDD7C43B028}"/>
     <dgm:cxn modelId="{54C24D44-2895-4175-85DE-60B88E91BF29}" srcId="{E5B6C62B-81E8-463D-9B1C-741416C9BAC5}" destId="{0CD6005B-F6B5-4565-ADA8-7D22A90AB751}" srcOrd="7" destOrd="0" parTransId="{E8C9B279-D019-4F95-97E1-7484C2B30314}" sibTransId="{C6FF5064-DF4A-49FB-B504-D00CF3AA2E78}"/>
     <dgm:cxn modelId="{6F7D2B47-6AA9-2B45-8706-A133E708D26F}" type="presOf" srcId="{AAE7AE32-34CD-4D5B-B7D6-85BB55AD82FB}" destId="{CED2FF6B-1543-7746-916D-2887D7DF0EA2}" srcOrd="0" destOrd="0" presId="urn:microsoft.com/office/officeart/2008/layout/LinedList"/>
+    <dgm:cxn modelId="{46A25C6E-2D3C-2F40-ADB8-2C4DC0F18F74}" type="presOf" srcId="{E5B6C62B-81E8-463D-9B1C-741416C9BAC5}" destId="{02956F8B-8164-EB41-8AB9-AF6266033E2D}" srcOrd="0" destOrd="0" presId="urn:microsoft.com/office/officeart/2008/layout/LinedList"/>
     <dgm:cxn modelId="{E4FD4652-D5F9-9442-9F6F-ECCD5C9C9C5C}" type="presOf" srcId="{BD654F05-5A3A-AD43-977B-50AFAEB8CBBD}" destId="{7AC58000-4A75-1C47-8B46-D69CD0D064A8}" srcOrd="0" destOrd="0" presId="urn:microsoft.com/office/officeart/2008/layout/LinedList"/>
-    <dgm:cxn modelId="{DAD4B95B-8481-48C6-B4DB-BD755655411F}" srcId="{E5B6C62B-81E8-463D-9B1C-741416C9BAC5}" destId="{0308D590-C161-4E12-B758-1525695553A2}" srcOrd="2" destOrd="0" parTransId="{39419476-084D-4A4C-A9CE-69874249D259}" sibTransId="{01F9F1C1-8C6A-47AF-95B2-6EA5FB2E037A}"/>
-    <dgm:cxn modelId="{DBC0BD62-354A-BD42-A4BC-2C24431F3506}" srcId="{E5B6C62B-81E8-463D-9B1C-741416C9BAC5}" destId="{3D3BD6BA-8B32-264C-B6D9-C526BE319876}" srcOrd="8" destOrd="0" parTransId="{06A76EF8-4AC1-D247-8E0C-78488883911A}" sibTransId="{1131F828-8763-6041-90F8-8BDD7C43B028}"/>
-    <dgm:cxn modelId="{46A25C6E-2D3C-2F40-ADB8-2C4DC0F18F74}" type="presOf" srcId="{E5B6C62B-81E8-463D-9B1C-741416C9BAC5}" destId="{02956F8B-8164-EB41-8AB9-AF6266033E2D}" srcOrd="0" destOrd="0" presId="urn:microsoft.com/office/officeart/2008/layout/LinedList"/>
     <dgm:cxn modelId="{92B1087A-3024-A746-A1A7-56DD6F8D8313}" type="presOf" srcId="{0CD6005B-F6B5-4565-ADA8-7D22A90AB751}" destId="{31D89D08-6D8A-5149-9EA3-E8F896FD0F97}" srcOrd="0" destOrd="0" presId="urn:microsoft.com/office/officeart/2008/layout/LinedList"/>
     <dgm:cxn modelId="{F663CE7F-715B-4080-BCFD-D161C33521CF}" srcId="{E5B6C62B-81E8-463D-9B1C-741416C9BAC5}" destId="{28744FCC-73B3-4D47-8956-6F07AB6EAE30}" srcOrd="0" destOrd="0" parTransId="{06AAE98D-5325-4B44-A366-73F979696900}" sibTransId="{20E06CC1-0566-43D7-B310-07971EDA842D}"/>
     <dgm:cxn modelId="{50232181-8A84-9D43-BC14-485126B2F23C}" type="presOf" srcId="{28744FCC-73B3-4D47-8956-6F07AB6EAE30}" destId="{1A097C1C-5246-2D4B-BCB5-B47FB13E9C82}" srcOrd="0" destOrd="0" presId="urn:microsoft.com/office/officeart/2008/layout/LinedList"/>
@@ -4322,10 +4350,10 @@
         <a:lstStyle/>
         <a:p>
           <a:r>
-            <a:rPr lang="fr-FR" dirty="0"/>
+            <a:rPr lang="fr-FR"/>
             <a:t>Chapitre 1 Introduction aux patterns de conception</a:t>
           </a:r>
-          <a:endParaRPr lang="en-US" dirty="0"/>
+          <a:endParaRPr lang="en-US"/>
         </a:p>
       </dgm:t>
     </dgm:pt>
@@ -4359,10 +4387,10 @@
         <a:lstStyle/>
         <a:p>
           <a:r>
-            <a:rPr lang="fr-FR" dirty="0"/>
+            <a:rPr lang="fr-FR"/>
             <a:t>Chapitre 2 Une étude de cas : la vente en ligne de véhicules</a:t>
           </a:r>
-          <a:endParaRPr lang="en-US" dirty="0"/>
+          <a:endParaRPr lang="en-US"/>
         </a:p>
       </dgm:t>
     </dgm:pt>
@@ -4396,10 +4424,10 @@
         <a:lstStyle/>
         <a:p>
           <a:r>
-            <a:rPr lang="fr-FR" dirty="0"/>
+            <a:rPr lang="fr-FR"/>
             <a:t>Chapitre 3 Introduction aux patterns de construction</a:t>
           </a:r>
-          <a:endParaRPr lang="en-US" dirty="0"/>
+          <a:endParaRPr lang="en-US"/>
         </a:p>
       </dgm:t>
     </dgm:pt>
@@ -4433,14 +4461,14 @@
         <a:lstStyle/>
         <a:p>
           <a:r>
-            <a:rPr lang="fr-FR" dirty="0"/>
+            <a:rPr lang="fr-FR"/>
             <a:t>Chapitre 4 Le pattern Abstract </a:t>
           </a:r>
           <a:r>
-            <a:rPr lang="fr-FR" dirty="0" err="1"/>
+            <a:rPr lang="fr-FR" err="1"/>
             <a:t>Factory</a:t>
           </a:r>
-          <a:endParaRPr lang="en-US" dirty="0"/>
+          <a:endParaRPr lang="en-US"/>
         </a:p>
       </dgm:t>
     </dgm:pt>
@@ -4474,18 +4502,18 @@
         <a:lstStyle/>
         <a:p>
           <a:r>
-            <a:rPr lang="fr-FR" dirty="0"/>
+            <a:rPr lang="fr-FR"/>
             <a:t>Chapitre 6 Le pattern </a:t>
           </a:r>
           <a:r>
-            <a:rPr lang="fr-FR" dirty="0" err="1"/>
+            <a:rPr lang="fr-FR" err="1"/>
             <a:t>Factory</a:t>
           </a:r>
           <a:r>
-            <a:rPr lang="fr-FR" dirty="0"/>
+            <a:rPr lang="fr-FR"/>
             <a:t> Method</a:t>
           </a:r>
-          <a:endParaRPr lang="en-US" dirty="0"/>
+          <a:endParaRPr lang="en-US"/>
         </a:p>
       </dgm:t>
     </dgm:pt>
@@ -4519,18 +4547,18 @@
         <a:lstStyle/>
         <a:p>
           <a:r>
-            <a:rPr lang="en-US" dirty="0" err="1"/>
+            <a:rPr lang="en-US" err="1"/>
             <a:t>Chapitre</a:t>
           </a:r>
           <a:r>
-            <a:rPr lang="en-US" dirty="0"/>
+            <a:rPr lang="en-US"/>
             <a:t> 7 </a:t>
           </a:r>
           <a:r>
-            <a:rPr lang="fr-FR" dirty="0"/>
+            <a:rPr lang="fr-FR"/>
             <a:t>Le pattern Prototype</a:t>
           </a:r>
-          <a:endParaRPr lang="en-US" dirty="0"/>
+          <a:endParaRPr lang="en-US"/>
         </a:p>
       </dgm:t>
     </dgm:pt>
@@ -4564,18 +4592,18 @@
         <a:lstStyle/>
         <a:p>
           <a:r>
-            <a:rPr lang="en-US" dirty="0" err="1"/>
+            <a:rPr lang="en-US" err="1"/>
             <a:t>Chapitre</a:t>
           </a:r>
           <a:r>
-            <a:rPr lang="en-US" dirty="0"/>
+            <a:rPr lang="en-US"/>
             <a:t> 8 </a:t>
           </a:r>
           <a:r>
-            <a:rPr lang="fr-FR" dirty="0"/>
+            <a:rPr lang="fr-FR"/>
             <a:t>Le pattern Singleton</a:t>
           </a:r>
-          <a:endParaRPr lang="en-US" dirty="0"/>
+          <a:endParaRPr lang="en-US"/>
         </a:p>
       </dgm:t>
     </dgm:pt>
@@ -4609,18 +4637,18 @@
         <a:lstStyle/>
         <a:p>
           <a:r>
-            <a:rPr lang="en-US" dirty="0" err="1"/>
+            <a:rPr lang="en-US" err="1"/>
             <a:t>Chapitre</a:t>
           </a:r>
           <a:r>
-            <a:rPr lang="en-US" dirty="0"/>
+            <a:rPr lang="en-US"/>
             <a:t> 9 </a:t>
           </a:r>
           <a:r>
-            <a:rPr lang="fr-FR" dirty="0"/>
+            <a:rPr lang="fr-FR"/>
             <a:t>Introduction aux patterns de structuration</a:t>
           </a:r>
-          <a:endParaRPr lang="en-US" dirty="0"/>
+          <a:endParaRPr lang="en-US"/>
         </a:p>
       </dgm:t>
     </dgm:pt>
@@ -4654,18 +4682,18 @@
         <a:lstStyle/>
         <a:p>
           <a:r>
-            <a:rPr lang="en-US" dirty="0" err="1"/>
+            <a:rPr lang="en-US" err="1"/>
             <a:t>Chapitre</a:t>
           </a:r>
           <a:r>
-            <a:rPr lang="en-US" dirty="0"/>
+            <a:rPr lang="en-US"/>
             <a:t> 10 </a:t>
           </a:r>
           <a:r>
-            <a:rPr lang="fr-FR" dirty="0"/>
+            <a:rPr lang="fr-FR"/>
             <a:t>Le pattern Adapter</a:t>
           </a:r>
-          <a:endParaRPr lang="en-US" dirty="0"/>
+          <a:endParaRPr lang="en-US"/>
         </a:p>
       </dgm:t>
     </dgm:pt>
@@ -4699,18 +4727,18 @@
         <a:lstStyle/>
         <a:p>
           <a:r>
-            <a:rPr lang="en-US" dirty="0" err="1"/>
+            <a:rPr lang="en-US" err="1"/>
             <a:t>Chapitre</a:t>
           </a:r>
           <a:r>
-            <a:rPr lang="en-US" dirty="0"/>
+            <a:rPr lang="en-US"/>
             <a:t> 5 </a:t>
           </a:r>
           <a:r>
-            <a:rPr lang="fr-FR" dirty="0"/>
+            <a:rPr lang="fr-FR"/>
             <a:t>Le pattern Builder</a:t>
           </a:r>
-          <a:endParaRPr lang="en-US" dirty="0"/>
+          <a:endParaRPr lang="en-US"/>
         </a:p>
       </dgm:t>
     </dgm:pt>
@@ -4898,12 +4926,12 @@
     <dgm:cxn modelId="{01E7C40E-D5E1-427F-85D3-94AC15AC6308}" srcId="{E5B6C62B-81E8-463D-9B1C-741416C9BAC5}" destId="{FBFF71B6-DC50-446C-9967-F562E3B1FCD7}" srcOrd="9" destOrd="0" parTransId="{5B947B8A-75FD-43CC-A7B6-6EBA4A8D991E}" sibTransId="{072BDFC9-219D-4216-8537-FE9F8C404A4A}"/>
     <dgm:cxn modelId="{47F4F70E-9727-4663-ACED-6CAD1B4AC4B0}" srcId="{E5B6C62B-81E8-463D-9B1C-741416C9BAC5}" destId="{75773009-E2E2-45AA-A9C1-CA016336C300}" srcOrd="5" destOrd="0" parTransId="{82D33CC9-1252-4DC6-B075-CC8BA81D83B3}" sibTransId="{E909B2C1-7735-4722-9406-D44D58B16E96}"/>
     <dgm:cxn modelId="{0640AF3E-CB0B-46A4-B744-35101FD056A8}" type="presOf" srcId="{FBFF71B6-DC50-446C-9967-F562E3B1FCD7}" destId="{493CFC5D-08FF-49AE-95B6-256CB93B5E06}" srcOrd="0" destOrd="0" presId="urn:microsoft.com/office/officeart/2008/layout/LinedList"/>
-    <dgm:cxn modelId="{7610F250-5AFE-41F9-BE17-8F5E90B6E76D}" srcId="{E5B6C62B-81E8-463D-9B1C-741416C9BAC5}" destId="{1B01333F-E548-4AC5-8549-1739A313CEB7}" srcOrd="1" destOrd="0" parTransId="{C17C4318-7737-4617-A919-C9D3204F304C}" sibTransId="{3EEBF128-283E-4615-A537-F394F4875E20}"/>
-    <dgm:cxn modelId="{3187DE55-FB18-4E36-8CA2-7061A8C69F46}" srcId="{E5B6C62B-81E8-463D-9B1C-741416C9BAC5}" destId="{9D4E7718-C69C-477A-ACC5-10C0F5E8DE59}" srcOrd="6" destOrd="0" parTransId="{04C4367C-8D01-485F-BEB4-F1D165C7965F}" sibTransId="{3E7698AF-787B-4C32-BB0F-FFFFB5E4A6B9}"/>
     <dgm:cxn modelId="{752B085D-00AA-426B-A5CE-E5D1B35F57AC}" srcId="{E5B6C62B-81E8-463D-9B1C-741416C9BAC5}" destId="{9DFA5642-F6AC-4ADA-A16C-667A822790F7}" srcOrd="4" destOrd="0" parTransId="{754A95FC-47FD-4C5E-B567-7E7935A43851}" sibTransId="{31B4574B-40EF-4245-91D1-C9B646518801}"/>
     <dgm:cxn modelId="{46A25C6E-2D3C-2F40-ADB8-2C4DC0F18F74}" type="presOf" srcId="{E5B6C62B-81E8-463D-9B1C-741416C9BAC5}" destId="{02956F8B-8164-EB41-8AB9-AF6266033E2D}" srcOrd="0" destOrd="0" presId="urn:microsoft.com/office/officeart/2008/layout/LinedList"/>
+    <dgm:cxn modelId="{7610F250-5AFE-41F9-BE17-8F5E90B6E76D}" srcId="{E5B6C62B-81E8-463D-9B1C-741416C9BAC5}" destId="{1B01333F-E548-4AC5-8549-1739A313CEB7}" srcOrd="1" destOrd="0" parTransId="{C17C4318-7737-4617-A919-C9D3204F304C}" sibTransId="{3EEBF128-283E-4615-A537-F394F4875E20}"/>
     <dgm:cxn modelId="{D9D04D72-E7C0-4420-82D9-AF50A5BCB9D4}" srcId="{E5B6C62B-81E8-463D-9B1C-741416C9BAC5}" destId="{C173E789-6851-42EF-9D7B-5732D1C412C1}" srcOrd="7" destOrd="0" parTransId="{B052EE31-A33D-4367-A171-BD3E354E3C8C}" sibTransId="{6206685C-872B-40F7-8E88-FEE3FF466B7C}"/>
     <dgm:cxn modelId="{89A1A974-57DE-4909-A7B0-E35E7E29B7FC}" type="presOf" srcId="{1B01333F-E548-4AC5-8549-1739A313CEB7}" destId="{92BD4957-0866-4BD7-82CF-3BD10B455B46}" srcOrd="0" destOrd="0" presId="urn:microsoft.com/office/officeart/2008/layout/LinedList"/>
+    <dgm:cxn modelId="{3187DE55-FB18-4E36-8CA2-7061A8C69F46}" srcId="{E5B6C62B-81E8-463D-9B1C-741416C9BAC5}" destId="{9D4E7718-C69C-477A-ACC5-10C0F5E8DE59}" srcOrd="6" destOrd="0" parTransId="{04C4367C-8D01-485F-BEB4-F1D165C7965F}" sibTransId="{3E7698AF-787B-4C32-BB0F-FFFFB5E4A6B9}"/>
     <dgm:cxn modelId="{F0B52977-C88D-4155-833E-488F7DAC4A49}" srcId="{E5B6C62B-81E8-463D-9B1C-741416C9BAC5}" destId="{AADE21D6-3340-43C4-9525-FFE6AB4036AF}" srcOrd="3" destOrd="0" parTransId="{3C904419-3C68-4AD5-AC6B-8E92FF9011F8}" sibTransId="{6746472D-1C72-40D3-B6C4-B5F290ED9310}"/>
     <dgm:cxn modelId="{F663CE7F-715B-4080-BCFD-D161C33521CF}" srcId="{E5B6C62B-81E8-463D-9B1C-741416C9BAC5}" destId="{28744FCC-73B3-4D47-8956-6F07AB6EAE30}" srcOrd="0" destOrd="0" parTransId="{06AAE98D-5325-4B44-A366-73F979696900}" sibTransId="{20E06CC1-0566-43D7-B310-07971EDA842D}"/>
     <dgm:cxn modelId="{C48A088F-4D0A-4A93-A7CC-4FE33CC85017}" type="presOf" srcId="{75773009-E2E2-45AA-A9C1-CA016336C300}" destId="{F3D61F2D-8399-4D36-B928-3064D66D56A8}" srcOrd="0" destOrd="0" presId="urn:microsoft.com/office/officeart/2008/layout/LinedList"/>
@@ -5000,7 +5028,7 @@
             <a:buNone/>
           </a:pPr>
           <a:r>
-            <a:rPr lang="fr-FR" sz="1700" kern="1200" dirty="0">
+            <a:rPr lang="fr-FR" sz="1700" kern="1200">
               <a:solidFill>
                 <a:prstClr val="black">
                   <a:hueOff val="0"/>
@@ -5015,7 +5043,7 @@
             </a:rPr>
             <a:t>Chapitre 11 Le pattern Bridge</a:t>
           </a:r>
-          <a:endParaRPr lang="en-US" sz="1700" kern="1200" dirty="0">
+          <a:endParaRPr lang="en-US" sz="1700" kern="1200">
             <a:solidFill>
               <a:prstClr val="black">
                 <a:hueOff val="0"/>
@@ -5073,7 +5101,7 @@
             <a:buNone/>
           </a:pPr>
           <a:r>
-            <a:rPr lang="fr-FR" sz="1700" kern="1200" dirty="0">
+            <a:rPr lang="fr-FR" sz="1700" kern="1200">
               <a:solidFill>
                 <a:prstClr val="black">
                   <a:hueOff val="0"/>
@@ -5088,7 +5116,7 @@
             </a:rPr>
             <a:t>Chapitre 12 Le pattern Composite</a:t>
           </a:r>
-          <a:endParaRPr lang="en-US" sz="1700" kern="1200" dirty="0">
+          <a:endParaRPr lang="en-US" sz="1700" kern="1200">
             <a:solidFill>
               <a:prstClr val="black">
                 <a:hueOff val="0"/>
@@ -5146,7 +5174,7 @@
             <a:buNone/>
           </a:pPr>
           <a:r>
-            <a:rPr lang="fr-FR" sz="1700" kern="1200" dirty="0">
+            <a:rPr lang="fr-FR" sz="1700" kern="1200">
               <a:solidFill>
                 <a:prstClr val="black">
                   <a:hueOff val="0"/>
@@ -5162,7 +5190,7 @@
             <a:t>Chapitre 13 Le pattern </a:t>
           </a:r>
           <a:r>
-            <a:rPr lang="fr-FR" sz="1700" kern="1200" dirty="0" err="1">
+            <a:rPr lang="fr-FR" sz="1700" kern="1200" err="1">
               <a:solidFill>
                 <a:prstClr val="black">
                   <a:hueOff val="0"/>
@@ -5177,7 +5205,7 @@
             </a:rPr>
             <a:t>Decorator</a:t>
           </a:r>
-          <a:endParaRPr lang="en-US" sz="1700" kern="1200" dirty="0">
+          <a:endParaRPr lang="en-US" sz="1700" kern="1200">
             <a:solidFill>
               <a:prstClr val="black">
                 <a:hueOff val="0"/>
@@ -5235,7 +5263,7 @@
             <a:buNone/>
           </a:pPr>
           <a:r>
-            <a:rPr lang="fr-FR" sz="1700" kern="1200" dirty="0">
+            <a:rPr lang="fr-FR" sz="1700" kern="1200">
               <a:solidFill>
                 <a:prstClr val="black">
                   <a:hueOff val="0"/>
@@ -5251,7 +5279,7 @@
             <a:t>Chapitre 14 Le pattern </a:t>
           </a:r>
           <a:r>
-            <a:rPr lang="fr-FR" sz="1700" kern="1200" dirty="0" err="1">
+            <a:rPr lang="fr-FR" sz="1700" kern="1200" err="1">
               <a:solidFill>
                 <a:prstClr val="black">
                   <a:hueOff val="0"/>
@@ -5266,7 +5294,7 @@
             </a:rPr>
             <a:t>Facade</a:t>
           </a:r>
-          <a:endParaRPr lang="en-US" sz="1700" kern="1200" dirty="0">
+          <a:endParaRPr lang="en-US" sz="1700" kern="1200">
             <a:solidFill>
               <a:prstClr val="black">
                 <a:hueOff val="0"/>
@@ -5324,7 +5352,7 @@
             <a:buNone/>
           </a:pPr>
           <a:r>
-            <a:rPr lang="fr-FR" sz="1700" kern="1200" dirty="0">
+            <a:rPr lang="fr-FR" sz="1700" kern="1200">
               <a:solidFill>
                 <a:prstClr val="black">
                   <a:hueOff val="0"/>
@@ -5339,7 +5367,7 @@
             </a:rPr>
             <a:t>Chapitre 16 Le pattern Proxy</a:t>
           </a:r>
-          <a:endParaRPr lang="en-US" sz="1700" kern="1200" dirty="0">
+          <a:endParaRPr lang="en-US" sz="1700" kern="1200">
             <a:solidFill>
               <a:prstClr val="black">
                 <a:hueOff val="0"/>
@@ -5397,7 +5425,7 @@
             <a:buNone/>
           </a:pPr>
           <a:r>
-            <a:rPr lang="en-US" sz="1700" kern="1200" dirty="0" err="1">
+            <a:rPr lang="en-US" sz="1700" kern="1200" err="1">
               <a:solidFill>
                 <a:prstClr val="black">
                   <a:hueOff val="0"/>
@@ -5413,7 +5441,7 @@
             <a:t>Chapitre</a:t>
           </a:r>
           <a:r>
-            <a:rPr lang="en-US" sz="1700" kern="1200" dirty="0">
+            <a:rPr lang="en-US" sz="1700" kern="1200">
               <a:solidFill>
                 <a:prstClr val="black">
                   <a:hueOff val="0"/>
@@ -5429,7 +5457,7 @@
             <a:t> 17 </a:t>
           </a:r>
           <a:r>
-            <a:rPr lang="fr-FR" sz="1700" kern="1200" dirty="0">
+            <a:rPr lang="fr-FR" sz="1700" kern="1200">
               <a:solidFill>
                 <a:prstClr val="black">
                   <a:hueOff val="0"/>
@@ -5444,7 +5472,7 @@
             </a:rPr>
             <a:t>Introduction aux patterns de comportement</a:t>
           </a:r>
-          <a:endParaRPr lang="en-US" sz="1700" kern="1200" dirty="0">
+          <a:endParaRPr lang="en-US" sz="1700" kern="1200">
             <a:solidFill>
               <a:prstClr val="black">
                 <a:hueOff val="0"/>
@@ -5502,7 +5530,7 @@
             <a:buNone/>
           </a:pPr>
           <a:r>
-            <a:rPr lang="en-US" sz="1700" kern="1200" dirty="0" err="1">
+            <a:rPr lang="en-US" sz="1700" kern="1200" err="1">
               <a:solidFill>
                 <a:prstClr val="black">
                   <a:hueOff val="0"/>
@@ -5518,7 +5546,7 @@
             <a:t>Chapitre</a:t>
           </a:r>
           <a:r>
-            <a:rPr lang="en-US" sz="1700" kern="1200" dirty="0">
+            <a:rPr lang="en-US" sz="1700" kern="1200">
               <a:solidFill>
                 <a:prstClr val="black">
                   <a:hueOff val="0"/>
@@ -5578,7 +5606,7 @@
             <a:buNone/>
           </a:pPr>
           <a:r>
-            <a:rPr lang="en-US" sz="1700" kern="1200" dirty="0" err="1">
+            <a:rPr lang="en-US" sz="1700" kern="1200" err="1">
               <a:solidFill>
                 <a:prstClr val="black">
                   <a:hueOff val="0"/>
@@ -5594,7 +5622,7 @@
             <a:t>Chapitre</a:t>
           </a:r>
           <a:r>
-            <a:rPr lang="en-US" sz="1700" kern="1200" dirty="0">
+            <a:rPr lang="en-US" sz="1700" kern="1200">
               <a:solidFill>
                 <a:prstClr val="black">
                   <a:hueOff val="0"/>
@@ -5610,7 +5638,7 @@
             <a:t> 15 </a:t>
           </a:r>
           <a:r>
-            <a:rPr lang="fr-FR" sz="1700" kern="1200" dirty="0">
+            <a:rPr lang="fr-FR" sz="1700" kern="1200">
               <a:solidFill>
                 <a:prstClr val="black">
                   <a:hueOff val="0"/>
@@ -5626,7 +5654,7 @@
             <a:t>Le pattern </a:t>
           </a:r>
           <a:r>
-            <a:rPr lang="fr-FR" sz="1700" kern="1200" dirty="0" err="1">
+            <a:rPr lang="fr-FR" sz="1700" kern="1200" err="1">
               <a:solidFill>
                 <a:prstClr val="black">
                   <a:hueOff val="0"/>
@@ -5641,7 +5669,7 @@
             </a:rPr>
             <a:t>Flyweight</a:t>
           </a:r>
-          <a:endParaRPr lang="en-US" sz="1700" kern="1200" dirty="0">
+          <a:endParaRPr lang="en-US" sz="1700" kern="1200">
             <a:solidFill>
               <a:prstClr val="black">
                 <a:hueOff val="0"/>
@@ -5685,7 +5713,7 @@
             <a:buNone/>
           </a:pPr>
           <a:r>
-            <a:rPr lang="en-US" sz="1700" kern="1200" dirty="0" err="1">
+            <a:rPr lang="en-US" sz="1700" kern="1200" err="1">
               <a:solidFill>
                 <a:prstClr val="black">
                   <a:hueOff val="0"/>
@@ -5701,7 +5729,7 @@
             <a:t>Chapitre</a:t>
           </a:r>
           <a:r>
-            <a:rPr lang="en-US" sz="1700" kern="1200" dirty="0">
+            <a:rPr lang="en-US" sz="1700" kern="1200">
               <a:solidFill>
                 <a:prstClr val="black">
                   <a:hueOff val="0"/>
@@ -5717,7 +5745,7 @@
             <a:t> 19 </a:t>
           </a:r>
           <a:r>
-            <a:rPr lang="fr-FR" sz="1700" kern="1200" dirty="0">
+            <a:rPr lang="fr-FR" sz="1700" kern="1200">
               <a:solidFill>
                 <a:prstClr val="black">
                   <a:hueOff val="0"/>
@@ -5732,7 +5760,7 @@
             </a:rPr>
             <a:t>Le pattern Command</a:t>
           </a:r>
-          <a:endParaRPr lang="en-US" sz="1700" kern="1200" dirty="0">
+          <a:endParaRPr lang="en-US" sz="1700" kern="1200">
             <a:solidFill>
               <a:prstClr val="black">
                 <a:hueOff val="0"/>
@@ -5776,7 +5804,7 @@
             <a:buNone/>
           </a:pPr>
           <a:r>
-            <a:rPr lang="en-US" sz="1700" kern="1200" dirty="0" err="1">
+            <a:rPr lang="en-US" sz="1700" kern="1200" err="1">
               <a:solidFill>
                 <a:prstClr val="black">
                   <a:hueOff val="0"/>
@@ -5792,7 +5820,7 @@
             <a:t>Chapitre</a:t>
           </a:r>
           <a:r>
-            <a:rPr lang="en-US" sz="1700" kern="1200" dirty="0">
+            <a:rPr lang="en-US" sz="1700" kern="1200">
               <a:solidFill>
                 <a:prstClr val="black">
                   <a:hueOff val="0"/>
@@ -5808,7 +5836,7 @@
             <a:t> 20 </a:t>
           </a:r>
           <a:r>
-            <a:rPr lang="fr-FR" sz="1700" kern="1200" dirty="0">
+            <a:rPr lang="fr-FR" sz="1700" kern="1200">
               <a:solidFill>
                 <a:prstClr val="black">
                   <a:hueOff val="0"/>
@@ -5824,7 +5852,7 @@
             <a:t>Le pattern </a:t>
           </a:r>
           <a:r>
-            <a:rPr lang="fr-FR" sz="1700" kern="1200" dirty="0" err="1">
+            <a:rPr lang="fr-FR" sz="1700" kern="1200" err="1">
               <a:solidFill>
                 <a:prstClr val="black">
                   <a:hueOff val="0"/>
@@ -5839,7 +5867,7 @@
             </a:rPr>
             <a:t>Interpreter</a:t>
           </a:r>
-          <a:endParaRPr lang="en-US" sz="1700" kern="1200" dirty="0">
+          <a:endParaRPr lang="en-US" sz="1700" kern="1200">
             <a:solidFill>
               <a:prstClr val="black">
                 <a:hueOff val="0"/>
@@ -6039,12 +6067,12 @@
     <dgm:cxn modelId="{11B08E11-3D4A-411C-8225-C4E84A27B92B}" srcId="{E5B6C62B-81E8-463D-9B1C-741416C9BAC5}" destId="{F37171D1-8E9B-43EF-9555-B164A827EBEE}" srcOrd="5" destOrd="0" parTransId="{30F85B03-A577-4503-B721-1DDA82959329}" sibTransId="{4CBDFEAD-2C3C-40B6-B026-A627A082DDB4}"/>
     <dgm:cxn modelId="{89F95624-9FB1-4BA0-91D0-3BEA618DF53C}" srcId="{E5B6C62B-81E8-463D-9B1C-741416C9BAC5}" destId="{911ACAEE-3178-4E94-A31D-11129EDDF97D}" srcOrd="4" destOrd="0" parTransId="{D14EE9CC-E954-4343-AAF0-94924CFD2F59}" sibTransId="{73866DF5-CF43-4B04-9EB0-D808025B39F7}"/>
     <dgm:cxn modelId="{7269A626-324B-4F65-9EB8-D1A6C177F65B}" type="presOf" srcId="{D0766678-B9EA-41E2-95ED-B01891ED92F2}" destId="{D5E3B69D-1DD0-416D-BC83-20735260F489}" srcOrd="0" destOrd="0" presId="urn:microsoft.com/office/officeart/2008/layout/LinedList"/>
+    <dgm:cxn modelId="{C2F30D66-F6D9-4F45-B67A-0E427DA04AAA}" type="presOf" srcId="{F37171D1-8E9B-43EF-9555-B164A827EBEE}" destId="{1564EB4E-8139-4569-99B0-CC758AC92D11}" srcOrd="0" destOrd="0" presId="urn:microsoft.com/office/officeart/2008/layout/LinedList"/>
     <dgm:cxn modelId="{A4781C47-4F26-4E5B-9F1A-32514CE1E170}" type="presOf" srcId="{9386A605-C0E5-46EB-AB70-C5F1FFC3240C}" destId="{F5143653-9928-41BD-80B4-6AB419719A3F}" srcOrd="0" destOrd="0" presId="urn:microsoft.com/office/officeart/2008/layout/LinedList"/>
     <dgm:cxn modelId="{0CB50D4D-C278-486E-9F8B-03A16D589850}" srcId="{E5B6C62B-81E8-463D-9B1C-741416C9BAC5}" destId="{9386A605-C0E5-46EB-AB70-C5F1FFC3240C}" srcOrd="3" destOrd="0" parTransId="{2DD2DDB8-6905-442C-B272-CD4DFDE92AA4}" sibTransId="{9E09508F-68C4-43C0-A373-293650F18E15}"/>
     <dgm:cxn modelId="{A517B54D-9BB6-475A-9ED4-D54464AE5525}" srcId="{E5B6C62B-81E8-463D-9B1C-741416C9BAC5}" destId="{A3900A66-B801-4754-A464-ACD2D60C79F0}" srcOrd="2" destOrd="0" parTransId="{CB1A8FD0-9FB4-4F33-847F-F7ABB00A212C}" sibTransId="{DC7B1D55-0053-4FFE-9ADC-5B96A36D41E8}"/>
+    <dgm:cxn modelId="{46A25C6E-2D3C-2F40-ADB8-2C4DC0F18F74}" type="presOf" srcId="{E5B6C62B-81E8-463D-9B1C-741416C9BAC5}" destId="{02956F8B-8164-EB41-8AB9-AF6266033E2D}" srcOrd="0" destOrd="0" presId="urn:microsoft.com/office/officeart/2008/layout/LinedList"/>
     <dgm:cxn modelId="{7610F250-5AFE-41F9-BE17-8F5E90B6E76D}" srcId="{E5B6C62B-81E8-463D-9B1C-741416C9BAC5}" destId="{1B01333F-E548-4AC5-8549-1739A313CEB7}" srcOrd="1" destOrd="0" parTransId="{C17C4318-7737-4617-A919-C9D3204F304C}" sibTransId="{3EEBF128-283E-4615-A537-F394F4875E20}"/>
-    <dgm:cxn modelId="{C2F30D66-F6D9-4F45-B67A-0E427DA04AAA}" type="presOf" srcId="{F37171D1-8E9B-43EF-9555-B164A827EBEE}" destId="{1564EB4E-8139-4569-99B0-CC758AC92D11}" srcOrd="0" destOrd="0" presId="urn:microsoft.com/office/officeart/2008/layout/LinedList"/>
-    <dgm:cxn modelId="{46A25C6E-2D3C-2F40-ADB8-2C4DC0F18F74}" type="presOf" srcId="{E5B6C62B-81E8-463D-9B1C-741416C9BAC5}" destId="{02956F8B-8164-EB41-8AB9-AF6266033E2D}" srcOrd="0" destOrd="0" presId="urn:microsoft.com/office/officeart/2008/layout/LinedList"/>
     <dgm:cxn modelId="{89A1A974-57DE-4909-A7B0-E35E7E29B7FC}" type="presOf" srcId="{1B01333F-E548-4AC5-8549-1739A313CEB7}" destId="{92BD4957-0866-4BD7-82CF-3BD10B455B46}" srcOrd="0" destOrd="0" presId="urn:microsoft.com/office/officeart/2008/layout/LinedList"/>
     <dgm:cxn modelId="{F663CE7F-715B-4080-BCFD-D161C33521CF}" srcId="{E5B6C62B-81E8-463D-9B1C-741416C9BAC5}" destId="{28744FCC-73B3-4D47-8956-6F07AB6EAE30}" srcOrd="0" destOrd="0" parTransId="{06AAE98D-5325-4B44-A366-73F979696900}" sibTransId="{20E06CC1-0566-43D7-B310-07971EDA842D}"/>
     <dgm:cxn modelId="{0D39E181-D275-4295-BE6A-DAE2472BD4D7}" srcId="{E5B6C62B-81E8-463D-9B1C-741416C9BAC5}" destId="{872B619E-D1FA-4F70-8C2A-8A836545BA29}" srcOrd="7" destOrd="0" parTransId="{9535B15A-D61C-4CE5-A19B-E419E1AE1171}" sibTransId="{E46C5C72-8030-49F1-AACA-F82883F36CF5}"/>
@@ -6141,7 +6169,7 @@
             <a:buNone/>
           </a:pPr>
           <a:r>
-            <a:rPr lang="fr-FR" sz="1700" kern="1200" dirty="0">
+            <a:rPr lang="fr-FR" sz="1700" kern="1200">
               <a:solidFill>
                 <a:prstClr val="black">
                   <a:hueOff val="0"/>
@@ -6157,7 +6185,7 @@
             <a:t>Chapitre 21 Le pattern </a:t>
           </a:r>
           <a:r>
-            <a:rPr lang="fr-FR" sz="1700" kern="1200" dirty="0" err="1">
+            <a:rPr lang="fr-FR" sz="1700" kern="1200" err="1">
               <a:solidFill>
                 <a:prstClr val="black">
                   <a:hueOff val="0"/>
@@ -6172,7 +6200,7 @@
             </a:rPr>
             <a:t>Iterator</a:t>
           </a:r>
-          <a:endParaRPr lang="en-US" sz="1700" kern="1200" dirty="0">
+          <a:endParaRPr lang="en-US" sz="1700" kern="1200">
             <a:solidFill>
               <a:prstClr val="black">
                 <a:hueOff val="0"/>
@@ -6230,7 +6258,7 @@
             <a:buNone/>
           </a:pPr>
           <a:r>
-            <a:rPr lang="fr-FR" sz="1700" kern="1200" dirty="0">
+            <a:rPr lang="fr-FR" sz="1700" kern="1200">
               <a:solidFill>
                 <a:prstClr val="black">
                   <a:hueOff val="0"/>
@@ -6245,7 +6273,7 @@
             </a:rPr>
             <a:t>Chapitre 22 Le pattern Mediator</a:t>
           </a:r>
-          <a:endParaRPr lang="en-US" sz="1700" kern="1200" dirty="0">
+          <a:endParaRPr lang="en-US" sz="1700" kern="1200">
             <a:solidFill>
               <a:prstClr val="black">
                 <a:hueOff val="0"/>
@@ -6303,7 +6331,7 @@
             <a:buNone/>
           </a:pPr>
           <a:r>
-            <a:rPr lang="en-US" sz="1700" kern="1200" dirty="0" err="1">
+            <a:rPr lang="en-US" sz="1700" kern="1200" err="1">
               <a:solidFill>
                 <a:prstClr val="black">
                   <a:hueOff val="0"/>
@@ -6319,7 +6347,7 @@
             <a:t>Chapitre</a:t>
           </a:r>
           <a:r>
-            <a:rPr lang="en-US" sz="1700" kern="1200" dirty="0">
+            <a:rPr lang="en-US" sz="1700" kern="1200">
               <a:solidFill>
                 <a:prstClr val="black">
                   <a:hueOff val="0"/>
@@ -6335,7 +6363,7 @@
             <a:t> 27 </a:t>
           </a:r>
           <a:r>
-            <a:rPr lang="fr-FR" sz="1700" kern="1200" dirty="0">
+            <a:rPr lang="fr-FR" sz="1700" kern="1200">
               <a:solidFill>
                 <a:prstClr val="black">
                   <a:hueOff val="0"/>
@@ -6350,7 +6378,7 @@
             </a:rPr>
             <a:t>Le pattern Template Method</a:t>
           </a:r>
-          <a:endParaRPr lang="en-US" sz="1700" kern="1200" dirty="0">
+          <a:endParaRPr lang="en-US" sz="1700" kern="1200">
             <a:solidFill>
               <a:prstClr val="black">
                 <a:hueOff val="0"/>
@@ -6408,7 +6436,7 @@
             <a:buNone/>
           </a:pPr>
           <a:r>
-            <a:rPr lang="en-US" sz="1700" kern="1200" dirty="0" err="1">
+            <a:rPr lang="en-US" sz="1700" kern="1200" err="1">
               <a:solidFill>
                 <a:prstClr val="black">
                   <a:hueOff val="0"/>
@@ -6424,7 +6452,7 @@
             <a:t>Chapitre</a:t>
           </a:r>
           <a:r>
-            <a:rPr lang="en-US" sz="1700" kern="1200" dirty="0">
+            <a:rPr lang="en-US" sz="1700" kern="1200">
               <a:solidFill>
                 <a:prstClr val="black">
                   <a:hueOff val="0"/>
@@ -6440,7 +6468,7 @@
             <a:t> 28 </a:t>
           </a:r>
           <a:r>
-            <a:rPr lang="fr-FR" sz="1700" kern="1200" dirty="0">
+            <a:rPr lang="fr-FR" sz="1700" kern="1200">
               <a:solidFill>
                 <a:prstClr val="black">
                   <a:hueOff val="0"/>
@@ -6455,7 +6483,7 @@
             </a:rPr>
             <a:t>Le pattern Visitor</a:t>
           </a:r>
-          <a:endParaRPr lang="en-US" sz="1700" kern="1200" dirty="0">
+          <a:endParaRPr lang="en-US" sz="1700" kern="1200">
             <a:solidFill>
               <a:prstClr val="black">
                 <a:hueOff val="0"/>
@@ -6513,7 +6541,7 @@
             <a:buNone/>
           </a:pPr>
           <a:r>
-            <a:rPr lang="en-US" sz="1700" kern="1200" dirty="0" err="1">
+            <a:rPr lang="en-US" sz="1700" kern="1200" err="1">
               <a:solidFill>
                 <a:prstClr val="black">
                   <a:hueOff val="0"/>
@@ -6529,7 +6557,7 @@
             <a:t>Chapitre</a:t>
           </a:r>
           <a:r>
-            <a:rPr lang="en-US" sz="1700" kern="1200" dirty="0">
+            <a:rPr lang="en-US" sz="1700" kern="1200">
               <a:solidFill>
                 <a:prstClr val="black">
                   <a:hueOff val="0"/>
@@ -6545,7 +6573,7 @@
             <a:t> 25 </a:t>
           </a:r>
           <a:r>
-            <a:rPr lang="fr-FR" sz="1700" kern="1200" dirty="0">
+            <a:rPr lang="fr-FR" sz="1700" kern="1200">
               <a:solidFill>
                 <a:prstClr val="black">
                   <a:hueOff val="0"/>
@@ -6560,7 +6588,7 @@
             </a:rPr>
             <a:t>Le pattern State</a:t>
           </a:r>
-          <a:endParaRPr lang="en-US" sz="1700" kern="1200" dirty="0">
+          <a:endParaRPr lang="en-US" sz="1700" kern="1200">
             <a:solidFill>
               <a:prstClr val="black">
                 <a:hueOff val="0"/>
@@ -6618,7 +6646,7 @@
             <a:buNone/>
           </a:pPr>
           <a:r>
-            <a:rPr lang="en-US" sz="1700" kern="1200" dirty="0" err="1">
+            <a:rPr lang="en-US" sz="1700" kern="1200" err="1">
               <a:solidFill>
                 <a:prstClr val="black">
                   <a:hueOff val="0"/>
@@ -6634,7 +6662,7 @@
             <a:t>Chapitre</a:t>
           </a:r>
           <a:r>
-            <a:rPr lang="en-US" sz="1700" kern="1200" dirty="0">
+            <a:rPr lang="en-US" sz="1700" kern="1200">
               <a:solidFill>
                 <a:prstClr val="black">
                   <a:hueOff val="0"/>
@@ -6650,7 +6678,7 @@
             <a:t> 30 </a:t>
           </a:r>
           <a:r>
-            <a:rPr lang="fr-FR" sz="1700" kern="1200" dirty="0">
+            <a:rPr lang="fr-FR" sz="1700" kern="1200">
               <a:solidFill>
                 <a:prstClr val="black">
                   <a:hueOff val="0"/>
@@ -6665,7 +6693,7 @@
             </a:rPr>
             <a:t>Le pattern composite MVC</a:t>
           </a:r>
-          <a:endParaRPr lang="en-US" sz="1700" kern="1200" dirty="0">
+          <a:endParaRPr lang="en-US" sz="1700" kern="1200">
             <a:solidFill>
               <a:prstClr val="black">
                 <a:hueOff val="0"/>
@@ -6723,7 +6751,7 @@
             <a:buNone/>
           </a:pPr>
           <a:r>
-            <a:rPr lang="fr-FR" sz="1700" kern="1200" dirty="0">
+            <a:rPr lang="fr-FR" sz="1700" kern="1200">
               <a:solidFill>
                 <a:prstClr val="black">
                   <a:hueOff val="0"/>
@@ -6738,7 +6766,7 @@
             </a:rPr>
             <a:t>Chapitre 23 Le pattern Memento</a:t>
           </a:r>
-          <a:endParaRPr lang="en-US" sz="1700" kern="1200" dirty="0">
+          <a:endParaRPr lang="en-US" sz="1700" kern="1200">
             <a:solidFill>
               <a:prstClr val="black">
                 <a:hueOff val="0"/>
@@ -6796,7 +6824,7 @@
             <a:buNone/>
           </a:pPr>
           <a:r>
-            <a:rPr lang="fr-FR" sz="1700" kern="1200" dirty="0">
+            <a:rPr lang="fr-FR" sz="1700" kern="1200">
               <a:solidFill>
                 <a:prstClr val="black">
                   <a:hueOff val="0"/>
@@ -6811,7 +6839,7 @@
             </a:rPr>
             <a:t>Chapitre 24 Le pattern Observer</a:t>
           </a:r>
-          <a:endParaRPr lang="en-US" sz="1700" kern="1200" dirty="0">
+          <a:endParaRPr lang="en-US" sz="1700" kern="1200">
             <a:solidFill>
               <a:prstClr val="black">
                 <a:hueOff val="0"/>
@@ -6869,7 +6897,7 @@
             <a:buNone/>
           </a:pPr>
           <a:r>
-            <a:rPr lang="fr-FR" sz="1700" kern="1200" dirty="0">
+            <a:rPr lang="fr-FR" sz="1700" kern="1200">
               <a:solidFill>
                 <a:prstClr val="black">
                   <a:hueOff val="0"/>
@@ -6885,7 +6913,7 @@
             <a:t>Chapitre 26 Le pattern </a:t>
           </a:r>
           <a:r>
-            <a:rPr lang="fr-FR" sz="1700" kern="1200" dirty="0" err="1">
+            <a:rPr lang="fr-FR" sz="1700" kern="1200" err="1">
               <a:solidFill>
                 <a:prstClr val="black">
                   <a:hueOff val="0"/>
@@ -6900,7 +6928,7 @@
             </a:rPr>
             <a:t>Strategy</a:t>
           </a:r>
-          <a:endParaRPr lang="en-US" sz="1700" kern="1200" dirty="0">
+          <a:endParaRPr lang="en-US" sz="1700" kern="1200">
             <a:solidFill>
               <a:prstClr val="black">
                 <a:hueOff val="0"/>
@@ -6958,7 +6986,7 @@
             <a:buNone/>
           </a:pPr>
           <a:r>
-            <a:rPr lang="en-US" sz="1700" kern="1200" dirty="0" err="1">
+            <a:rPr lang="en-US" sz="1700" kern="1200" err="1">
               <a:solidFill>
                 <a:prstClr val="black">
                   <a:hueOff val="0"/>
@@ -6974,7 +7002,7 @@
             <a:t>Chapitre</a:t>
           </a:r>
           <a:r>
-            <a:rPr lang="en-US" sz="1700" kern="1200" dirty="0">
+            <a:rPr lang="en-US" sz="1700" kern="1200">
               <a:solidFill>
                 <a:prstClr val="black">
                   <a:hueOff val="0"/>
@@ -6990,7 +7018,7 @@
             <a:t> 29 </a:t>
           </a:r>
           <a:r>
-            <a:rPr lang="fr-FR" sz="1700" kern="1200" dirty="0">
+            <a:rPr lang="fr-FR" sz="1700" kern="1200">
               <a:solidFill>
                 <a:prstClr val="black">
                   <a:hueOff val="0"/>
@@ -7005,7 +7033,7 @@
             </a:rPr>
             <a:t>Compositions et variations de patterns</a:t>
           </a:r>
-          <a:endParaRPr lang="en-US" sz="1700" kern="1200" dirty="0">
+          <a:endParaRPr lang="en-US" sz="1700" kern="1200">
             <a:solidFill>
               <a:prstClr val="black">
                 <a:hueOff val="0"/>
@@ -7063,7 +7091,7 @@
             <a:buNone/>
           </a:pPr>
           <a:r>
-            <a:rPr lang="en-US" sz="1700" kern="1200" dirty="0" err="1">
+            <a:rPr lang="en-US" sz="1700" kern="1200" err="1">
               <a:solidFill>
                 <a:prstClr val="black">
                   <a:hueOff val="0"/>
@@ -7079,7 +7107,7 @@
             <a:t>Chapitre</a:t>
           </a:r>
           <a:r>
-            <a:rPr lang="en-US" sz="1700" kern="1200" dirty="0">
+            <a:rPr lang="en-US" sz="1700" kern="1200">
               <a:solidFill>
                 <a:prstClr val="black">
                   <a:hueOff val="0"/>
@@ -7095,7 +7123,7 @@
             <a:t> 31 </a:t>
           </a:r>
           <a:r>
-            <a:rPr lang="fr-FR" sz="1700" kern="1200" dirty="0">
+            <a:rPr lang="fr-FR" sz="1700" kern="1200">
               <a:solidFill>
                 <a:prstClr val="black">
                   <a:hueOff val="0"/>
@@ -7110,7 +7138,7 @@
             </a:rPr>
             <a:t>Exercices</a:t>
           </a:r>
-          <a:endParaRPr lang="en-US" sz="1700" kern="1200" dirty="0">
+          <a:endParaRPr lang="en-US" sz="1700" kern="1200">
             <a:solidFill>
               <a:prstClr val="black">
                 <a:hueOff val="0"/>
@@ -7341,10 +7369,10 @@
     <dgm:cxn modelId="{89F95624-9FB1-4BA0-91D0-3BEA618DF53C}" srcId="{E5B6C62B-81E8-463D-9B1C-741416C9BAC5}" destId="{911ACAEE-3178-4E94-A31D-11129EDDF97D}" srcOrd="4" destOrd="0" parTransId="{D14EE9CC-E954-4343-AAF0-94924CFD2F59}" sibTransId="{73866DF5-CF43-4B04-9EB0-D808025B39F7}"/>
     <dgm:cxn modelId="{EF550925-2D04-4275-B1D3-E9B85AA0DB1F}" srcId="{E5B6C62B-81E8-463D-9B1C-741416C9BAC5}" destId="{9B89581D-D8E8-4627-A7C2-77D3D64367E9}" srcOrd="2" destOrd="0" parTransId="{E213CBD7-54C9-4859-A072-5FE9AC67912C}" sibTransId="{2A23FFD5-5F36-4817-A40D-948D26159EBD}"/>
     <dgm:cxn modelId="{7269A626-324B-4F65-9EB8-D1A6C177F65B}" type="presOf" srcId="{D0766678-B9EA-41E2-95ED-B01891ED92F2}" destId="{D5E3B69D-1DD0-416D-BC83-20735260F489}" srcOrd="0" destOrd="0" presId="urn:microsoft.com/office/officeart/2008/layout/LinedList"/>
+    <dgm:cxn modelId="{46A25C6E-2D3C-2F40-ADB8-2C4DC0F18F74}" type="presOf" srcId="{E5B6C62B-81E8-463D-9B1C-741416C9BAC5}" destId="{02956F8B-8164-EB41-8AB9-AF6266033E2D}" srcOrd="0" destOrd="0" presId="urn:microsoft.com/office/officeart/2008/layout/LinedList"/>
     <dgm:cxn modelId="{E61F344F-9378-4153-A750-89DA3CA76566}" type="presOf" srcId="{6B959641-9E5F-4E9E-BB77-32DD84A29601}" destId="{70F31ADB-FEB1-4C22-858E-8ACB0597E998}" srcOrd="0" destOrd="0" presId="urn:microsoft.com/office/officeart/2008/layout/LinedList"/>
     <dgm:cxn modelId="{7610F250-5AFE-41F9-BE17-8F5E90B6E76D}" srcId="{E5B6C62B-81E8-463D-9B1C-741416C9BAC5}" destId="{1B01333F-E548-4AC5-8549-1739A313CEB7}" srcOrd="1" destOrd="0" parTransId="{C17C4318-7737-4617-A919-C9D3204F304C}" sibTransId="{3EEBF128-283E-4615-A537-F394F4875E20}"/>
     <dgm:cxn modelId="{B5E16B54-E851-46BB-88BB-E5C7ADB91594}" type="presOf" srcId="{6E6277B6-D931-45A2-8379-A1DEDE59522C}" destId="{F9795696-3263-46FF-B15C-8D403C3E034F}" srcOrd="0" destOrd="0" presId="urn:microsoft.com/office/officeart/2008/layout/LinedList"/>
-    <dgm:cxn modelId="{46A25C6E-2D3C-2F40-ADB8-2C4DC0F18F74}" type="presOf" srcId="{E5B6C62B-81E8-463D-9B1C-741416C9BAC5}" destId="{02956F8B-8164-EB41-8AB9-AF6266033E2D}" srcOrd="0" destOrd="0" presId="urn:microsoft.com/office/officeart/2008/layout/LinedList"/>
     <dgm:cxn modelId="{89A1A974-57DE-4909-A7B0-E35E7E29B7FC}" type="presOf" srcId="{1B01333F-E548-4AC5-8549-1739A313CEB7}" destId="{92BD4957-0866-4BD7-82CF-3BD10B455B46}" srcOrd="0" destOrd="0" presId="urn:microsoft.com/office/officeart/2008/layout/LinedList"/>
     <dgm:cxn modelId="{DFDA2E7F-E5A5-45BB-AE26-1290C04FD7CF}" type="presOf" srcId="{9B89581D-D8E8-4627-A7C2-77D3D64367E9}" destId="{0F6FC157-D4F9-4052-AB2A-8039B3336120}" srcOrd="0" destOrd="0" presId="urn:microsoft.com/office/officeart/2008/layout/LinedList"/>
     <dgm:cxn modelId="{F663CE7F-715B-4080-BCFD-D161C33521CF}" srcId="{E5B6C62B-81E8-463D-9B1C-741416C9BAC5}" destId="{28744FCC-73B3-4D47-8956-6F07AB6EAE30}" srcOrd="0" destOrd="0" parTransId="{06AAE98D-5325-4B44-A366-73F979696900}" sibTransId="{20E06CC1-0566-43D7-B310-07971EDA842D}"/>
@@ -7544,10 +7572,10 @@
             <a:buNone/>
           </a:pPr>
           <a:r>
-            <a:rPr lang="fr-FR" sz="2700" kern="1200" dirty="0"/>
+            <a:rPr lang="fr-FR" sz="2700" kern="1200"/>
             <a:t>Chapitre 1 Titre</a:t>
           </a:r>
-          <a:endParaRPr lang="en-US" sz="2700" kern="1200" dirty="0"/>
+          <a:endParaRPr lang="en-US" sz="2700" kern="1200"/>
         </a:p>
       </dsp:txBody>
       <dsp:txXfrm>
@@ -7677,10 +7705,10 @@
             <a:buNone/>
           </a:pPr>
           <a:r>
-            <a:rPr lang="fr-FR" sz="2700" kern="1200" dirty="0"/>
+            <a:rPr lang="fr-FR" sz="2700" kern="1200"/>
             <a:t>Chapitre 2 Titre</a:t>
           </a:r>
-          <a:endParaRPr lang="en-US" sz="2700" kern="1200" dirty="0"/>
+          <a:endParaRPr lang="en-US" sz="2700" kern="1200"/>
         </a:p>
       </dsp:txBody>
       <dsp:txXfrm>
@@ -7810,10 +7838,10 @@
             <a:buNone/>
           </a:pPr>
           <a:r>
-            <a:rPr lang="fr-FR" sz="2700" kern="1200" dirty="0"/>
+            <a:rPr lang="fr-FR" sz="2700" kern="1200"/>
             <a:t>Chapitre 3 Titre</a:t>
           </a:r>
-          <a:endParaRPr lang="en-US" sz="2700" kern="1200" dirty="0"/>
+          <a:endParaRPr lang="en-US" sz="2700" kern="1200"/>
         </a:p>
       </dsp:txBody>
       <dsp:txXfrm>
@@ -7943,10 +7971,10 @@
             <a:buNone/>
           </a:pPr>
           <a:r>
-            <a:rPr lang="fr-FR" sz="2700" kern="1200" dirty="0"/>
+            <a:rPr lang="fr-FR" sz="2700" kern="1200"/>
             <a:t>Chapitre 4 Titre</a:t>
           </a:r>
-          <a:endParaRPr lang="en-US" sz="2700" kern="1200" dirty="0"/>
+          <a:endParaRPr lang="en-US" sz="2700" kern="1200"/>
         </a:p>
       </dsp:txBody>
       <dsp:txXfrm>
@@ -8076,10 +8104,10 @@
             <a:buNone/>
           </a:pPr>
           <a:r>
-            <a:rPr lang="fr-FR" sz="2700" kern="1200" dirty="0"/>
+            <a:rPr lang="fr-FR" sz="2700" kern="1200"/>
             <a:t>Chapitre 5 Titre</a:t>
           </a:r>
-          <a:endParaRPr lang="en-US" sz="2700" kern="1200" dirty="0"/>
+          <a:endParaRPr lang="en-US" sz="2700" kern="1200"/>
         </a:p>
       </dsp:txBody>
       <dsp:txXfrm>
@@ -8209,10 +8237,10 @@
             <a:buNone/>
           </a:pPr>
           <a:r>
-            <a:rPr lang="fr-FR" sz="2700" kern="1200" dirty="0"/>
+            <a:rPr lang="fr-FR" sz="2700" kern="1200"/>
             <a:t>Chapitre 6 Titre</a:t>
           </a:r>
-          <a:endParaRPr lang="en-US" sz="2700" kern="1200" dirty="0"/>
+          <a:endParaRPr lang="en-US" sz="2700" kern="1200"/>
         </a:p>
       </dsp:txBody>
       <dsp:txXfrm>
@@ -8342,10 +8370,10 @@
             <a:buNone/>
           </a:pPr>
           <a:r>
-            <a:rPr lang="fr-FR" sz="2700" kern="1200" dirty="0"/>
+            <a:rPr lang="fr-FR" sz="2700" kern="1200"/>
             <a:t>Chapitre 7 Titre</a:t>
           </a:r>
-          <a:endParaRPr lang="en-US" sz="2700" kern="1200" dirty="0"/>
+          <a:endParaRPr lang="en-US" sz="2700" kern="1200"/>
         </a:p>
       </dsp:txBody>
       <dsp:txXfrm>
@@ -8475,10 +8503,10 @@
             <a:buNone/>
           </a:pPr>
           <a:r>
-            <a:rPr lang="fr-FR" sz="2700" kern="1200" dirty="0"/>
+            <a:rPr lang="fr-FR" sz="2700" kern="1200"/>
             <a:t>Chapitre 8 Titre</a:t>
           </a:r>
-          <a:endParaRPr lang="en-US" sz="2700" kern="1200" dirty="0"/>
+          <a:endParaRPr lang="en-US" sz="2700" kern="1200"/>
         </a:p>
       </dsp:txBody>
       <dsp:txXfrm>
@@ -8608,10 +8636,10 @@
             <a:buNone/>
           </a:pPr>
           <a:r>
-            <a:rPr lang="fr-FR" sz="2700" kern="1200" dirty="0"/>
+            <a:rPr lang="fr-FR" sz="2700" kern="1200"/>
             <a:t>Chapitre 9 Titre</a:t>
           </a:r>
-          <a:endParaRPr lang="en-US" sz="2700" kern="1200" dirty="0"/>
+          <a:endParaRPr lang="en-US" sz="2700" kern="1200"/>
         </a:p>
       </dsp:txBody>
       <dsp:txXfrm>
@@ -8753,10 +8781,10 @@
             <a:buNone/>
           </a:pPr>
           <a:r>
-            <a:rPr lang="fr-FR" sz="1700" kern="1200" dirty="0"/>
+            <a:rPr lang="fr-FR" sz="1700" kern="1200"/>
             <a:t>Chapitre 1 Introduction aux patterns de conception</a:t>
           </a:r>
-          <a:endParaRPr lang="en-US" sz="1700" kern="1200" dirty="0"/>
+          <a:endParaRPr lang="en-US" sz="1700" kern="1200"/>
         </a:p>
       </dsp:txBody>
       <dsp:txXfrm>
@@ -8886,10 +8914,10 @@
             <a:buNone/>
           </a:pPr>
           <a:r>
-            <a:rPr lang="fr-FR" sz="1700" kern="1200" dirty="0"/>
+            <a:rPr lang="fr-FR" sz="1700" kern="1200"/>
             <a:t>Chapitre 2 Une étude de cas : la vente en ligne de véhicules</a:t>
           </a:r>
-          <a:endParaRPr lang="en-US" sz="1700" kern="1200" dirty="0"/>
+          <a:endParaRPr lang="en-US" sz="1700" kern="1200"/>
         </a:p>
       </dsp:txBody>
       <dsp:txXfrm>
@@ -9019,10 +9047,10 @@
             <a:buNone/>
           </a:pPr>
           <a:r>
-            <a:rPr lang="fr-FR" sz="1700" kern="1200" dirty="0"/>
+            <a:rPr lang="fr-FR" sz="1700" kern="1200"/>
             <a:t>Chapitre 3 Introduction aux patterns de construction</a:t>
           </a:r>
-          <a:endParaRPr lang="en-US" sz="1700" kern="1200" dirty="0"/>
+          <a:endParaRPr lang="en-US" sz="1700" kern="1200"/>
         </a:p>
       </dsp:txBody>
       <dsp:txXfrm>
@@ -9152,14 +9180,14 @@
             <a:buNone/>
           </a:pPr>
           <a:r>
-            <a:rPr lang="fr-FR" sz="1700" kern="1200" dirty="0"/>
+            <a:rPr lang="fr-FR" sz="1700" kern="1200"/>
             <a:t>Chapitre 4 Le pattern Abstract </a:t>
           </a:r>
           <a:r>
-            <a:rPr lang="fr-FR" sz="1700" kern="1200" dirty="0" err="1"/>
+            <a:rPr lang="fr-FR" sz="1700" kern="1200" err="1"/>
             <a:t>Factory</a:t>
           </a:r>
-          <a:endParaRPr lang="en-US" sz="1700" kern="1200" dirty="0"/>
+          <a:endParaRPr lang="en-US" sz="1700" kern="1200"/>
         </a:p>
       </dsp:txBody>
       <dsp:txXfrm>
@@ -9289,18 +9317,18 @@
             <a:buNone/>
           </a:pPr>
           <a:r>
-            <a:rPr lang="en-US" sz="1700" kern="1200" dirty="0" err="1"/>
+            <a:rPr lang="en-US" sz="1700" kern="1200" err="1"/>
             <a:t>Chapitre</a:t>
           </a:r>
           <a:r>
-            <a:rPr lang="en-US" sz="1700" kern="1200" dirty="0"/>
+            <a:rPr lang="en-US" sz="1700" kern="1200"/>
             <a:t> 5 </a:t>
           </a:r>
           <a:r>
-            <a:rPr lang="fr-FR" sz="1700" kern="1200" dirty="0"/>
+            <a:rPr lang="fr-FR" sz="1700" kern="1200"/>
             <a:t>Le pattern Builder</a:t>
           </a:r>
-          <a:endParaRPr lang="en-US" sz="1700" kern="1200" dirty="0"/>
+          <a:endParaRPr lang="en-US" sz="1700" kern="1200"/>
         </a:p>
       </dsp:txBody>
       <dsp:txXfrm>
@@ -9430,18 +9458,18 @@
             <a:buNone/>
           </a:pPr>
           <a:r>
-            <a:rPr lang="fr-FR" sz="1700" kern="1200" dirty="0"/>
+            <a:rPr lang="fr-FR" sz="1700" kern="1200"/>
             <a:t>Chapitre 6 Le pattern </a:t>
           </a:r>
           <a:r>
-            <a:rPr lang="fr-FR" sz="1700" kern="1200" dirty="0" err="1"/>
+            <a:rPr lang="fr-FR" sz="1700" kern="1200" err="1"/>
             <a:t>Factory</a:t>
           </a:r>
           <a:r>
-            <a:rPr lang="fr-FR" sz="1700" kern="1200" dirty="0"/>
+            <a:rPr lang="fr-FR" sz="1700" kern="1200"/>
             <a:t> Method</a:t>
           </a:r>
-          <a:endParaRPr lang="en-US" sz="1700" kern="1200" dirty="0"/>
+          <a:endParaRPr lang="en-US" sz="1700" kern="1200"/>
         </a:p>
       </dsp:txBody>
       <dsp:txXfrm>
@@ -9571,18 +9599,18 @@
             <a:buNone/>
           </a:pPr>
           <a:r>
-            <a:rPr lang="en-US" sz="1700" kern="1200" dirty="0" err="1"/>
+            <a:rPr lang="en-US" sz="1700" kern="1200" err="1"/>
             <a:t>Chapitre</a:t>
           </a:r>
           <a:r>
-            <a:rPr lang="en-US" sz="1700" kern="1200" dirty="0"/>
+            <a:rPr lang="en-US" sz="1700" kern="1200"/>
             <a:t> 7 </a:t>
           </a:r>
           <a:r>
-            <a:rPr lang="fr-FR" sz="1700" kern="1200" dirty="0"/>
+            <a:rPr lang="fr-FR" sz="1700" kern="1200"/>
             <a:t>Le pattern Prototype</a:t>
           </a:r>
-          <a:endParaRPr lang="en-US" sz="1700" kern="1200" dirty="0"/>
+          <a:endParaRPr lang="en-US" sz="1700" kern="1200"/>
         </a:p>
       </dsp:txBody>
       <dsp:txXfrm>
@@ -9712,18 +9740,18 @@
             <a:buNone/>
           </a:pPr>
           <a:r>
-            <a:rPr lang="en-US" sz="1700" kern="1200" dirty="0" err="1"/>
+            <a:rPr lang="en-US" sz="1700" kern="1200" err="1"/>
             <a:t>Chapitre</a:t>
           </a:r>
           <a:r>
-            <a:rPr lang="en-US" sz="1700" kern="1200" dirty="0"/>
+            <a:rPr lang="en-US" sz="1700" kern="1200"/>
             <a:t> 8 </a:t>
           </a:r>
           <a:r>
-            <a:rPr lang="fr-FR" sz="1700" kern="1200" dirty="0"/>
+            <a:rPr lang="fr-FR" sz="1700" kern="1200"/>
             <a:t>Le pattern Singleton</a:t>
           </a:r>
-          <a:endParaRPr lang="en-US" sz="1700" kern="1200" dirty="0"/>
+          <a:endParaRPr lang="en-US" sz="1700" kern="1200"/>
         </a:p>
       </dsp:txBody>
       <dsp:txXfrm>
@@ -9853,18 +9881,18 @@
             <a:buNone/>
           </a:pPr>
           <a:r>
-            <a:rPr lang="en-US" sz="1700" kern="1200" dirty="0" err="1"/>
+            <a:rPr lang="en-US" sz="1700" kern="1200" err="1"/>
             <a:t>Chapitre</a:t>
           </a:r>
           <a:r>
-            <a:rPr lang="en-US" sz="1700" kern="1200" dirty="0"/>
+            <a:rPr lang="en-US" sz="1700" kern="1200"/>
             <a:t> 9 </a:t>
           </a:r>
           <a:r>
-            <a:rPr lang="fr-FR" sz="1700" kern="1200" dirty="0"/>
+            <a:rPr lang="fr-FR" sz="1700" kern="1200"/>
             <a:t>Introduction aux patterns de structuration</a:t>
           </a:r>
-          <a:endParaRPr lang="en-US" sz="1700" kern="1200" dirty="0"/>
+          <a:endParaRPr lang="en-US" sz="1700" kern="1200"/>
         </a:p>
       </dsp:txBody>
       <dsp:txXfrm>
@@ -9994,18 +10022,18 @@
             <a:buNone/>
           </a:pPr>
           <a:r>
-            <a:rPr lang="en-US" sz="1700" kern="1200" dirty="0" err="1"/>
+            <a:rPr lang="en-US" sz="1700" kern="1200" err="1"/>
             <a:t>Chapitre</a:t>
           </a:r>
           <a:r>
-            <a:rPr lang="en-US" sz="1700" kern="1200" dirty="0"/>
+            <a:rPr lang="en-US" sz="1700" kern="1200"/>
             <a:t> 10 </a:t>
           </a:r>
           <a:r>
-            <a:rPr lang="fr-FR" sz="1700" kern="1200" dirty="0"/>
+            <a:rPr lang="fr-FR" sz="1700" kern="1200"/>
             <a:t>Le pattern Adapter</a:t>
           </a:r>
-          <a:endParaRPr lang="en-US" sz="1700" kern="1200" dirty="0"/>
+          <a:endParaRPr lang="en-US" sz="1700" kern="1200"/>
         </a:p>
       </dsp:txBody>
       <dsp:txXfrm>
@@ -10147,7 +10175,7 @@
             <a:buNone/>
           </a:pPr>
           <a:r>
-            <a:rPr lang="fr-FR" sz="1700" kern="1200" dirty="0">
+            <a:rPr lang="fr-FR" sz="1700" kern="1200">
               <a:solidFill>
                 <a:prstClr val="black">
                   <a:hueOff val="0"/>
@@ -10162,7 +10190,7 @@
             </a:rPr>
             <a:t>Chapitre 11 Le pattern Bridge</a:t>
           </a:r>
-          <a:endParaRPr lang="en-US" sz="1700" kern="1200" dirty="0">
+          <a:endParaRPr lang="en-US" sz="1700" kern="1200">
             <a:solidFill>
               <a:prstClr val="black">
                 <a:hueOff val="0"/>
@@ -10304,7 +10332,7 @@
             <a:buNone/>
           </a:pPr>
           <a:r>
-            <a:rPr lang="fr-FR" sz="1700" kern="1200" dirty="0">
+            <a:rPr lang="fr-FR" sz="1700" kern="1200">
               <a:solidFill>
                 <a:prstClr val="black">
                   <a:hueOff val="0"/>
@@ -10319,7 +10347,7 @@
             </a:rPr>
             <a:t>Chapitre 12 Le pattern Composite</a:t>
           </a:r>
-          <a:endParaRPr lang="en-US" sz="1700" kern="1200" dirty="0">
+          <a:endParaRPr lang="en-US" sz="1700" kern="1200">
             <a:solidFill>
               <a:prstClr val="black">
                 <a:hueOff val="0"/>
@@ -10461,7 +10489,7 @@
             <a:buNone/>
           </a:pPr>
           <a:r>
-            <a:rPr lang="fr-FR" sz="1700" kern="1200" dirty="0">
+            <a:rPr lang="fr-FR" sz="1700" kern="1200">
               <a:solidFill>
                 <a:prstClr val="black">
                   <a:hueOff val="0"/>
@@ -10477,7 +10505,7 @@
             <a:t>Chapitre 13 Le pattern </a:t>
           </a:r>
           <a:r>
-            <a:rPr lang="fr-FR" sz="1700" kern="1200" dirty="0" err="1">
+            <a:rPr lang="fr-FR" sz="1700" kern="1200" err="1">
               <a:solidFill>
                 <a:prstClr val="black">
                   <a:hueOff val="0"/>
@@ -10492,7 +10520,7 @@
             </a:rPr>
             <a:t>Decorator</a:t>
           </a:r>
-          <a:endParaRPr lang="en-US" sz="1700" kern="1200" dirty="0">
+          <a:endParaRPr lang="en-US" sz="1700" kern="1200">
             <a:solidFill>
               <a:prstClr val="black">
                 <a:hueOff val="0"/>
@@ -10634,7 +10662,7 @@
             <a:buNone/>
           </a:pPr>
           <a:r>
-            <a:rPr lang="fr-FR" sz="1700" kern="1200" dirty="0">
+            <a:rPr lang="fr-FR" sz="1700" kern="1200">
               <a:solidFill>
                 <a:prstClr val="black">
                   <a:hueOff val="0"/>
@@ -10650,7 +10678,7 @@
             <a:t>Chapitre 14 Le pattern </a:t>
           </a:r>
           <a:r>
-            <a:rPr lang="fr-FR" sz="1700" kern="1200" dirty="0" err="1">
+            <a:rPr lang="fr-FR" sz="1700" kern="1200" err="1">
               <a:solidFill>
                 <a:prstClr val="black">
                   <a:hueOff val="0"/>
@@ -10665,7 +10693,7 @@
             </a:rPr>
             <a:t>Facade</a:t>
           </a:r>
-          <a:endParaRPr lang="en-US" sz="1700" kern="1200" dirty="0">
+          <a:endParaRPr lang="en-US" sz="1700" kern="1200">
             <a:solidFill>
               <a:prstClr val="black">
                 <a:hueOff val="0"/>
@@ -10807,7 +10835,7 @@
             <a:buNone/>
           </a:pPr>
           <a:r>
-            <a:rPr lang="en-US" sz="1700" kern="1200" dirty="0" err="1">
+            <a:rPr lang="en-US" sz="1700" kern="1200" err="1">
               <a:solidFill>
                 <a:prstClr val="black">
                   <a:hueOff val="0"/>
@@ -10823,7 +10851,7 @@
             <a:t>Chapitre</a:t>
           </a:r>
           <a:r>
-            <a:rPr lang="en-US" sz="1700" kern="1200" dirty="0">
+            <a:rPr lang="en-US" sz="1700" kern="1200">
               <a:solidFill>
                 <a:prstClr val="black">
                   <a:hueOff val="0"/>
@@ -10839,7 +10867,7 @@
             <a:t> 15 </a:t>
           </a:r>
           <a:r>
-            <a:rPr lang="fr-FR" sz="1700" kern="1200" dirty="0">
+            <a:rPr lang="fr-FR" sz="1700" kern="1200">
               <a:solidFill>
                 <a:prstClr val="black">
                   <a:hueOff val="0"/>
@@ -10855,7 +10883,7 @@
             <a:t>Le pattern </a:t>
           </a:r>
           <a:r>
-            <a:rPr lang="fr-FR" sz="1700" kern="1200" dirty="0" err="1">
+            <a:rPr lang="fr-FR" sz="1700" kern="1200" err="1">
               <a:solidFill>
                 <a:prstClr val="black">
                   <a:hueOff val="0"/>
@@ -10870,7 +10898,7 @@
             </a:rPr>
             <a:t>Flyweight</a:t>
           </a:r>
-          <a:endParaRPr lang="en-US" sz="1700" kern="1200" dirty="0">
+          <a:endParaRPr lang="en-US" sz="1700" kern="1200">
             <a:solidFill>
               <a:prstClr val="black">
                 <a:hueOff val="0"/>
@@ -11012,7 +11040,7 @@
             <a:buNone/>
           </a:pPr>
           <a:r>
-            <a:rPr lang="fr-FR" sz="1700" kern="1200" dirty="0">
+            <a:rPr lang="fr-FR" sz="1700" kern="1200">
               <a:solidFill>
                 <a:prstClr val="black">
                   <a:hueOff val="0"/>
@@ -11027,7 +11055,7 @@
             </a:rPr>
             <a:t>Chapitre 16 Le pattern Proxy</a:t>
           </a:r>
-          <a:endParaRPr lang="en-US" sz="1700" kern="1200" dirty="0">
+          <a:endParaRPr lang="en-US" sz="1700" kern="1200">
             <a:solidFill>
               <a:prstClr val="black">
                 <a:hueOff val="0"/>
@@ -11169,7 +11197,7 @@
             <a:buNone/>
           </a:pPr>
           <a:r>
-            <a:rPr lang="en-US" sz="1700" kern="1200" dirty="0" err="1">
+            <a:rPr lang="en-US" sz="1700" kern="1200" err="1">
               <a:solidFill>
                 <a:prstClr val="black">
                   <a:hueOff val="0"/>
@@ -11185,7 +11213,7 @@
             <a:t>Chapitre</a:t>
           </a:r>
           <a:r>
-            <a:rPr lang="en-US" sz="1700" kern="1200" dirty="0">
+            <a:rPr lang="en-US" sz="1700" kern="1200">
               <a:solidFill>
                 <a:prstClr val="black">
                   <a:hueOff val="0"/>
@@ -11201,7 +11229,7 @@
             <a:t> 17 </a:t>
           </a:r>
           <a:r>
-            <a:rPr lang="fr-FR" sz="1700" kern="1200" dirty="0">
+            <a:rPr lang="fr-FR" sz="1700" kern="1200">
               <a:solidFill>
                 <a:prstClr val="black">
                   <a:hueOff val="0"/>
@@ -11216,7 +11244,7 @@
             </a:rPr>
             <a:t>Introduction aux patterns de comportement</a:t>
           </a:r>
-          <a:endParaRPr lang="en-US" sz="1700" kern="1200" dirty="0">
+          <a:endParaRPr lang="en-US" sz="1700" kern="1200">
             <a:solidFill>
               <a:prstClr val="black">
                 <a:hueOff val="0"/>
@@ -11358,7 +11386,7 @@
             <a:buNone/>
           </a:pPr>
           <a:r>
-            <a:rPr lang="en-US" sz="1700" kern="1200" dirty="0" err="1">
+            <a:rPr lang="en-US" sz="1700" kern="1200" err="1">
               <a:solidFill>
                 <a:prstClr val="black">
                   <a:hueOff val="0"/>
@@ -11374,7 +11402,7 @@
             <a:t>Chapitre</a:t>
           </a:r>
           <a:r>
-            <a:rPr lang="en-US" sz="1700" kern="1200" dirty="0">
+            <a:rPr lang="en-US" sz="1700" kern="1200">
               <a:solidFill>
                 <a:prstClr val="black">
                   <a:hueOff val="0"/>
@@ -11518,7 +11546,7 @@
             <a:buNone/>
           </a:pPr>
           <a:r>
-            <a:rPr lang="en-US" sz="1700" kern="1200" dirty="0" err="1">
+            <a:rPr lang="en-US" sz="1700" kern="1200" err="1">
               <a:solidFill>
                 <a:prstClr val="black">
                   <a:hueOff val="0"/>
@@ -11534,7 +11562,7 @@
             <a:t>Chapitre</a:t>
           </a:r>
           <a:r>
-            <a:rPr lang="en-US" sz="1700" kern="1200" dirty="0">
+            <a:rPr lang="en-US" sz="1700" kern="1200">
               <a:solidFill>
                 <a:prstClr val="black">
                   <a:hueOff val="0"/>
@@ -11550,7 +11578,7 @@
             <a:t> 19 </a:t>
           </a:r>
           <a:r>
-            <a:rPr lang="fr-FR" sz="1700" kern="1200" dirty="0">
+            <a:rPr lang="fr-FR" sz="1700" kern="1200">
               <a:solidFill>
                 <a:prstClr val="black">
                   <a:hueOff val="0"/>
@@ -11565,7 +11593,7 @@
             </a:rPr>
             <a:t>Le pattern Command</a:t>
           </a:r>
-          <a:endParaRPr lang="en-US" sz="1700" kern="1200" dirty="0">
+          <a:endParaRPr lang="en-US" sz="1700" kern="1200">
             <a:solidFill>
               <a:prstClr val="black">
                 <a:hueOff val="0"/>
@@ -11707,7 +11735,7 @@
             <a:buNone/>
           </a:pPr>
           <a:r>
-            <a:rPr lang="en-US" sz="1700" kern="1200" dirty="0" err="1">
+            <a:rPr lang="en-US" sz="1700" kern="1200" err="1">
               <a:solidFill>
                 <a:prstClr val="black">
                   <a:hueOff val="0"/>
@@ -11723,7 +11751,7 @@
             <a:t>Chapitre</a:t>
           </a:r>
           <a:r>
-            <a:rPr lang="en-US" sz="1700" kern="1200" dirty="0">
+            <a:rPr lang="en-US" sz="1700" kern="1200">
               <a:solidFill>
                 <a:prstClr val="black">
                   <a:hueOff val="0"/>
@@ -11739,7 +11767,7 @@
             <a:t> 20 </a:t>
           </a:r>
           <a:r>
-            <a:rPr lang="fr-FR" sz="1700" kern="1200" dirty="0">
+            <a:rPr lang="fr-FR" sz="1700" kern="1200">
               <a:solidFill>
                 <a:prstClr val="black">
                   <a:hueOff val="0"/>
@@ -11755,7 +11783,7 @@
             <a:t>Le pattern </a:t>
           </a:r>
           <a:r>
-            <a:rPr lang="fr-FR" sz="1700" kern="1200" dirty="0" err="1">
+            <a:rPr lang="fr-FR" sz="1700" kern="1200" err="1">
               <a:solidFill>
                 <a:prstClr val="black">
                   <a:hueOff val="0"/>
@@ -11770,7 +11798,7 @@
             </a:rPr>
             <a:t>Interpreter</a:t>
           </a:r>
-          <a:endParaRPr lang="en-US" sz="1700" kern="1200" dirty="0">
+          <a:endParaRPr lang="en-US" sz="1700" kern="1200">
             <a:solidFill>
               <a:prstClr val="black">
                 <a:hueOff val="0"/>
@@ -11924,7 +11952,7 @@
             <a:buNone/>
           </a:pPr>
           <a:r>
-            <a:rPr lang="fr-FR" sz="1700" kern="1200" dirty="0">
+            <a:rPr lang="fr-FR" sz="1700" kern="1200">
               <a:solidFill>
                 <a:prstClr val="black">
                   <a:hueOff val="0"/>
@@ -11940,7 +11968,7 @@
             <a:t>Chapitre 21 Le pattern </a:t>
           </a:r>
           <a:r>
-            <a:rPr lang="fr-FR" sz="1700" kern="1200" dirty="0" err="1">
+            <a:rPr lang="fr-FR" sz="1700" kern="1200" err="1">
               <a:solidFill>
                 <a:prstClr val="black">
                   <a:hueOff val="0"/>
@@ -11955,7 +11983,7 @@
             </a:rPr>
             <a:t>Iterator</a:t>
           </a:r>
-          <a:endParaRPr lang="en-US" sz="1700" kern="1200" dirty="0">
+          <a:endParaRPr lang="en-US" sz="1700" kern="1200">
             <a:solidFill>
               <a:prstClr val="black">
                 <a:hueOff val="0"/>
@@ -12097,7 +12125,7 @@
             <a:buNone/>
           </a:pPr>
           <a:r>
-            <a:rPr lang="fr-FR" sz="1700" kern="1200" dirty="0">
+            <a:rPr lang="fr-FR" sz="1700" kern="1200">
               <a:solidFill>
                 <a:prstClr val="black">
                   <a:hueOff val="0"/>
@@ -12112,7 +12140,7 @@
             </a:rPr>
             <a:t>Chapitre 22 Le pattern Mediator</a:t>
           </a:r>
-          <a:endParaRPr lang="en-US" sz="1700" kern="1200" dirty="0">
+          <a:endParaRPr lang="en-US" sz="1700" kern="1200">
             <a:solidFill>
               <a:prstClr val="black">
                 <a:hueOff val="0"/>
@@ -12254,7 +12282,7 @@
             <a:buNone/>
           </a:pPr>
           <a:r>
-            <a:rPr lang="fr-FR" sz="1700" kern="1200" dirty="0">
+            <a:rPr lang="fr-FR" sz="1700" kern="1200">
               <a:solidFill>
                 <a:prstClr val="black">
                   <a:hueOff val="0"/>
@@ -12269,7 +12297,7 @@
             </a:rPr>
             <a:t>Chapitre 23 Le pattern Memento</a:t>
           </a:r>
-          <a:endParaRPr lang="en-US" sz="1700" kern="1200" dirty="0">
+          <a:endParaRPr lang="en-US" sz="1700" kern="1200">
             <a:solidFill>
               <a:prstClr val="black">
                 <a:hueOff val="0"/>
@@ -12411,7 +12439,7 @@
             <a:buNone/>
           </a:pPr>
           <a:r>
-            <a:rPr lang="fr-FR" sz="1700" kern="1200" dirty="0">
+            <a:rPr lang="fr-FR" sz="1700" kern="1200">
               <a:solidFill>
                 <a:prstClr val="black">
                   <a:hueOff val="0"/>
@@ -12426,7 +12454,7 @@
             </a:rPr>
             <a:t>Chapitre 24 Le pattern Observer</a:t>
           </a:r>
-          <a:endParaRPr lang="en-US" sz="1700" kern="1200" dirty="0">
+          <a:endParaRPr lang="en-US" sz="1700" kern="1200">
             <a:solidFill>
               <a:prstClr val="black">
                 <a:hueOff val="0"/>
@@ -12568,7 +12596,7 @@
             <a:buNone/>
           </a:pPr>
           <a:r>
-            <a:rPr lang="en-US" sz="1700" kern="1200" dirty="0" err="1">
+            <a:rPr lang="en-US" sz="1700" kern="1200" err="1">
               <a:solidFill>
                 <a:prstClr val="black">
                   <a:hueOff val="0"/>
@@ -12584,7 +12612,7 @@
             <a:t>Chapitre</a:t>
           </a:r>
           <a:r>
-            <a:rPr lang="en-US" sz="1700" kern="1200" dirty="0">
+            <a:rPr lang="en-US" sz="1700" kern="1200">
               <a:solidFill>
                 <a:prstClr val="black">
                   <a:hueOff val="0"/>
@@ -12600,7 +12628,7 @@
             <a:t> 25 </a:t>
           </a:r>
           <a:r>
-            <a:rPr lang="fr-FR" sz="1700" kern="1200" dirty="0">
+            <a:rPr lang="fr-FR" sz="1700" kern="1200">
               <a:solidFill>
                 <a:prstClr val="black">
                   <a:hueOff val="0"/>
@@ -12615,7 +12643,7 @@
             </a:rPr>
             <a:t>Le pattern State</a:t>
           </a:r>
-          <a:endParaRPr lang="en-US" sz="1700" kern="1200" dirty="0">
+          <a:endParaRPr lang="en-US" sz="1700" kern="1200">
             <a:solidFill>
               <a:prstClr val="black">
                 <a:hueOff val="0"/>
@@ -12757,7 +12785,7 @@
             <a:buNone/>
           </a:pPr>
           <a:r>
-            <a:rPr lang="fr-FR" sz="1700" kern="1200" dirty="0">
+            <a:rPr lang="fr-FR" sz="1700" kern="1200">
               <a:solidFill>
                 <a:prstClr val="black">
                   <a:hueOff val="0"/>
@@ -12773,7 +12801,7 @@
             <a:t>Chapitre 26 Le pattern </a:t>
           </a:r>
           <a:r>
-            <a:rPr lang="fr-FR" sz="1700" kern="1200" dirty="0" err="1">
+            <a:rPr lang="fr-FR" sz="1700" kern="1200" err="1">
               <a:solidFill>
                 <a:prstClr val="black">
                   <a:hueOff val="0"/>
@@ -12788,7 +12816,7 @@
             </a:rPr>
             <a:t>Strategy</a:t>
           </a:r>
-          <a:endParaRPr lang="en-US" sz="1700" kern="1200" dirty="0">
+          <a:endParaRPr lang="en-US" sz="1700" kern="1200">
             <a:solidFill>
               <a:prstClr val="black">
                 <a:hueOff val="0"/>
@@ -12930,7 +12958,7 @@
             <a:buNone/>
           </a:pPr>
           <a:r>
-            <a:rPr lang="en-US" sz="1700" kern="1200" dirty="0" err="1">
+            <a:rPr lang="en-US" sz="1700" kern="1200" err="1">
               <a:solidFill>
                 <a:prstClr val="black">
                   <a:hueOff val="0"/>
@@ -12946,7 +12974,7 @@
             <a:t>Chapitre</a:t>
           </a:r>
           <a:r>
-            <a:rPr lang="en-US" sz="1700" kern="1200" dirty="0">
+            <a:rPr lang="en-US" sz="1700" kern="1200">
               <a:solidFill>
                 <a:prstClr val="black">
                   <a:hueOff val="0"/>
@@ -12962,7 +12990,7 @@
             <a:t> 27 </a:t>
           </a:r>
           <a:r>
-            <a:rPr lang="fr-FR" sz="1700" kern="1200" dirty="0">
+            <a:rPr lang="fr-FR" sz="1700" kern="1200">
               <a:solidFill>
                 <a:prstClr val="black">
                   <a:hueOff val="0"/>
@@ -12977,7 +13005,7 @@
             </a:rPr>
             <a:t>Le pattern Template Method</a:t>
           </a:r>
-          <a:endParaRPr lang="en-US" sz="1700" kern="1200" dirty="0">
+          <a:endParaRPr lang="en-US" sz="1700" kern="1200">
             <a:solidFill>
               <a:prstClr val="black">
                 <a:hueOff val="0"/>
@@ -13119,7 +13147,7 @@
             <a:buNone/>
           </a:pPr>
           <a:r>
-            <a:rPr lang="en-US" sz="1700" kern="1200" dirty="0" err="1">
+            <a:rPr lang="en-US" sz="1700" kern="1200" err="1">
               <a:solidFill>
                 <a:prstClr val="black">
                   <a:hueOff val="0"/>
@@ -13135,7 +13163,7 @@
             <a:t>Chapitre</a:t>
           </a:r>
           <a:r>
-            <a:rPr lang="en-US" sz="1700" kern="1200" dirty="0">
+            <a:rPr lang="en-US" sz="1700" kern="1200">
               <a:solidFill>
                 <a:prstClr val="black">
                   <a:hueOff val="0"/>
@@ -13151,7 +13179,7 @@
             <a:t> 28 </a:t>
           </a:r>
           <a:r>
-            <a:rPr lang="fr-FR" sz="1700" kern="1200" dirty="0">
+            <a:rPr lang="fr-FR" sz="1700" kern="1200">
               <a:solidFill>
                 <a:prstClr val="black">
                   <a:hueOff val="0"/>
@@ -13166,7 +13194,7 @@
             </a:rPr>
             <a:t>Le pattern Visitor</a:t>
           </a:r>
-          <a:endParaRPr lang="en-US" sz="1700" kern="1200" dirty="0">
+          <a:endParaRPr lang="en-US" sz="1700" kern="1200">
             <a:solidFill>
               <a:prstClr val="black">
                 <a:hueOff val="0"/>
@@ -13308,7 +13336,7 @@
             <a:buNone/>
           </a:pPr>
           <a:r>
-            <a:rPr lang="en-US" sz="1700" kern="1200" dirty="0" err="1">
+            <a:rPr lang="en-US" sz="1700" kern="1200" err="1">
               <a:solidFill>
                 <a:prstClr val="black">
                   <a:hueOff val="0"/>
@@ -13324,7 +13352,7 @@
             <a:t>Chapitre</a:t>
           </a:r>
           <a:r>
-            <a:rPr lang="en-US" sz="1700" kern="1200" dirty="0">
+            <a:rPr lang="en-US" sz="1700" kern="1200">
               <a:solidFill>
                 <a:prstClr val="black">
                   <a:hueOff val="0"/>
@@ -13340,7 +13368,7 @@
             <a:t> 29 </a:t>
           </a:r>
           <a:r>
-            <a:rPr lang="fr-FR" sz="1700" kern="1200" dirty="0">
+            <a:rPr lang="fr-FR" sz="1700" kern="1200">
               <a:solidFill>
                 <a:prstClr val="black">
                   <a:hueOff val="0"/>
@@ -13355,7 +13383,7 @@
             </a:rPr>
             <a:t>Compositions et variations de patterns</a:t>
           </a:r>
-          <a:endParaRPr lang="en-US" sz="1700" kern="1200" dirty="0">
+          <a:endParaRPr lang="en-US" sz="1700" kern="1200">
             <a:solidFill>
               <a:prstClr val="black">
                 <a:hueOff val="0"/>
@@ -13497,7 +13525,7 @@
             <a:buNone/>
           </a:pPr>
           <a:r>
-            <a:rPr lang="en-US" sz="1700" kern="1200" dirty="0" err="1">
+            <a:rPr lang="en-US" sz="1700" kern="1200" err="1">
               <a:solidFill>
                 <a:prstClr val="black">
                   <a:hueOff val="0"/>
@@ -13513,7 +13541,7 @@
             <a:t>Chapitre</a:t>
           </a:r>
           <a:r>
-            <a:rPr lang="en-US" sz="1700" kern="1200" dirty="0">
+            <a:rPr lang="en-US" sz="1700" kern="1200">
               <a:solidFill>
                 <a:prstClr val="black">
                   <a:hueOff val="0"/>
@@ -13529,7 +13557,7 @@
             <a:t> 30 </a:t>
           </a:r>
           <a:r>
-            <a:rPr lang="fr-FR" sz="1700" kern="1200" dirty="0">
+            <a:rPr lang="fr-FR" sz="1700" kern="1200">
               <a:solidFill>
                 <a:prstClr val="black">
                   <a:hueOff val="0"/>
@@ -13544,7 +13572,7 @@
             </a:rPr>
             <a:t>Le pattern composite MVC</a:t>
           </a:r>
-          <a:endParaRPr lang="en-US" sz="1700" kern="1200" dirty="0">
+          <a:endParaRPr lang="en-US" sz="1700" kern="1200">
             <a:solidFill>
               <a:prstClr val="black">
                 <a:hueOff val="0"/>
@@ -13686,7 +13714,7 @@
             <a:buNone/>
           </a:pPr>
           <a:r>
-            <a:rPr lang="en-US" sz="1700" kern="1200" dirty="0" err="1">
+            <a:rPr lang="en-US" sz="1700" kern="1200" err="1">
               <a:solidFill>
                 <a:prstClr val="black">
                   <a:hueOff val="0"/>
@@ -13702,7 +13730,7 @@
             <a:t>Chapitre</a:t>
           </a:r>
           <a:r>
-            <a:rPr lang="en-US" sz="1700" kern="1200" dirty="0">
+            <a:rPr lang="en-US" sz="1700" kern="1200">
               <a:solidFill>
                 <a:prstClr val="black">
                   <a:hueOff val="0"/>
@@ -13718,7 +13746,7 @@
             <a:t> 31 </a:t>
           </a:r>
           <a:r>
-            <a:rPr lang="fr-FR" sz="1700" kern="1200" dirty="0">
+            <a:rPr lang="fr-FR" sz="1700" kern="1200">
               <a:solidFill>
                 <a:prstClr val="black">
                   <a:hueOff val="0"/>
@@ -13733,7 +13761,7 @@
             </a:rPr>
             <a:t>Exercices</a:t>
           </a:r>
-          <a:endParaRPr lang="en-US" sz="1700" kern="1200" dirty="0">
+          <a:endParaRPr lang="en-US" sz="1700" kern="1200">
             <a:solidFill>
               <a:prstClr val="black">
                 <a:hueOff val="0"/>
@@ -19839,7 +19867,7 @@
           <a:p>
             <a:fld id="{9A280970-2FEF-8F41-9CC0-B3791ED10CA2}" type="datetimeFigureOut">
               <a:rPr lang="en-FR" smtClean="0"/>
-              <a:t>12/30/24</a:t>
+              <a:t>12/30/2024</a:t>
             </a:fld>
             <a:endParaRPr lang="en-FR"/>
           </a:p>
@@ -20154,10 +20182,10 @@
           </a:lstStyle>
           <a:p>
             <a:r>
-              <a:rPr lang="fr-FR" dirty="0"/>
+              <a:rPr lang="fr-FR"/>
               <a:t>Modifiez le style du titre</a:t>
             </a:r>
-            <a:endParaRPr lang="en-US" dirty="0"/>
+            <a:endParaRPr lang="en-US"/>
           </a:p>
         </p:txBody>
       </p:sp>
@@ -20375,7 +20403,7 @@
               <a:pPr/>
               <a:t>‹#›</a:t>
             </a:fld>
-            <a:endParaRPr lang="fr-FR" dirty="0"/>
+            <a:endParaRPr lang="fr-FR"/>
           </a:p>
         </p:txBody>
       </p:sp>
@@ -20414,7 +20442,7 @@
           </a:lstStyle>
           <a:p>
             <a:pPr lvl="0"/>
-            <a:endParaRPr lang="en-US" dirty="0"/>
+            <a:endParaRPr lang="en-US"/>
           </a:p>
         </p:txBody>
       </p:sp>
@@ -20634,18 +20662,18 @@
           <a:lstStyle/>
           <a:p>
             <a:r>
-              <a:rPr lang="fr-FR" dirty="0"/>
+              <a:rPr lang="fr-FR"/>
               <a:t>Taille 32</a:t>
             </a:r>
             <a:br>
-              <a:rPr lang="fr-FR" dirty="0"/>
+              <a:rPr lang="fr-FR"/>
             </a:br>
             <a:r>
-              <a:rPr lang="fr-FR" dirty="0"/>
+              <a:rPr lang="fr-FR"/>
               <a:t>Taille </a:t>
             </a:r>
             <a:r>
-              <a:rPr lang="fr-FR" sz="2600" dirty="0"/>
+              <a:rPr lang="fr-FR" sz="2600"/>
               <a:t>26</a:t>
             </a:r>
             <a:endParaRPr lang="en-FR" sz="2600"/>
@@ -20741,38 +20769,38 @@
           <a:p>
             <a:pPr lvl="0"/>
             <a:r>
-              <a:rPr lang="fr-FR" dirty="0"/>
+              <a:rPr lang="fr-FR"/>
               <a:t>Modifier les styles du texte du masque</a:t>
             </a:r>
           </a:p>
           <a:p>
             <a:pPr lvl="1"/>
             <a:r>
-              <a:rPr lang="fr-FR" dirty="0"/>
+              <a:rPr lang="fr-FR"/>
               <a:t>Deuxième niveau</a:t>
             </a:r>
           </a:p>
           <a:p>
             <a:pPr lvl="2"/>
             <a:r>
-              <a:rPr lang="fr-FR" dirty="0"/>
+              <a:rPr lang="fr-FR"/>
               <a:t>Troisième niveau</a:t>
             </a:r>
           </a:p>
           <a:p>
             <a:pPr lvl="3"/>
             <a:r>
-              <a:rPr lang="fr-FR" dirty="0"/>
+              <a:rPr lang="fr-FR"/>
               <a:t>Quatrième niveau</a:t>
             </a:r>
           </a:p>
           <a:p>
             <a:pPr lvl="4"/>
             <a:r>
-              <a:rPr lang="fr-FR" dirty="0"/>
+              <a:rPr lang="fr-FR"/>
               <a:t>Cinquième niveau</a:t>
             </a:r>
-            <a:endParaRPr lang="en-US" dirty="0"/>
+            <a:endParaRPr lang="en-US"/>
           </a:p>
         </p:txBody>
       </p:sp>
@@ -21074,7 +21102,7 @@
           </a:bodyPr>
           <a:lstStyle/>
           <a:p>
-            <a:endParaRPr lang="en-US" dirty="0"/>
+            <a:endParaRPr lang="en-US"/>
           </a:p>
         </p:txBody>
       </p:sp>
@@ -21112,7 +21140,7 @@
           </a:lstStyle>
           <a:p>
             <a:pPr lvl="0"/>
-            <a:endParaRPr lang="en-US" dirty="0"/>
+            <a:endParaRPr lang="en-US"/>
           </a:p>
         </p:txBody>
       </p:sp>
@@ -21208,7 +21236,7 @@
               <a:rPr lang="fr-FR"/>
               <a:t>Modifiez le style du titre</a:t>
             </a:r>
-            <a:endParaRPr lang="en-US" dirty="0"/>
+            <a:endParaRPr lang="en-US"/>
           </a:p>
         </p:txBody>
       </p:sp>
@@ -21237,38 +21265,38 @@
           <a:p>
             <a:pPr lvl="0"/>
             <a:r>
-              <a:rPr lang="fr-FR" dirty="0"/>
+              <a:rPr lang="fr-FR"/>
               <a:t>Modifier les styles du texte du masque</a:t>
             </a:r>
           </a:p>
           <a:p>
             <a:pPr lvl="1"/>
             <a:r>
-              <a:rPr lang="fr-FR" dirty="0"/>
+              <a:rPr lang="fr-FR"/>
               <a:t>Deuxième niveau</a:t>
             </a:r>
           </a:p>
           <a:p>
             <a:pPr lvl="2"/>
             <a:r>
-              <a:rPr lang="fr-FR" dirty="0"/>
+              <a:rPr lang="fr-FR"/>
               <a:t>Troisième niveau</a:t>
             </a:r>
           </a:p>
           <a:p>
             <a:pPr lvl="3"/>
             <a:r>
-              <a:rPr lang="fr-FR" dirty="0"/>
+              <a:rPr lang="fr-FR"/>
               <a:t>Quatrième niveau</a:t>
             </a:r>
           </a:p>
           <a:p>
             <a:pPr lvl="4"/>
             <a:r>
-              <a:rPr lang="fr-FR" dirty="0"/>
+              <a:rPr lang="fr-FR"/>
               <a:t>Cinquième niveau</a:t>
             </a:r>
-            <a:endParaRPr lang="en-US" dirty="0"/>
+            <a:endParaRPr lang="en-US"/>
           </a:p>
         </p:txBody>
       </p:sp>
@@ -21381,7 +21409,7 @@
               <a:rPr lang="fr-FR" smtClean="0"/>
               <a:t>‹#›</a:t>
             </a:fld>
-            <a:endParaRPr lang="fr-FR" dirty="0"/>
+            <a:endParaRPr lang="fr-FR"/>
           </a:p>
         </p:txBody>
       </p:sp>
@@ -21505,7 +21533,7 @@
           <a:lstStyle/>
           <a:p>
             <a:r>
-              <a:rPr lang="fr-FR" sz="3200" dirty="0">
+              <a:rPr lang="fr-FR" sz="3200">
                 <a:solidFill>
                   <a:schemeClr val="bg1"/>
                 </a:solidFill>
@@ -23744,7 +23772,7 @@
               <a:rPr lang="fr-FR"/>
               <a:t>Modifiez le style du titre</a:t>
             </a:r>
-            <a:endParaRPr lang="en-US" dirty="0"/>
+            <a:endParaRPr lang="en-US"/>
           </a:p>
         </p:txBody>
       </p:sp>
@@ -23775,38 +23803,38 @@
           <a:p>
             <a:pPr lvl="0"/>
             <a:r>
-              <a:rPr lang="fr-FR" dirty="0"/>
+              <a:rPr lang="fr-FR"/>
               <a:t>Modifier les styles du texte du masque</a:t>
             </a:r>
           </a:p>
           <a:p>
             <a:pPr lvl="1"/>
             <a:r>
-              <a:rPr lang="fr-FR" dirty="0"/>
+              <a:rPr lang="fr-FR"/>
               <a:t>Deuxième niveau</a:t>
             </a:r>
           </a:p>
           <a:p>
             <a:pPr lvl="2"/>
             <a:r>
-              <a:rPr lang="fr-FR" dirty="0"/>
+              <a:rPr lang="fr-FR"/>
               <a:t>Troisième niveau</a:t>
             </a:r>
           </a:p>
           <a:p>
             <a:pPr lvl="3"/>
             <a:r>
-              <a:rPr lang="fr-FR" dirty="0"/>
+              <a:rPr lang="fr-FR"/>
               <a:t>Quatrième niveau</a:t>
             </a:r>
           </a:p>
           <a:p>
             <a:pPr lvl="4"/>
             <a:r>
-              <a:rPr lang="fr-FR" dirty="0"/>
+              <a:rPr lang="fr-FR"/>
               <a:t>Cinquième niveau</a:t>
             </a:r>
-            <a:endParaRPr lang="en-US" dirty="0"/>
+            <a:endParaRPr lang="en-US"/>
           </a:p>
         </p:txBody>
       </p:sp>
@@ -23843,7 +23871,7 @@
             </a:lvl1pPr>
           </a:lstStyle>
           <a:p>
-            <a:endParaRPr lang="fr-FR" dirty="0"/>
+            <a:endParaRPr lang="fr-FR"/>
           </a:p>
         </p:txBody>
       </p:sp>
@@ -24009,7 +24037,7 @@
               <a:rPr lang="fr-FR" smtClean="0"/>
               <a:t>30/12/2024</a:t>
             </a:fld>
-            <a:endParaRPr lang="fr-FR" dirty="0"/>
+            <a:endParaRPr lang="fr-FR"/>
           </a:p>
         </p:txBody>
       </p:sp>
@@ -24136,7 +24164,7 @@
             </a:lvl9pPr>
           </a:lstStyle>
           <a:p>
-            <a:endParaRPr lang="fr-FR" dirty="0"/>
+            <a:endParaRPr lang="fr-FR"/>
           </a:p>
         </p:txBody>
       </p:sp>
@@ -24264,7 +24292,7 @@
           </a:lstStyle>
           <a:p>
             <a:r>
-              <a:rPr lang="fr-FR" dirty="0"/>
+              <a:rPr lang="fr-FR"/>
               <a:t>Code : DPC-I-1</a:t>
             </a:r>
           </a:p>
@@ -24394,7 +24422,7 @@
           </a:lstStyle>
           <a:p>
             <a:r>
-              <a:rPr lang="fr-FR" dirty="0"/>
+              <a:rPr lang="fr-FR"/>
               <a:t>Design Patterns en C#</a:t>
             </a:r>
           </a:p>
@@ -24848,7 +24876,7 @@
           <a:lstStyle/>
           <a:p>
             <a:r>
-              <a:rPr lang="fr-FR" sz="4000" dirty="0"/>
+              <a:rPr lang="fr-FR" sz="4000"/>
               <a:t>Design Patterns en C#</a:t>
             </a:r>
           </a:p>
@@ -24951,7 +24979,7 @@
           <a:lstStyle/>
           <a:p>
             <a:r>
-              <a:rPr lang="fr-FR" dirty="0"/>
+              <a:rPr lang="fr-FR"/>
               <a:t>1.5. Organisation du catalogue des patterns de conception</a:t>
             </a:r>
           </a:p>
@@ -25122,7 +25150,7 @@
           <a:lstStyle/>
           <a:p>
             <a:r>
-              <a:rPr lang="fr-FR" dirty="0"/>
+              <a:rPr lang="fr-FR"/>
               <a:t>18.4. Domaines d’application</a:t>
             </a:r>
           </a:p>
@@ -25149,7 +25177,7 @@
           <a:bodyPr/>
           <a:lstStyle/>
           <a:p>
-            <a:endParaRPr lang="fr-FR" dirty="0"/>
+            <a:endParaRPr lang="fr-FR"/>
           </a:p>
         </p:txBody>
       </p:sp>
@@ -25288,7 +25316,7 @@
           <a:lstStyle/>
           <a:p>
             <a:r>
-              <a:rPr lang="fr-FR" dirty="0"/>
+              <a:rPr lang="fr-FR"/>
               <a:t>18.5. Exemple en C#</a:t>
             </a:r>
           </a:p>
@@ -25454,14 +25482,14 @@
           <a:lstStyle/>
           <a:p>
             <a:r>
-              <a:rPr lang="fr-FR" dirty="0"/>
+              <a:rPr lang="fr-FR"/>
               <a:t>Chapitre 19 </a:t>
             </a:r>
             <a:br>
-              <a:rPr lang="fr-FR" dirty="0"/>
+              <a:rPr lang="fr-FR"/>
             </a:br>
             <a:r>
-              <a:rPr lang="fr-FR" dirty="0"/>
+              <a:rPr lang="fr-FR"/>
               <a:t>Le pattern Command</a:t>
             </a:r>
           </a:p>
@@ -25489,31 +25517,31 @@
           <a:lstStyle/>
           <a:p>
             <a:r>
-              <a:rPr lang="fr-FR" dirty="0"/>
+              <a:rPr lang="fr-FR"/>
               <a:t>19.1. Description</a:t>
             </a:r>
           </a:p>
           <a:p>
             <a:r>
-              <a:rPr lang="fr-FR" dirty="0"/>
+              <a:rPr lang="fr-FR"/>
               <a:t>19.2. Exemple</a:t>
             </a:r>
           </a:p>
           <a:p>
             <a:r>
-              <a:rPr lang="fr-FR" dirty="0"/>
+              <a:rPr lang="fr-FR"/>
               <a:t>19.3. Structure</a:t>
             </a:r>
           </a:p>
           <a:p>
             <a:r>
-              <a:rPr lang="fr-FR" dirty="0"/>
+              <a:rPr lang="fr-FR"/>
               <a:t>19.4. Domaines d’application</a:t>
             </a:r>
           </a:p>
           <a:p>
             <a:r>
-              <a:rPr lang="fr-FR" dirty="0"/>
+              <a:rPr lang="fr-FR"/>
               <a:t>19.5. Exemple en C#</a:t>
             </a:r>
           </a:p>
@@ -25654,7 +25682,7 @@
           <a:lstStyle/>
           <a:p>
             <a:r>
-              <a:rPr lang="fr-FR" dirty="0"/>
+              <a:rPr lang="fr-FR"/>
               <a:t>19.1. Description</a:t>
             </a:r>
           </a:p>
@@ -25820,7 +25848,7 @@
           <a:lstStyle/>
           <a:p>
             <a:r>
-              <a:rPr lang="fr-FR" dirty="0"/>
+              <a:rPr lang="fr-FR"/>
               <a:t>19.2. Exemple</a:t>
             </a:r>
           </a:p>
@@ -25986,7 +26014,7 @@
           <a:lstStyle/>
           <a:p>
             <a:r>
-              <a:rPr lang="fr-FR" dirty="0"/>
+              <a:rPr lang="fr-FR"/>
               <a:t>19.3. Structure</a:t>
             </a:r>
           </a:p>
@@ -26014,19 +26042,19 @@
           <a:lstStyle/>
           <a:p>
             <a:r>
-              <a:rPr lang="fr-FR" dirty="0"/>
+              <a:rPr lang="fr-FR"/>
               <a:t>19.3.1 Diagramme de classes</a:t>
             </a:r>
           </a:p>
           <a:p>
             <a:r>
-              <a:rPr lang="fr-FR" dirty="0"/>
+              <a:rPr lang="fr-FR"/>
               <a:t>19.3.2 Participants</a:t>
             </a:r>
           </a:p>
           <a:p>
             <a:r>
-              <a:rPr lang="fr-FR" dirty="0"/>
+              <a:rPr lang="fr-FR"/>
               <a:t>19.3.3 Collaborations</a:t>
             </a:r>
           </a:p>
@@ -26172,7 +26200,7 @@
           <a:lstStyle/>
           <a:p>
             <a:r>
-              <a:rPr lang="fr-FR" dirty="0"/>
+              <a:rPr lang="fr-FR"/>
               <a:t>19.4. Domaines d’application</a:t>
             </a:r>
           </a:p>
@@ -26338,7 +26366,7 @@
           <a:lstStyle/>
           <a:p>
             <a:r>
-              <a:rPr lang="fr-FR" dirty="0"/>
+              <a:rPr lang="fr-FR"/>
               <a:t>19.5. Exemple en C#</a:t>
             </a:r>
           </a:p>
@@ -26504,21 +26532,21 @@
           <a:lstStyle/>
           <a:p>
             <a:r>
-              <a:rPr lang="fr-FR" dirty="0"/>
+              <a:rPr lang="fr-FR"/>
               <a:t>Chapitre 20</a:t>
             </a:r>
             <a:br>
-              <a:rPr lang="fr-FR" dirty="0"/>
+              <a:rPr lang="fr-FR"/>
             </a:br>
             <a:r>
-              <a:rPr lang="fr-FR" dirty="0"/>
+              <a:rPr lang="fr-FR"/>
               <a:t>Le pattern </a:t>
             </a:r>
             <a:r>
-              <a:rPr lang="fr-FR" dirty="0" err="1"/>
+              <a:rPr lang="fr-FR" err="1"/>
               <a:t>Interpreter</a:t>
             </a:r>
-            <a:endParaRPr lang="fr-FR" dirty="0"/>
+            <a:endParaRPr lang="fr-FR"/>
           </a:p>
         </p:txBody>
       </p:sp>
@@ -26544,31 +26572,31 @@
           <a:lstStyle/>
           <a:p>
             <a:r>
-              <a:rPr lang="fr-FR" dirty="0"/>
+              <a:rPr lang="fr-FR"/>
               <a:t>20.1. Description</a:t>
             </a:r>
           </a:p>
           <a:p>
             <a:r>
-              <a:rPr lang="fr-FR" dirty="0"/>
+              <a:rPr lang="fr-FR"/>
               <a:t>20.2. Exemple</a:t>
             </a:r>
           </a:p>
           <a:p>
             <a:r>
-              <a:rPr lang="fr-FR" dirty="0"/>
+              <a:rPr lang="fr-FR"/>
               <a:t>20.3. Structure</a:t>
             </a:r>
           </a:p>
           <a:p>
             <a:r>
-              <a:rPr lang="fr-FR" dirty="0"/>
+              <a:rPr lang="fr-FR"/>
               <a:t>20.4. Domaines d'application</a:t>
             </a:r>
           </a:p>
           <a:p>
             <a:r>
-              <a:rPr lang="fr-FR" dirty="0"/>
+              <a:rPr lang="fr-FR"/>
               <a:t>20.5. Exemple en C#</a:t>
             </a:r>
           </a:p>
@@ -26709,7 +26737,7 @@
           <a:lstStyle/>
           <a:p>
             <a:r>
-              <a:rPr lang="fr-FR" dirty="0"/>
+              <a:rPr lang="fr-FR"/>
               <a:t>20.1. Description</a:t>
             </a:r>
           </a:p>
@@ -26882,17 +26910,17 @@
           <a:lstStyle/>
           <a:p>
             <a:r>
-              <a:rPr lang="fr-FR" sz="4000" dirty="0"/>
+              <a:rPr lang="fr-FR" sz="4000"/>
               <a:t>Chapitre 2 </a:t>
             </a:r>
             <a:br>
-              <a:rPr lang="fr-FR" dirty="0"/>
+              <a:rPr lang="fr-FR"/>
             </a:br>
             <a:r>
-              <a:rPr lang="fr-FR" dirty="0"/>
+              <a:rPr lang="fr-FR"/>
               <a:t>Une étude de cas : la vente en ligne de véhicules</a:t>
             </a:r>
-            <a:endParaRPr lang="en-US" dirty="0"/>
+            <a:endParaRPr lang="en-US"/>
           </a:p>
         </p:txBody>
       </p:sp>
@@ -26925,7 +26953,7 @@
               </a:buClr>
             </a:pPr>
             <a:r>
-              <a:rPr lang="fr-FR" dirty="0"/>
+              <a:rPr lang="fr-FR"/>
               <a:t>2.1. Description du système</a:t>
             </a:r>
           </a:p>
@@ -26936,7 +26964,7 @@
               </a:buClr>
             </a:pPr>
             <a:r>
-              <a:rPr lang="fr-FR" dirty="0"/>
+              <a:rPr lang="fr-FR"/>
               <a:t>2.2. Cahier des charges</a:t>
             </a:r>
           </a:p>
@@ -26947,10 +26975,10 @@
               </a:buClr>
             </a:pPr>
             <a:r>
-              <a:rPr lang="fr-FR" dirty="0"/>
+              <a:rPr lang="fr-FR"/>
               <a:t>2.3. Prise en compte des patterns de conception</a:t>
             </a:r>
-            <a:endParaRPr lang="en-US" dirty="0"/>
+            <a:endParaRPr lang="en-US"/>
           </a:p>
         </p:txBody>
       </p:sp>
@@ -26981,7 +27009,7 @@
               <a:rPr lang="fr-FR" smtClean="0"/>
               <a:t>11</a:t>
             </a:fld>
-            <a:endParaRPr lang="fr-FR" dirty="0"/>
+            <a:endParaRPr lang="fr-FR"/>
           </a:p>
         </p:txBody>
       </p:sp>
@@ -27075,7 +27103,7 @@
           <a:lstStyle/>
           <a:p>
             <a:r>
-              <a:rPr lang="fr-FR" dirty="0"/>
+              <a:rPr lang="fr-FR"/>
               <a:t>20.2. Exemple</a:t>
             </a:r>
           </a:p>
@@ -27241,7 +27269,7 @@
           <a:lstStyle/>
           <a:p>
             <a:r>
-              <a:rPr lang="fr-FR" dirty="0"/>
+              <a:rPr lang="fr-FR"/>
               <a:t>20.3. Structure</a:t>
             </a:r>
           </a:p>
@@ -27269,19 +27297,19 @@
           <a:lstStyle/>
           <a:p>
             <a:r>
-              <a:rPr lang="fr-FR" dirty="0"/>
+              <a:rPr lang="fr-FR"/>
               <a:t>20.3.1 Diagramme de classes</a:t>
             </a:r>
           </a:p>
           <a:p>
             <a:r>
-              <a:rPr lang="fr-FR" dirty="0"/>
+              <a:rPr lang="fr-FR"/>
               <a:t>20.3.2 Participants</a:t>
             </a:r>
           </a:p>
           <a:p>
             <a:r>
-              <a:rPr lang="fr-FR" dirty="0"/>
+              <a:rPr lang="fr-FR"/>
               <a:t>20.3.3 Collaborations</a:t>
             </a:r>
           </a:p>
@@ -27427,7 +27455,7 @@
           <a:lstStyle/>
           <a:p>
             <a:r>
-              <a:rPr lang="fr-FR" dirty="0"/>
+              <a:rPr lang="fr-FR"/>
               <a:t>20.4. Domaines d'application</a:t>
             </a:r>
           </a:p>
@@ -27593,7 +27621,7 @@
           <a:lstStyle/>
           <a:p>
             <a:r>
-              <a:rPr lang="fr-FR" dirty="0"/>
+              <a:rPr lang="fr-FR"/>
               <a:t>20.5. Exemple en C#</a:t>
             </a:r>
           </a:p>
@@ -27759,21 +27787,21 @@
           <a:lstStyle/>
           <a:p>
             <a:r>
-              <a:rPr lang="fr-FR" dirty="0"/>
+              <a:rPr lang="fr-FR"/>
               <a:t>Chapitre 21</a:t>
             </a:r>
             <a:br>
-              <a:rPr lang="fr-FR" dirty="0"/>
+              <a:rPr lang="fr-FR"/>
             </a:br>
             <a:r>
-              <a:rPr lang="fr-FR" dirty="0"/>
+              <a:rPr lang="fr-FR"/>
               <a:t>Le pattern </a:t>
             </a:r>
             <a:r>
-              <a:rPr lang="fr-FR" dirty="0" err="1"/>
+              <a:rPr lang="fr-FR" err="1"/>
               <a:t>Iterator</a:t>
             </a:r>
-            <a:endParaRPr lang="fr-FR" dirty="0"/>
+            <a:endParaRPr lang="fr-FR"/>
           </a:p>
         </p:txBody>
       </p:sp>
@@ -27799,31 +27827,31 @@
           <a:lstStyle/>
           <a:p>
             <a:r>
-              <a:rPr lang="fr-FR" dirty="0"/>
+              <a:rPr lang="fr-FR"/>
               <a:t>21.1. Description</a:t>
             </a:r>
           </a:p>
           <a:p>
             <a:r>
-              <a:rPr lang="fr-FR" dirty="0"/>
+              <a:rPr lang="fr-FR"/>
               <a:t>21.2. Exemple</a:t>
             </a:r>
           </a:p>
           <a:p>
             <a:r>
-              <a:rPr lang="fr-FR" dirty="0"/>
+              <a:rPr lang="fr-FR"/>
               <a:t>21.3. Structure</a:t>
             </a:r>
           </a:p>
           <a:p>
             <a:r>
-              <a:rPr lang="fr-FR" dirty="0"/>
+              <a:rPr lang="fr-FR"/>
               <a:t>21.4. Domaines d’application</a:t>
             </a:r>
           </a:p>
           <a:p>
             <a:r>
-              <a:rPr lang="fr-FR" dirty="0"/>
+              <a:rPr lang="fr-FR"/>
               <a:t>21.5. Exemple en C#</a:t>
             </a:r>
           </a:p>
@@ -27964,7 +27992,7 @@
           <a:lstStyle/>
           <a:p>
             <a:r>
-              <a:rPr lang="fr-FR" dirty="0"/>
+              <a:rPr lang="fr-FR"/>
               <a:t>21.1. Description</a:t>
             </a:r>
           </a:p>
@@ -28130,7 +28158,7 @@
           <a:lstStyle/>
           <a:p>
             <a:r>
-              <a:rPr lang="fr-FR" dirty="0"/>
+              <a:rPr lang="fr-FR"/>
               <a:t>21.2. Exemple</a:t>
             </a:r>
           </a:p>
@@ -28296,7 +28324,7 @@
           <a:lstStyle/>
           <a:p>
             <a:r>
-              <a:rPr lang="fr-FR" dirty="0"/>
+              <a:rPr lang="fr-FR"/>
               <a:t>21.3. Structure</a:t>
             </a:r>
           </a:p>
@@ -28324,19 +28352,19 @@
           <a:lstStyle/>
           <a:p>
             <a:r>
-              <a:rPr lang="fr-FR" dirty="0"/>
+              <a:rPr lang="fr-FR"/>
               <a:t>21.3.1 Diagramme de classes</a:t>
             </a:r>
           </a:p>
           <a:p>
             <a:r>
-              <a:rPr lang="fr-FR" dirty="0"/>
+              <a:rPr lang="fr-FR"/>
               <a:t>21.3.2 Participants</a:t>
             </a:r>
           </a:p>
           <a:p>
             <a:r>
-              <a:rPr lang="fr-FR" dirty="0"/>
+              <a:rPr lang="fr-FR"/>
               <a:t>21.3.3 Collaborations</a:t>
             </a:r>
           </a:p>
@@ -28482,7 +28510,7 @@
           <a:lstStyle/>
           <a:p>
             <a:r>
-              <a:rPr lang="fr-FR" dirty="0"/>
+              <a:rPr lang="fr-FR"/>
               <a:t>21.4. Domaines d’application</a:t>
             </a:r>
           </a:p>
@@ -28648,7 +28676,7 @@
           <a:lstStyle/>
           <a:p>
             <a:r>
-              <a:rPr lang="fr-FR" dirty="0"/>
+              <a:rPr lang="fr-FR"/>
               <a:t>21.5. Exemple en C#</a:t>
             </a:r>
           </a:p>
@@ -28827,10 +28855,10 @@
           <a:lstStyle/>
           <a:p>
             <a:r>
-              <a:rPr lang="fr-FR" dirty="0"/>
+              <a:rPr lang="fr-FR"/>
               <a:t>2.1. Description du système</a:t>
             </a:r>
-            <a:endParaRPr lang="en-US" dirty="0"/>
+            <a:endParaRPr lang="en-US"/>
           </a:p>
         </p:txBody>
       </p:sp>
@@ -28862,7 +28890,7 @@
                 <a:srgbClr val="0785C6"/>
               </a:buClr>
             </a:pPr>
-            <a:endParaRPr lang="en-US" dirty="0"/>
+            <a:endParaRPr lang="en-US"/>
           </a:p>
         </p:txBody>
       </p:sp>
@@ -28893,7 +28921,7 @@
               <a:rPr lang="fr-FR" smtClean="0"/>
               <a:t>12</a:t>
             </a:fld>
-            <a:endParaRPr lang="fr-FR" dirty="0"/>
+            <a:endParaRPr lang="fr-FR"/>
           </a:p>
         </p:txBody>
       </p:sp>
@@ -28987,14 +29015,14 @@
           <a:lstStyle/>
           <a:p>
             <a:r>
-              <a:rPr lang="fr-FR" dirty="0"/>
+              <a:rPr lang="fr-FR"/>
               <a:t>Chapitre 22 </a:t>
             </a:r>
             <a:br>
-              <a:rPr lang="fr-FR" dirty="0"/>
+              <a:rPr lang="fr-FR"/>
             </a:br>
             <a:r>
-              <a:rPr lang="fr-FR" dirty="0"/>
+              <a:rPr lang="fr-FR"/>
               <a:t>Le pattern Mediator</a:t>
             </a:r>
           </a:p>
@@ -29022,31 +29050,31 @@
           <a:lstStyle/>
           <a:p>
             <a:r>
-              <a:rPr lang="fr-FR" dirty="0"/>
+              <a:rPr lang="fr-FR"/>
               <a:t>22.1. Description</a:t>
             </a:r>
           </a:p>
           <a:p>
             <a:r>
-              <a:rPr lang="fr-FR" dirty="0"/>
+              <a:rPr lang="fr-FR"/>
               <a:t>22.2. Exemple</a:t>
             </a:r>
           </a:p>
           <a:p>
             <a:r>
-              <a:rPr lang="fr-FR" dirty="0"/>
+              <a:rPr lang="fr-FR"/>
               <a:t>22.3. Structure</a:t>
             </a:r>
           </a:p>
           <a:p>
             <a:r>
-              <a:rPr lang="fr-FR" dirty="0"/>
+              <a:rPr lang="fr-FR"/>
               <a:t>22.4. Domaines d’application</a:t>
             </a:r>
           </a:p>
           <a:p>
             <a:r>
-              <a:rPr lang="fr-FR" dirty="0"/>
+              <a:rPr lang="fr-FR"/>
               <a:t>22.5. Exemple en C#</a:t>
             </a:r>
           </a:p>
@@ -29187,7 +29215,7 @@
           <a:lstStyle/>
           <a:p>
             <a:r>
-              <a:rPr lang="fr-FR" dirty="0"/>
+              <a:rPr lang="fr-FR"/>
               <a:t>22.1. Description</a:t>
             </a:r>
           </a:p>
@@ -29353,7 +29381,7 @@
           <a:lstStyle/>
           <a:p>
             <a:r>
-              <a:rPr lang="fr-FR" dirty="0"/>
+              <a:rPr lang="fr-FR"/>
               <a:t>22.2. Exemple</a:t>
             </a:r>
           </a:p>
@@ -29519,7 +29547,7 @@
           <a:lstStyle/>
           <a:p>
             <a:r>
-              <a:rPr lang="fr-FR" dirty="0"/>
+              <a:rPr lang="fr-FR"/>
               <a:t>22.3. Structure</a:t>
             </a:r>
           </a:p>
@@ -29547,19 +29575,19 @@
           <a:lstStyle/>
           <a:p>
             <a:r>
-              <a:rPr lang="fr-FR" dirty="0"/>
+              <a:rPr lang="fr-FR"/>
               <a:t>22.3.1 Diagramme de classes</a:t>
             </a:r>
           </a:p>
           <a:p>
             <a:r>
-              <a:rPr lang="fr-FR" dirty="0"/>
+              <a:rPr lang="fr-FR"/>
               <a:t>22.3.2 Participants</a:t>
             </a:r>
           </a:p>
           <a:p>
             <a:r>
-              <a:rPr lang="fr-FR" dirty="0"/>
+              <a:rPr lang="fr-FR"/>
               <a:t>22.3.3 Collaborations</a:t>
             </a:r>
           </a:p>
@@ -29705,7 +29733,7 @@
           <a:lstStyle/>
           <a:p>
             <a:r>
-              <a:rPr lang="fr-FR" dirty="0"/>
+              <a:rPr lang="fr-FR"/>
               <a:t>22.4. Domaines d’application</a:t>
             </a:r>
           </a:p>
@@ -29871,7 +29899,7 @@
           <a:lstStyle/>
           <a:p>
             <a:r>
-              <a:rPr lang="fr-FR" dirty="0"/>
+              <a:rPr lang="fr-FR"/>
               <a:t>22.5. Exemple en C#</a:t>
             </a:r>
           </a:p>
@@ -30037,14 +30065,14 @@
           <a:lstStyle/>
           <a:p>
             <a:r>
-              <a:rPr lang="fr-FR" dirty="0"/>
+              <a:rPr lang="fr-FR"/>
               <a:t>Chapitre 23 </a:t>
             </a:r>
             <a:br>
-              <a:rPr lang="fr-FR" dirty="0"/>
+              <a:rPr lang="fr-FR"/>
             </a:br>
             <a:r>
-              <a:rPr lang="fr-FR" dirty="0"/>
+              <a:rPr lang="fr-FR"/>
               <a:t>Le pattern Memento</a:t>
             </a:r>
           </a:p>
@@ -30072,31 +30100,31 @@
           <a:lstStyle/>
           <a:p>
             <a:r>
-              <a:rPr lang="fr-FR" dirty="0"/>
+              <a:rPr lang="fr-FR"/>
               <a:t>23.1. Description</a:t>
             </a:r>
           </a:p>
           <a:p>
             <a:r>
-              <a:rPr lang="fr-FR" dirty="0"/>
+              <a:rPr lang="fr-FR"/>
               <a:t>23.2. Exemple</a:t>
             </a:r>
           </a:p>
           <a:p>
             <a:r>
-              <a:rPr lang="fr-FR" dirty="0"/>
+              <a:rPr lang="fr-FR"/>
               <a:t>23.3. Structure</a:t>
             </a:r>
           </a:p>
           <a:p>
             <a:r>
-              <a:rPr lang="fr-FR" dirty="0"/>
+              <a:rPr lang="fr-FR"/>
               <a:t>23.4. Domaines d’application</a:t>
             </a:r>
           </a:p>
           <a:p>
             <a:r>
-              <a:rPr lang="fr-FR" dirty="0"/>
+              <a:rPr lang="fr-FR"/>
               <a:t>23.5. Exemple en C#</a:t>
             </a:r>
           </a:p>
@@ -30237,7 +30265,7 @@
           <a:lstStyle/>
           <a:p>
             <a:r>
-              <a:rPr lang="fr-FR" dirty="0"/>
+              <a:rPr lang="fr-FR"/>
               <a:t>23.1. Description</a:t>
             </a:r>
           </a:p>
@@ -30403,7 +30431,7 @@
           <a:lstStyle/>
           <a:p>
             <a:r>
-              <a:rPr lang="fr-FR" dirty="0"/>
+              <a:rPr lang="fr-FR"/>
               <a:t>23.2. Exemple</a:t>
             </a:r>
           </a:p>
@@ -30569,7 +30597,7 @@
           <a:lstStyle/>
           <a:p>
             <a:r>
-              <a:rPr lang="fr-FR" dirty="0"/>
+              <a:rPr lang="fr-FR"/>
               <a:t>23.3. Structure</a:t>
             </a:r>
           </a:p>
@@ -30597,19 +30625,19 @@
           <a:lstStyle/>
           <a:p>
             <a:r>
-              <a:rPr lang="fr-FR" dirty="0"/>
+              <a:rPr lang="fr-FR"/>
               <a:t>23.3.1 Diagramme de classes</a:t>
             </a:r>
           </a:p>
           <a:p>
             <a:r>
-              <a:rPr lang="fr-FR" dirty="0"/>
+              <a:rPr lang="fr-FR"/>
               <a:t>23.3.2 Participants</a:t>
             </a:r>
           </a:p>
           <a:p>
             <a:r>
-              <a:rPr lang="fr-FR" dirty="0"/>
+              <a:rPr lang="fr-FR"/>
               <a:t>23.3.3 Collaborations</a:t>
             </a:r>
           </a:p>
@@ -30763,10 +30791,10 @@
           <a:lstStyle/>
           <a:p>
             <a:r>
-              <a:rPr lang="fr-FR" dirty="0"/>
+              <a:rPr lang="fr-FR"/>
               <a:t>2.2. Cahier des charges</a:t>
             </a:r>
-            <a:endParaRPr lang="en-US" dirty="0"/>
+            <a:endParaRPr lang="en-US"/>
           </a:p>
         </p:txBody>
       </p:sp>
@@ -30798,7 +30826,7 @@
                 <a:srgbClr val="0785C6"/>
               </a:buClr>
             </a:pPr>
-            <a:endParaRPr lang="fr-FR" dirty="0"/>
+            <a:endParaRPr lang="fr-FR"/>
           </a:p>
         </p:txBody>
       </p:sp>
@@ -30829,7 +30857,7 @@
               <a:rPr lang="fr-FR" smtClean="0"/>
               <a:t>13</a:t>
             </a:fld>
-            <a:endParaRPr lang="fr-FR" dirty="0"/>
+            <a:endParaRPr lang="fr-FR"/>
           </a:p>
         </p:txBody>
       </p:sp>
@@ -30928,7 +30956,7 @@
           <a:lstStyle/>
           <a:p>
             <a:r>
-              <a:rPr lang="fr-FR" dirty="0"/>
+              <a:rPr lang="fr-FR"/>
               <a:t>23.4. Domaines d’application</a:t>
             </a:r>
           </a:p>
@@ -31094,7 +31122,7 @@
           <a:lstStyle/>
           <a:p>
             <a:r>
-              <a:rPr lang="fr-FR" dirty="0"/>
+              <a:rPr lang="fr-FR"/>
               <a:t>23.5. Exemple en C#</a:t>
             </a:r>
           </a:p>
@@ -31260,14 +31288,14 @@
           <a:lstStyle/>
           <a:p>
             <a:r>
-              <a:rPr lang="fr-FR" dirty="0"/>
+              <a:rPr lang="fr-FR"/>
               <a:t>Chapitre 24</a:t>
             </a:r>
             <a:br>
-              <a:rPr lang="fr-FR" dirty="0"/>
+              <a:rPr lang="fr-FR"/>
             </a:br>
             <a:r>
-              <a:rPr lang="fr-FR" dirty="0"/>
+              <a:rPr lang="fr-FR"/>
               <a:t>Le pattern Observer</a:t>
             </a:r>
           </a:p>
@@ -31295,31 +31323,31 @@
           <a:lstStyle/>
           <a:p>
             <a:r>
-              <a:rPr lang="fr-FR" dirty="0"/>
+              <a:rPr lang="fr-FR"/>
               <a:t>24.1. Description</a:t>
             </a:r>
           </a:p>
           <a:p>
             <a:r>
-              <a:rPr lang="fr-FR" dirty="0"/>
+              <a:rPr lang="fr-FR"/>
               <a:t>24.2. Exemple</a:t>
             </a:r>
           </a:p>
           <a:p>
             <a:r>
-              <a:rPr lang="fr-FR" dirty="0"/>
+              <a:rPr lang="fr-FR"/>
               <a:t>24.3. Structure</a:t>
             </a:r>
           </a:p>
           <a:p>
             <a:r>
-              <a:rPr lang="fr-FR" dirty="0"/>
+              <a:rPr lang="fr-FR"/>
               <a:t>24.4. Domaines d’application</a:t>
             </a:r>
           </a:p>
           <a:p>
             <a:r>
-              <a:rPr lang="fr-FR" dirty="0"/>
+              <a:rPr lang="fr-FR"/>
               <a:t>24.5. Exemple en C#</a:t>
             </a:r>
           </a:p>
@@ -31460,7 +31488,7 @@
           <a:lstStyle/>
           <a:p>
             <a:r>
-              <a:rPr lang="fr-FR" dirty="0"/>
+              <a:rPr lang="fr-FR"/>
               <a:t>24.1. Description</a:t>
             </a:r>
           </a:p>
@@ -31626,7 +31654,7 @@
           <a:lstStyle/>
           <a:p>
             <a:r>
-              <a:rPr lang="fr-FR" dirty="0"/>
+              <a:rPr lang="fr-FR"/>
               <a:t>24.2. Exemple</a:t>
             </a:r>
           </a:p>
@@ -31792,7 +31820,7 @@
           <a:lstStyle/>
           <a:p>
             <a:r>
-              <a:rPr lang="fr-FR" dirty="0"/>
+              <a:rPr lang="fr-FR"/>
               <a:t>24.3. Structure</a:t>
             </a:r>
           </a:p>
@@ -31820,19 +31848,19 @@
           <a:lstStyle/>
           <a:p>
             <a:r>
-              <a:rPr lang="fr-FR" dirty="0"/>
+              <a:rPr lang="fr-FR"/>
               <a:t>24.3.1 Diagramme de classes</a:t>
             </a:r>
           </a:p>
           <a:p>
             <a:r>
-              <a:rPr lang="fr-FR" dirty="0"/>
+              <a:rPr lang="fr-FR"/>
               <a:t>24.3.2 Participants</a:t>
             </a:r>
           </a:p>
           <a:p>
             <a:r>
-              <a:rPr lang="fr-FR" dirty="0"/>
+              <a:rPr lang="fr-FR"/>
               <a:t>24.3.3 Collaborations</a:t>
             </a:r>
           </a:p>
@@ -31978,7 +32006,7 @@
           <a:lstStyle/>
           <a:p>
             <a:r>
-              <a:rPr lang="fr-FR" dirty="0"/>
+              <a:rPr lang="fr-FR"/>
               <a:t>24.4. Domaines d’application</a:t>
             </a:r>
           </a:p>
@@ -32144,7 +32172,7 @@
           <a:lstStyle/>
           <a:p>
             <a:r>
-              <a:rPr lang="fr-FR" dirty="0"/>
+              <a:rPr lang="fr-FR"/>
               <a:t>24.5. Exemple en C#</a:t>
             </a:r>
           </a:p>
@@ -32310,14 +32338,14 @@
           <a:lstStyle/>
           <a:p>
             <a:r>
-              <a:rPr lang="fr-FR" dirty="0"/>
+              <a:rPr lang="fr-FR"/>
               <a:t>Chapitre 25</a:t>
             </a:r>
             <a:br>
-              <a:rPr lang="fr-FR" dirty="0"/>
+              <a:rPr lang="fr-FR"/>
             </a:br>
             <a:r>
-              <a:rPr lang="fr-FR" dirty="0"/>
+              <a:rPr lang="fr-FR"/>
               <a:t>Le pattern State</a:t>
             </a:r>
           </a:p>
@@ -32345,31 +32373,31 @@
           <a:lstStyle/>
           <a:p>
             <a:r>
-              <a:rPr lang="fr-FR" dirty="0"/>
+              <a:rPr lang="fr-FR"/>
               <a:t>25.1. Description</a:t>
             </a:r>
           </a:p>
           <a:p>
             <a:r>
-              <a:rPr lang="fr-FR" dirty="0"/>
+              <a:rPr lang="fr-FR"/>
               <a:t>25.2. Exemple</a:t>
             </a:r>
           </a:p>
           <a:p>
             <a:r>
-              <a:rPr lang="fr-FR" dirty="0"/>
+              <a:rPr lang="fr-FR"/>
               <a:t>25.3. Structure</a:t>
             </a:r>
           </a:p>
           <a:p>
             <a:r>
-              <a:rPr lang="fr-FR" dirty="0"/>
+              <a:rPr lang="fr-FR"/>
               <a:t>25.4. Domaines d’application</a:t>
             </a:r>
           </a:p>
           <a:p>
             <a:r>
-              <a:rPr lang="fr-FR" dirty="0"/>
+              <a:rPr lang="fr-FR"/>
               <a:t>25.5. Exemple en C#</a:t>
             </a:r>
           </a:p>
@@ -32510,7 +32538,7 @@
           <a:lstStyle/>
           <a:p>
             <a:r>
-              <a:rPr lang="fr-FR" dirty="0"/>
+              <a:rPr lang="fr-FR"/>
               <a:t>25.1. Description</a:t>
             </a:r>
           </a:p>
@@ -32683,7 +32711,7 @@
           <a:lstStyle/>
           <a:p>
             <a:r>
-              <a:rPr lang="fr-FR" dirty="0"/>
+              <a:rPr lang="fr-FR"/>
               <a:t>2.3. Prise en compte des patterns de conception</a:t>
             </a:r>
           </a:p>
@@ -32849,7 +32877,7 @@
           <a:lstStyle/>
           <a:p>
             <a:r>
-              <a:rPr lang="fr-FR" dirty="0"/>
+              <a:rPr lang="fr-FR"/>
               <a:t>25.2. Exemple</a:t>
             </a:r>
           </a:p>
@@ -33015,7 +33043,7 @@
           <a:lstStyle/>
           <a:p>
             <a:r>
-              <a:rPr lang="fr-FR" dirty="0"/>
+              <a:rPr lang="fr-FR"/>
               <a:t>25.3. Structure</a:t>
             </a:r>
           </a:p>
@@ -33043,19 +33071,19 @@
           <a:lstStyle/>
           <a:p>
             <a:r>
-              <a:rPr lang="fr-FR" dirty="0"/>
+              <a:rPr lang="fr-FR"/>
               <a:t>25.3.1 Diagramme de classes</a:t>
             </a:r>
           </a:p>
           <a:p>
             <a:r>
-              <a:rPr lang="fr-FR" dirty="0"/>
+              <a:rPr lang="fr-FR"/>
               <a:t>25.3.2 Participants</a:t>
             </a:r>
           </a:p>
           <a:p>
             <a:r>
-              <a:rPr lang="fr-FR" dirty="0"/>
+              <a:rPr lang="fr-FR"/>
               <a:t>25.3.3 Collaborations</a:t>
             </a:r>
           </a:p>
@@ -33201,7 +33229,7 @@
           <a:lstStyle/>
           <a:p>
             <a:r>
-              <a:rPr lang="fr-FR" dirty="0"/>
+              <a:rPr lang="fr-FR"/>
               <a:t>25.4. Domaines d’application</a:t>
             </a:r>
           </a:p>
@@ -33367,7 +33395,7 @@
           <a:lstStyle/>
           <a:p>
             <a:r>
-              <a:rPr lang="fr-FR" dirty="0"/>
+              <a:rPr lang="fr-FR"/>
               <a:t>25.5. Exemple en C#</a:t>
             </a:r>
           </a:p>
@@ -33533,21 +33561,21 @@
           <a:lstStyle/>
           <a:p>
             <a:r>
-              <a:rPr lang="fr-FR" dirty="0"/>
+              <a:rPr lang="fr-FR"/>
               <a:t>Chapitre 26</a:t>
             </a:r>
             <a:br>
-              <a:rPr lang="fr-FR" dirty="0"/>
+              <a:rPr lang="fr-FR"/>
             </a:br>
             <a:r>
-              <a:rPr lang="fr-FR" dirty="0"/>
+              <a:rPr lang="fr-FR"/>
               <a:t>Le pattern </a:t>
             </a:r>
             <a:r>
-              <a:rPr lang="fr-FR" dirty="0" err="1"/>
+              <a:rPr lang="fr-FR" err="1"/>
               <a:t>Strategy</a:t>
             </a:r>
-            <a:endParaRPr lang="fr-FR" dirty="0"/>
+            <a:endParaRPr lang="fr-FR"/>
           </a:p>
         </p:txBody>
       </p:sp>
@@ -33573,31 +33601,31 @@
           <a:lstStyle/>
           <a:p>
             <a:r>
-              <a:rPr lang="fr-FR" dirty="0"/>
+              <a:rPr lang="fr-FR"/>
               <a:t>26.1. Description</a:t>
             </a:r>
           </a:p>
           <a:p>
             <a:r>
-              <a:rPr lang="fr-FR" dirty="0"/>
+              <a:rPr lang="fr-FR"/>
               <a:t>26.. Exemple</a:t>
             </a:r>
           </a:p>
           <a:p>
             <a:r>
-              <a:rPr lang="fr-FR" dirty="0"/>
+              <a:rPr lang="fr-FR"/>
               <a:t>26.3. Structure</a:t>
             </a:r>
           </a:p>
           <a:p>
             <a:r>
-              <a:rPr lang="fr-FR" dirty="0"/>
+              <a:rPr lang="fr-FR"/>
               <a:t>26.4. Domaines d’application</a:t>
             </a:r>
           </a:p>
           <a:p>
             <a:r>
-              <a:rPr lang="fr-FR" dirty="0"/>
+              <a:rPr lang="fr-FR"/>
               <a:t>26.5. Exemple en C#</a:t>
             </a:r>
           </a:p>
@@ -33738,7 +33766,7 @@
           <a:lstStyle/>
           <a:p>
             <a:r>
-              <a:rPr lang="fr-FR" dirty="0"/>
+              <a:rPr lang="fr-FR"/>
               <a:t>26.1. Description</a:t>
             </a:r>
           </a:p>
@@ -33904,7 +33932,7 @@
           <a:lstStyle/>
           <a:p>
             <a:r>
-              <a:rPr lang="fr-FR" dirty="0"/>
+              <a:rPr lang="fr-FR"/>
               <a:t>26.2. Exemple</a:t>
             </a:r>
           </a:p>
@@ -34070,7 +34098,7 @@
           <a:lstStyle/>
           <a:p>
             <a:r>
-              <a:rPr lang="fr-FR" dirty="0"/>
+              <a:rPr lang="fr-FR"/>
               <a:t>26.3. Structure</a:t>
             </a:r>
           </a:p>
@@ -34098,19 +34126,19 @@
           <a:lstStyle/>
           <a:p>
             <a:r>
-              <a:rPr lang="fr-FR" dirty="0"/>
+              <a:rPr lang="fr-FR"/>
               <a:t>26.3.1 Diagramme de classes</a:t>
             </a:r>
           </a:p>
           <a:p>
             <a:r>
-              <a:rPr lang="fr-FR" dirty="0"/>
+              <a:rPr lang="fr-FR"/>
               <a:t>26.3.2 Participants</a:t>
             </a:r>
           </a:p>
           <a:p>
             <a:r>
-              <a:rPr lang="fr-FR" dirty="0"/>
+              <a:rPr lang="fr-FR"/>
               <a:t>26.3.3 Collaborations</a:t>
             </a:r>
           </a:p>
@@ -34256,7 +34284,7 @@
           <a:lstStyle/>
           <a:p>
             <a:r>
-              <a:rPr lang="fr-FR" dirty="0"/>
+              <a:rPr lang="fr-FR"/>
               <a:t>26.4. Domaines d’application</a:t>
             </a:r>
           </a:p>
@@ -34422,7 +34450,7 @@
           <a:lstStyle/>
           <a:p>
             <a:r>
-              <a:rPr lang="fr-FR" dirty="0"/>
+              <a:rPr lang="fr-FR"/>
               <a:t>26.5. Exemple en C#</a:t>
             </a:r>
           </a:p>
@@ -34595,21 +34623,21 @@
           <a:lstStyle/>
           <a:p>
             <a:r>
-              <a:rPr lang="en-US" dirty="0" err="1"/>
+              <a:rPr lang="en-US" err="1"/>
               <a:t>Chapitre</a:t>
             </a:r>
             <a:r>
-              <a:rPr lang="en-US" dirty="0"/>
+              <a:rPr lang="en-US"/>
               <a:t> 3</a:t>
             </a:r>
             <a:br>
-              <a:rPr lang="en-US" dirty="0"/>
+              <a:rPr lang="en-US"/>
             </a:br>
             <a:r>
-              <a:rPr lang="fr-FR" dirty="0"/>
+              <a:rPr lang="fr-FR"/>
               <a:t>Introduction aux patterns de construction</a:t>
             </a:r>
-            <a:endParaRPr lang="en-US" sz="2900" dirty="0"/>
+            <a:endParaRPr lang="en-US" sz="2900"/>
           </a:p>
         </p:txBody>
       </p:sp>
@@ -34637,20 +34665,20 @@
           <a:lstStyle/>
           <a:p>
             <a:r>
-              <a:rPr lang="en-US" dirty="0"/>
+              <a:rPr lang="en-US"/>
               <a:t>3.</a:t>
             </a:r>
             <a:r>
-              <a:rPr lang="fr-FR" dirty="0"/>
+              <a:rPr lang="fr-FR"/>
               <a:t>1. Présentation</a:t>
             </a:r>
           </a:p>
           <a:p>
             <a:r>
-              <a:rPr lang="fr-FR" dirty="0"/>
+              <a:rPr lang="fr-FR"/>
               <a:t>3.2. Les problèmes liés à la création d’objets</a:t>
             </a:r>
-            <a:endParaRPr lang="en-US" dirty="0"/>
+            <a:endParaRPr lang="en-US"/>
           </a:p>
         </p:txBody>
       </p:sp>
@@ -34681,7 +34709,7 @@
               <a:rPr lang="fr-FR" smtClean="0"/>
               <a:t>15</a:t>
             </a:fld>
-            <a:endParaRPr lang="fr-FR" dirty="0"/>
+            <a:endParaRPr lang="fr-FR"/>
           </a:p>
         </p:txBody>
       </p:sp>
@@ -34782,14 +34810,14 @@
           <a:lstStyle/>
           <a:p>
             <a:r>
-              <a:rPr lang="fr-FR" dirty="0"/>
+              <a:rPr lang="fr-FR"/>
               <a:t>Chapitre 27</a:t>
             </a:r>
             <a:br>
-              <a:rPr lang="fr-FR" dirty="0"/>
+              <a:rPr lang="fr-FR"/>
             </a:br>
             <a:r>
-              <a:rPr lang="fr-FR" dirty="0"/>
+              <a:rPr lang="fr-FR"/>
               <a:t>Le pattern Template Method</a:t>
             </a:r>
           </a:p>
@@ -34817,31 +34845,31 @@
           <a:lstStyle/>
           <a:p>
             <a:r>
-              <a:rPr lang="fr-FR" dirty="0"/>
+              <a:rPr lang="fr-FR"/>
               <a:t>27.1. Description</a:t>
             </a:r>
           </a:p>
           <a:p>
             <a:r>
-              <a:rPr lang="fr-FR" dirty="0"/>
+              <a:rPr lang="fr-FR"/>
               <a:t>27.2. Exemple</a:t>
             </a:r>
           </a:p>
           <a:p>
             <a:r>
-              <a:rPr lang="fr-FR" dirty="0"/>
+              <a:rPr lang="fr-FR"/>
               <a:t>27.3. Structure</a:t>
             </a:r>
           </a:p>
           <a:p>
             <a:r>
-              <a:rPr lang="fr-FR" dirty="0"/>
+              <a:rPr lang="fr-FR"/>
               <a:t>27.4. Domaines d’application</a:t>
             </a:r>
           </a:p>
           <a:p>
             <a:r>
-              <a:rPr lang="fr-FR" dirty="0"/>
+              <a:rPr lang="fr-FR"/>
               <a:t>27.5. Exemple en C#</a:t>
             </a:r>
           </a:p>
@@ -34982,7 +35010,7 @@
           <a:lstStyle/>
           <a:p>
             <a:r>
-              <a:rPr lang="fr-FR" dirty="0"/>
+              <a:rPr lang="fr-FR"/>
               <a:t>27.1. Description</a:t>
             </a:r>
           </a:p>
@@ -35148,7 +35176,7 @@
           <a:lstStyle/>
           <a:p>
             <a:r>
-              <a:rPr lang="fr-FR" dirty="0"/>
+              <a:rPr lang="fr-FR"/>
               <a:t>27.2. Exemple</a:t>
             </a:r>
           </a:p>
@@ -35314,7 +35342,7 @@
           <a:lstStyle/>
           <a:p>
             <a:r>
-              <a:rPr lang="fr-FR" dirty="0"/>
+              <a:rPr lang="fr-FR"/>
               <a:t>27.3. Structure</a:t>
             </a:r>
           </a:p>
@@ -35342,19 +35370,19 @@
           <a:lstStyle/>
           <a:p>
             <a:r>
-              <a:rPr lang="fr-FR" dirty="0"/>
+              <a:rPr lang="fr-FR"/>
               <a:t>27.3.1 Diagramme de classes</a:t>
             </a:r>
           </a:p>
           <a:p>
             <a:r>
-              <a:rPr lang="fr-FR" dirty="0"/>
+              <a:rPr lang="fr-FR"/>
               <a:t>27.3.2 Participants</a:t>
             </a:r>
           </a:p>
           <a:p>
             <a:r>
-              <a:rPr lang="fr-FR" dirty="0"/>
+              <a:rPr lang="fr-FR"/>
               <a:t>27.3.3 Collaborations</a:t>
             </a:r>
           </a:p>
@@ -35500,7 +35528,7 @@
           <a:lstStyle/>
           <a:p>
             <a:r>
-              <a:rPr lang="fr-FR" dirty="0"/>
+              <a:rPr lang="fr-FR"/>
               <a:t>27.4. Domaines d’application</a:t>
             </a:r>
           </a:p>
@@ -35666,7 +35694,7 @@
           <a:lstStyle/>
           <a:p>
             <a:r>
-              <a:rPr lang="fr-FR" dirty="0"/>
+              <a:rPr lang="fr-FR"/>
               <a:t>27.5. Exemple en C#</a:t>
             </a:r>
           </a:p>
@@ -35832,14 +35860,14 @@
           <a:lstStyle/>
           <a:p>
             <a:r>
-              <a:rPr lang="fr-FR" dirty="0"/>
+              <a:rPr lang="fr-FR"/>
               <a:t>Chapitre 28</a:t>
             </a:r>
             <a:br>
-              <a:rPr lang="fr-FR" dirty="0"/>
+              <a:rPr lang="fr-FR"/>
             </a:br>
             <a:r>
-              <a:rPr lang="fr-FR" dirty="0"/>
+              <a:rPr lang="fr-FR"/>
               <a:t>Le pattern Visitor</a:t>
             </a:r>
           </a:p>
@@ -35867,31 +35895,31 @@
           <a:lstStyle/>
           <a:p>
             <a:r>
-              <a:rPr lang="fr-FR" dirty="0"/>
+              <a:rPr lang="fr-FR"/>
               <a:t>28.1. Description</a:t>
             </a:r>
           </a:p>
           <a:p>
             <a:r>
-              <a:rPr lang="fr-FR" dirty="0"/>
+              <a:rPr lang="fr-FR"/>
               <a:t>28.2. Exemple</a:t>
             </a:r>
           </a:p>
           <a:p>
             <a:r>
-              <a:rPr lang="fr-FR" dirty="0"/>
+              <a:rPr lang="fr-FR"/>
               <a:t>28.3. Structure</a:t>
             </a:r>
           </a:p>
           <a:p>
             <a:r>
-              <a:rPr lang="fr-FR" dirty="0"/>
+              <a:rPr lang="fr-FR"/>
               <a:t>28.4. Domaines d’application</a:t>
             </a:r>
           </a:p>
           <a:p>
             <a:r>
-              <a:rPr lang="fr-FR" dirty="0"/>
+              <a:rPr lang="fr-FR"/>
               <a:t>28.5. Exemple en C#</a:t>
             </a:r>
           </a:p>
@@ -36032,7 +36060,7 @@
           <a:lstStyle/>
           <a:p>
             <a:r>
-              <a:rPr lang="fr-FR" dirty="0"/>
+              <a:rPr lang="fr-FR"/>
               <a:t>28.1. Description</a:t>
             </a:r>
           </a:p>
@@ -36198,7 +36226,7 @@
           <a:lstStyle/>
           <a:p>
             <a:r>
-              <a:rPr lang="fr-FR" dirty="0"/>
+              <a:rPr lang="fr-FR"/>
               <a:t>28.2. Exemple</a:t>
             </a:r>
           </a:p>
@@ -36364,7 +36392,7 @@
           <a:lstStyle/>
           <a:p>
             <a:r>
-              <a:rPr lang="fr-FR" dirty="0"/>
+              <a:rPr lang="fr-FR"/>
               <a:t>28.3. Structure</a:t>
             </a:r>
           </a:p>
@@ -36392,19 +36420,19 @@
           <a:lstStyle/>
           <a:p>
             <a:r>
-              <a:rPr lang="fr-FR" dirty="0"/>
+              <a:rPr lang="fr-FR"/>
               <a:t>28.3.1 Diagramme de classes</a:t>
             </a:r>
           </a:p>
           <a:p>
             <a:r>
-              <a:rPr lang="fr-FR" dirty="0"/>
+              <a:rPr lang="fr-FR"/>
               <a:t>28.3.2 Participants</a:t>
             </a:r>
           </a:p>
           <a:p>
             <a:r>
-              <a:rPr lang="fr-FR" dirty="0"/>
+              <a:rPr lang="fr-FR"/>
               <a:t>28.3.3 Collaborations</a:t>
             </a:r>
           </a:p>
@@ -36558,14 +36586,14 @@
           <a:lstStyle/>
           <a:p>
             <a:r>
-              <a:rPr lang="en-US" dirty="0"/>
+              <a:rPr lang="en-US"/>
               <a:t>3.1. </a:t>
             </a:r>
             <a:r>
-              <a:rPr lang="en-US" dirty="0" err="1"/>
+              <a:rPr lang="en-US" err="1"/>
               <a:t>Présentation</a:t>
             </a:r>
-            <a:endParaRPr lang="en-US" dirty="0"/>
+            <a:endParaRPr lang="en-US"/>
           </a:p>
         </p:txBody>
       </p:sp>
@@ -36595,7 +36623,7 @@
             <a:pPr marL="0" indent="0">
               <a:buNone/>
             </a:pPr>
-            <a:endParaRPr lang="en-US" dirty="0"/>
+            <a:endParaRPr lang="en-US"/>
           </a:p>
         </p:txBody>
       </p:sp>
@@ -36626,7 +36654,7 @@
               <a:rPr lang="fr-FR" smtClean="0"/>
               <a:t>16</a:t>
             </a:fld>
-            <a:endParaRPr lang="fr-FR" dirty="0"/>
+            <a:endParaRPr lang="fr-FR"/>
           </a:p>
         </p:txBody>
       </p:sp>
@@ -36725,7 +36753,7 @@
           <a:lstStyle/>
           <a:p>
             <a:r>
-              <a:rPr lang="fr-FR" dirty="0"/>
+              <a:rPr lang="fr-FR"/>
               <a:t>28.4. Domaines d’application</a:t>
             </a:r>
           </a:p>
@@ -36891,7 +36919,7 @@
           <a:lstStyle/>
           <a:p>
             <a:r>
-              <a:rPr lang="fr-FR" dirty="0"/>
+              <a:rPr lang="fr-FR"/>
               <a:t>28.5. Exemple en C#</a:t>
             </a:r>
           </a:p>
@@ -37064,14 +37092,14 @@
           <a:lstStyle/>
           <a:p>
             <a:r>
-              <a:rPr lang="fr-FR" dirty="0"/>
+              <a:rPr lang="fr-FR"/>
               <a:t>Chapitre 29</a:t>
             </a:r>
             <a:br>
-              <a:rPr lang="fr-FR" dirty="0"/>
+              <a:rPr lang="fr-FR"/>
             </a:br>
             <a:r>
-              <a:rPr lang="fr-FR" dirty="0"/>
+              <a:rPr lang="fr-FR"/>
               <a:t>Compositions et variations de patterns</a:t>
             </a:r>
           </a:p>
@@ -37099,51 +37127,51 @@
           <a:lstStyle/>
           <a:p>
             <a:r>
-              <a:rPr lang="fr-FR" dirty="0"/>
+              <a:rPr lang="fr-FR"/>
               <a:t>1. Préliminaire</a:t>
             </a:r>
           </a:p>
           <a:p>
             <a:r>
-              <a:rPr lang="fr-FR" dirty="0"/>
+              <a:rPr lang="fr-FR"/>
               <a:t>2. Le pattern </a:t>
             </a:r>
             <a:r>
-              <a:rPr lang="fr-FR" dirty="0" err="1"/>
+              <a:rPr lang="fr-FR" err="1"/>
               <a:t>Pluggable</a:t>
             </a:r>
             <a:r>
-              <a:rPr lang="fr-FR" dirty="0"/>
+              <a:rPr lang="fr-FR"/>
               <a:t> </a:t>
             </a:r>
             <a:r>
-              <a:rPr lang="fr-FR" dirty="0" err="1"/>
+              <a:rPr lang="fr-FR" err="1"/>
               <a:t>Factory</a:t>
             </a:r>
-            <a:endParaRPr lang="fr-FR" dirty="0"/>
+            <a:endParaRPr lang="fr-FR"/>
           </a:p>
           <a:p>
             <a:r>
-              <a:rPr lang="fr-FR" dirty="0"/>
+              <a:rPr lang="fr-FR"/>
               <a:t>3. </a:t>
             </a:r>
             <a:r>
-              <a:rPr lang="fr-FR" dirty="0" err="1"/>
+              <a:rPr lang="fr-FR" err="1"/>
               <a:t>Reflective</a:t>
             </a:r>
             <a:r>
-              <a:rPr lang="fr-FR" dirty="0"/>
+              <a:rPr lang="fr-FR"/>
               <a:t> Visitor</a:t>
             </a:r>
           </a:p>
           <a:p>
             <a:r>
-              <a:rPr lang="fr-FR" dirty="0"/>
+              <a:rPr lang="fr-FR"/>
               <a:t>4. Le pattern Multicast</a:t>
             </a:r>
           </a:p>
           <a:p>
-            <a:endParaRPr lang="fr-FR" dirty="0"/>
+            <a:endParaRPr lang="fr-FR"/>
           </a:p>
         </p:txBody>
       </p:sp>
@@ -37282,7 +37310,7 @@
           <a:lstStyle/>
           <a:p>
             <a:r>
-              <a:rPr lang="fr-FR" dirty="0"/>
+              <a:rPr lang="fr-FR"/>
               <a:t>29.1. Préliminaire</a:t>
             </a:r>
           </a:p>
@@ -37453,22 +37481,22 @@
           <a:lstStyle/>
           <a:p>
             <a:r>
-              <a:rPr lang="fr-FR" dirty="0"/>
+              <a:rPr lang="fr-FR"/>
               <a:t>29.2. Le pattern </a:t>
             </a:r>
             <a:r>
-              <a:rPr lang="fr-FR" dirty="0" err="1"/>
+              <a:rPr lang="fr-FR" err="1"/>
               <a:t>Pluggable</a:t>
             </a:r>
             <a:r>
-              <a:rPr lang="fr-FR" dirty="0"/>
+              <a:rPr lang="fr-FR"/>
               <a:t> </a:t>
             </a:r>
             <a:r>
-              <a:rPr lang="fr-FR" dirty="0" err="1"/>
+              <a:rPr lang="fr-FR" err="1"/>
               <a:t>Factory</a:t>
             </a:r>
-            <a:endParaRPr lang="fr-FR" dirty="0"/>
+            <a:endParaRPr lang="fr-FR"/>
           </a:p>
         </p:txBody>
       </p:sp>
@@ -37494,19 +37522,19 @@
           <a:lstStyle/>
           <a:p>
             <a:r>
-              <a:rPr lang="fr-FR" dirty="0"/>
+              <a:rPr lang="fr-FR"/>
               <a:t>29.2.1 Introduction</a:t>
             </a:r>
           </a:p>
           <a:p>
             <a:r>
-              <a:rPr lang="fr-FR" dirty="0"/>
+              <a:rPr lang="fr-FR"/>
               <a:t>29.2.2 Structure</a:t>
             </a:r>
           </a:p>
           <a:p>
             <a:r>
-              <a:rPr lang="fr-FR" dirty="0"/>
+              <a:rPr lang="fr-FR"/>
               <a:t>29.2.3 Exemple en C#</a:t>
             </a:r>
           </a:p>
@@ -37647,15 +37675,15 @@
           <a:lstStyle/>
           <a:p>
             <a:r>
-              <a:rPr lang="fr-FR" dirty="0"/>
+              <a:rPr lang="fr-FR"/>
               <a:t>29.3. </a:t>
             </a:r>
             <a:r>
-              <a:rPr lang="fr-FR" dirty="0" err="1"/>
+              <a:rPr lang="fr-FR" err="1"/>
               <a:t>Reflective</a:t>
             </a:r>
             <a:r>
-              <a:rPr lang="fr-FR" dirty="0"/>
+              <a:rPr lang="fr-FR"/>
               <a:t> Visitor</a:t>
             </a:r>
           </a:p>
@@ -37683,19 +37711,19 @@
           <a:lstStyle/>
           <a:p>
             <a:r>
-              <a:rPr lang="fr-FR" dirty="0"/>
+              <a:rPr lang="fr-FR"/>
               <a:t>29.3.1 Discussion</a:t>
             </a:r>
           </a:p>
           <a:p>
             <a:r>
-              <a:rPr lang="fr-FR" dirty="0"/>
+              <a:rPr lang="fr-FR"/>
               <a:t>29.3.2 Structure</a:t>
             </a:r>
           </a:p>
           <a:p>
             <a:r>
-              <a:rPr lang="fr-FR" dirty="0"/>
+              <a:rPr lang="fr-FR"/>
               <a:t>29.3.3 Exemple en C#</a:t>
             </a:r>
           </a:p>
@@ -37841,7 +37869,7 @@
           <a:lstStyle/>
           <a:p>
             <a:r>
-              <a:rPr lang="fr-FR" dirty="0"/>
+              <a:rPr lang="fr-FR"/>
               <a:t>29.4. Le pattern Multicast</a:t>
             </a:r>
           </a:p>
@@ -37869,25 +37897,25 @@
           <a:lstStyle/>
           <a:p>
             <a:r>
-              <a:rPr lang="fr-FR" dirty="0"/>
+              <a:rPr lang="fr-FR"/>
               <a:t>29.4.1 Description et exemple</a:t>
             </a:r>
           </a:p>
           <a:p>
             <a:r>
-              <a:rPr lang="fr-FR" dirty="0"/>
+              <a:rPr lang="fr-FR"/>
               <a:t>29.4.2 Structure</a:t>
             </a:r>
           </a:p>
           <a:p>
             <a:r>
-              <a:rPr lang="fr-FR" dirty="0"/>
+              <a:rPr lang="fr-FR"/>
               <a:t>29.4.3 Exemple en C#</a:t>
             </a:r>
           </a:p>
           <a:p>
             <a:r>
-              <a:rPr lang="fr-FR" dirty="0"/>
+              <a:rPr lang="fr-FR"/>
               <a:t>29.4.4 Discussion : comparaison avec le pattern Observer</a:t>
             </a:r>
           </a:p>
@@ -38035,14 +38063,14 @@
           <a:lstStyle/>
           <a:p>
             <a:r>
-              <a:rPr lang="fr-FR" dirty="0"/>
+              <a:rPr lang="fr-FR"/>
               <a:t>Chapitre 30</a:t>
             </a:r>
             <a:br>
-              <a:rPr lang="fr-FR" dirty="0"/>
+              <a:rPr lang="fr-FR"/>
             </a:br>
             <a:r>
-              <a:rPr lang="fr-FR" dirty="0"/>
+              <a:rPr lang="fr-FR"/>
               <a:t>Le pattern composite MVC</a:t>
             </a:r>
           </a:p>
@@ -38070,38 +38098,38 @@
           <a:lstStyle/>
           <a:p>
             <a:r>
-              <a:rPr lang="fr-FR" dirty="0"/>
+              <a:rPr lang="fr-FR"/>
               <a:t>30.1. Introduction au problème</a:t>
             </a:r>
           </a:p>
           <a:p>
             <a:r>
-              <a:rPr lang="fr-FR" dirty="0"/>
+              <a:rPr lang="fr-FR"/>
               <a:t>30.2. Le pattern composite MVC</a:t>
             </a:r>
           </a:p>
           <a:p>
             <a:r>
-              <a:rPr lang="fr-FR" dirty="0"/>
+              <a:rPr lang="fr-FR"/>
               <a:t>30.3. Le </a:t>
             </a:r>
             <a:r>
-              <a:rPr lang="fr-FR" dirty="0" err="1"/>
+              <a:rPr lang="fr-FR" err="1"/>
               <a:t>framework</a:t>
             </a:r>
             <a:r>
-              <a:rPr lang="fr-FR" dirty="0"/>
+              <a:rPr lang="fr-FR"/>
               <a:t> </a:t>
             </a:r>
             <a:r>
-              <a:rPr lang="fr-FR" dirty="0" err="1"/>
+              <a:rPr lang="fr-FR" err="1"/>
               <a:t>Blazor</a:t>
             </a:r>
-            <a:endParaRPr lang="fr-FR" dirty="0"/>
+            <a:endParaRPr lang="fr-FR"/>
           </a:p>
           <a:p>
             <a:r>
-              <a:rPr lang="fr-FR" dirty="0"/>
+              <a:rPr lang="fr-FR"/>
               <a:t>30.4. Exemple en C#</a:t>
             </a:r>
           </a:p>
@@ -38247,7 +38275,7 @@
           <a:lstStyle/>
           <a:p>
             <a:r>
-              <a:rPr lang="fr-FR" dirty="0"/>
+              <a:rPr lang="fr-FR"/>
               <a:t>30.1. Introduction au problème</a:t>
             </a:r>
           </a:p>
@@ -38418,7 +38446,7 @@
           <a:lstStyle/>
           <a:p>
             <a:r>
-              <a:rPr lang="fr-FR" dirty="0"/>
+              <a:rPr lang="fr-FR"/>
               <a:t>30.2. Le pattern composite MVC</a:t>
             </a:r>
           </a:p>
@@ -38597,14 +38625,14 @@
           <a:lstStyle/>
           <a:p>
             <a:r>
-              <a:rPr lang="en-US" dirty="0"/>
+              <a:rPr lang="en-US"/>
               <a:t>3.2. </a:t>
             </a:r>
             <a:r>
-              <a:rPr lang="fr-FR" dirty="0"/>
+              <a:rPr lang="fr-FR"/>
               <a:t>Les problèmes liés à la création d’objets</a:t>
             </a:r>
-            <a:endParaRPr lang="en-US" dirty="0"/>
+            <a:endParaRPr lang="en-US"/>
           </a:p>
         </p:txBody>
       </p:sp>
@@ -38632,20 +38660,20 @@
           <a:lstStyle/>
           <a:p>
             <a:r>
-              <a:rPr lang="en-US" dirty="0"/>
+              <a:rPr lang="en-US"/>
               <a:t>3.</a:t>
             </a:r>
             <a:r>
-              <a:rPr lang="fr-FR" dirty="0"/>
+              <a:rPr lang="fr-FR"/>
               <a:t>2.1 Problématique</a:t>
             </a:r>
           </a:p>
           <a:p>
             <a:r>
-              <a:rPr lang="fr-FR" dirty="0"/>
+              <a:rPr lang="fr-FR"/>
               <a:t>3.2.2 Les solutions proposées par les patterns de construction</a:t>
             </a:r>
-            <a:endParaRPr lang="en-US" dirty="0"/>
+            <a:endParaRPr lang="en-US"/>
           </a:p>
         </p:txBody>
       </p:sp>
@@ -38676,7 +38704,7 @@
               <a:rPr lang="fr-FR" smtClean="0"/>
               <a:t>17</a:t>
             </a:fld>
-            <a:endParaRPr lang="fr-FR" dirty="0"/>
+            <a:endParaRPr lang="fr-FR"/>
           </a:p>
         </p:txBody>
       </p:sp>
@@ -38775,22 +38803,22 @@
           <a:lstStyle/>
           <a:p>
             <a:r>
-              <a:rPr lang="fr-FR" dirty="0"/>
+              <a:rPr lang="fr-FR"/>
               <a:t>30.3. Le </a:t>
             </a:r>
             <a:r>
-              <a:rPr lang="fr-FR" dirty="0" err="1"/>
+              <a:rPr lang="fr-FR" err="1"/>
               <a:t>framework</a:t>
             </a:r>
             <a:r>
-              <a:rPr lang="fr-FR" dirty="0"/>
+              <a:rPr lang="fr-FR"/>
               <a:t> </a:t>
             </a:r>
             <a:r>
-              <a:rPr lang="fr-FR" dirty="0" err="1"/>
+              <a:rPr lang="fr-FR" err="1"/>
               <a:t>Blazor</a:t>
             </a:r>
-            <a:endParaRPr lang="fr-FR" dirty="0"/>
+            <a:endParaRPr lang="fr-FR"/>
           </a:p>
         </p:txBody>
       </p:sp>
@@ -38954,7 +38982,7 @@
           <a:lstStyle/>
           <a:p>
             <a:r>
-              <a:rPr lang="fr-FR" dirty="0"/>
+              <a:rPr lang="fr-FR"/>
               <a:t>30.4. Exemple en C#</a:t>
             </a:r>
           </a:p>
@@ -38982,19 +39010,19 @@
           <a:lstStyle/>
           <a:p>
             <a:r>
-              <a:rPr lang="fr-FR" dirty="0"/>
+              <a:rPr lang="fr-FR"/>
               <a:t>30.4.1 Introduction</a:t>
             </a:r>
           </a:p>
           <a:p>
             <a:r>
-              <a:rPr lang="fr-FR" dirty="0"/>
+              <a:rPr lang="fr-FR"/>
               <a:t>30.4.2 Architecture</a:t>
             </a:r>
           </a:p>
           <a:p>
             <a:r>
-              <a:rPr lang="fr-FR" dirty="0"/>
+              <a:rPr lang="fr-FR"/>
               <a:t>30.4.3 Étude du code</a:t>
             </a:r>
           </a:p>
@@ -39135,14 +39163,14 @@
           <a:lstStyle/>
           <a:p>
             <a:r>
-              <a:rPr lang="fr-FR" dirty="0"/>
+              <a:rPr lang="fr-FR"/>
               <a:t>Chapitre 31</a:t>
             </a:r>
             <a:br>
-              <a:rPr lang="fr-FR" dirty="0"/>
+              <a:rPr lang="fr-FR"/>
             </a:br>
             <a:r>
-              <a:rPr lang="fr-FR" dirty="0"/>
+              <a:rPr lang="fr-FR"/>
               <a:t>Exercices</a:t>
             </a:r>
           </a:p>
@@ -39170,18 +39198,18 @@
           <a:lstStyle/>
           <a:p>
             <a:r>
-              <a:rPr lang="fr-FR" dirty="0"/>
+              <a:rPr lang="fr-FR"/>
               <a:t>31.1. Énoncés des exercices</a:t>
             </a:r>
           </a:p>
           <a:p>
             <a:r>
-              <a:rPr lang="fr-FR" dirty="0"/>
+              <a:rPr lang="fr-FR"/>
               <a:t>31.2. Correction des exercices</a:t>
             </a:r>
           </a:p>
           <a:p>
-            <a:endParaRPr lang="fr-FR" dirty="0"/>
+            <a:endParaRPr lang="fr-FR"/>
           </a:p>
         </p:txBody>
       </p:sp>
@@ -39325,7 +39353,7 @@
           <a:lstStyle/>
           <a:p>
             <a:r>
-              <a:rPr lang="fr-FR" dirty="0"/>
+              <a:rPr lang="fr-FR"/>
               <a:t>31.1. Énoncés des exercices</a:t>
             </a:r>
           </a:p>
@@ -39353,37 +39381,37 @@
           <a:lstStyle/>
           <a:p>
             <a:r>
-              <a:rPr lang="fr-FR" dirty="0"/>
+              <a:rPr lang="fr-FR"/>
               <a:t>31.1.1 Création de cartes de paiement</a:t>
             </a:r>
           </a:p>
           <a:p>
             <a:r>
-              <a:rPr lang="fr-FR" dirty="0"/>
+              <a:rPr lang="fr-FR"/>
               <a:t>31.1.2 Autorisation des cartes de paiement</a:t>
             </a:r>
           </a:p>
           <a:p>
             <a:r>
-              <a:rPr lang="fr-FR" dirty="0"/>
+              <a:rPr lang="fr-FR"/>
               <a:t>31.1.3 Système de fichiers</a:t>
             </a:r>
           </a:p>
           <a:p>
             <a:r>
-              <a:rPr lang="fr-FR" dirty="0"/>
+              <a:rPr lang="fr-FR"/>
               <a:t>31.1.4 Browser graphique d’objets</a:t>
             </a:r>
           </a:p>
           <a:p>
             <a:r>
-              <a:rPr lang="fr-FR" dirty="0"/>
+              <a:rPr lang="fr-FR"/>
               <a:t>31.1.5 États de la vie professionnelle d’une personne</a:t>
             </a:r>
           </a:p>
           <a:p>
             <a:r>
-              <a:rPr lang="fr-FR" dirty="0"/>
+              <a:rPr lang="fr-FR"/>
               <a:t>31.1.6 Cache d’un dictionnaire persistant d’objets</a:t>
             </a:r>
           </a:p>
@@ -39529,7 +39557,7 @@
           <a:lstStyle/>
           <a:p>
             <a:r>
-              <a:rPr lang="fr-FR" dirty="0"/>
+              <a:rPr lang="fr-FR"/>
               <a:t>31.2. Correction des exercices</a:t>
             </a:r>
           </a:p>
@@ -39557,37 +39585,37 @@
           <a:lstStyle/>
           <a:p>
             <a:r>
-              <a:rPr lang="fr-FR" dirty="0"/>
+              <a:rPr lang="fr-FR"/>
               <a:t>31.2.1 Création de cartes de paiement</a:t>
             </a:r>
           </a:p>
           <a:p>
             <a:r>
-              <a:rPr lang="fr-FR" dirty="0"/>
+              <a:rPr lang="fr-FR"/>
               <a:t>31.2.2 Autorisation des cartes de paiement</a:t>
             </a:r>
           </a:p>
           <a:p>
             <a:r>
-              <a:rPr lang="fr-FR" dirty="0"/>
+              <a:rPr lang="fr-FR"/>
               <a:t>31.2.3 Système de fichiers</a:t>
             </a:r>
           </a:p>
           <a:p>
             <a:r>
-              <a:rPr lang="fr-FR" dirty="0"/>
+              <a:rPr lang="fr-FR"/>
               <a:t>31.2.4 Browser graphique d’objets</a:t>
             </a:r>
           </a:p>
           <a:p>
             <a:r>
-              <a:rPr lang="fr-FR" dirty="0"/>
+              <a:rPr lang="fr-FR"/>
               <a:t>31.2.5 États de la vie professionnelle d’une personne</a:t>
             </a:r>
           </a:p>
           <a:p>
             <a:r>
-              <a:rPr lang="fr-FR" dirty="0"/>
+              <a:rPr lang="fr-FR"/>
               <a:t>31.2.6 Cache d’un dictionnaire persistant d’objets</a:t>
             </a:r>
           </a:p>
@@ -39735,21 +39763,21 @@
           <a:lstStyle/>
           <a:p>
             <a:r>
-              <a:rPr lang="en-US" dirty="0" err="1"/>
+              <a:rPr lang="en-US" err="1"/>
               <a:t>Chapitre</a:t>
             </a:r>
             <a:r>
-              <a:rPr lang="en-US" dirty="0"/>
+              <a:rPr lang="en-US"/>
               <a:t> 4</a:t>
             </a:r>
             <a:br>
-              <a:rPr lang="en-US" dirty="0"/>
+              <a:rPr lang="en-US"/>
             </a:br>
             <a:r>
-              <a:rPr lang="en-US" dirty="0"/>
+              <a:rPr lang="en-US"/>
               <a:t>Le pattern Abstract Factory</a:t>
             </a:r>
-            <a:endParaRPr lang="en-US" sz="2200" dirty="0"/>
+            <a:endParaRPr lang="en-US" sz="2200"/>
           </a:p>
         </p:txBody>
       </p:sp>
@@ -39787,7 +39815,7 @@
               </a:buClr>
             </a:pPr>
             <a:r>
-              <a:rPr lang="fr-FR" dirty="0"/>
+              <a:rPr lang="fr-FR"/>
               <a:t>4.1. Description</a:t>
             </a:r>
           </a:p>
@@ -39798,7 +39826,7 @@
               </a:buClr>
             </a:pPr>
             <a:r>
-              <a:rPr lang="fr-FR" dirty="0"/>
+              <a:rPr lang="fr-FR"/>
               <a:t>4.2. Exemple</a:t>
             </a:r>
           </a:p>
@@ -39809,7 +39837,7 @@
               </a:buClr>
             </a:pPr>
             <a:r>
-              <a:rPr lang="fr-FR" dirty="0"/>
+              <a:rPr lang="fr-FR"/>
               <a:t>4.3. Structure</a:t>
             </a:r>
           </a:p>
@@ -39820,7 +39848,7 @@
               </a:buClr>
             </a:pPr>
             <a:r>
-              <a:rPr lang="fr-FR" dirty="0"/>
+              <a:rPr lang="fr-FR"/>
               <a:t>4.4. Domaines d’utilisation</a:t>
             </a:r>
           </a:p>
@@ -39831,7 +39859,7 @@
               </a:buClr>
             </a:pPr>
             <a:r>
-              <a:rPr lang="fr-FR" dirty="0"/>
+              <a:rPr lang="fr-FR"/>
               <a:t>4.5. Exemple en C#</a:t>
             </a:r>
           </a:p>
@@ -39864,7 +39892,7 @@
               <a:rPr lang="fr-FR" smtClean="0"/>
               <a:t>18</a:t>
             </a:fld>
-            <a:endParaRPr lang="fr-FR" dirty="0"/>
+            <a:endParaRPr lang="fr-FR"/>
           </a:p>
         </p:txBody>
       </p:sp>
@@ -39965,7 +39993,7 @@
           <a:lstStyle/>
           <a:p>
             <a:r>
-              <a:rPr lang="en-US" dirty="0"/>
+              <a:rPr lang="en-US"/>
               <a:t>4.1. Description</a:t>
             </a:r>
           </a:p>
@@ -39999,7 +40027,7 @@
           </a:bodyPr>
           <a:lstStyle/>
           <a:p>
-            <a:endParaRPr lang="en-US" dirty="0"/>
+            <a:endParaRPr lang="en-US"/>
           </a:p>
         </p:txBody>
       </p:sp>
@@ -40231,7 +40259,7 @@
           <a:lstStyle/>
           <a:p>
             <a:r>
-              <a:rPr lang="fr-FR" sz="3200" dirty="0">
+              <a:rPr lang="fr-FR" sz="3200">
                 <a:solidFill>
                   <a:schemeClr val="bg1"/>
                 </a:solidFill>
@@ -40650,10 +40678,10 @@
           <a:lstStyle/>
           <a:p>
             <a:r>
-              <a:rPr lang="fr-FR" dirty="0"/>
+              <a:rPr lang="fr-FR"/>
               <a:t>4.2. Exemple</a:t>
             </a:r>
-            <a:endParaRPr lang="en-US" dirty="0"/>
+            <a:endParaRPr lang="en-US"/>
           </a:p>
         </p:txBody>
       </p:sp>
@@ -40680,7 +40708,7 @@
           </a:bodyPr>
           <a:lstStyle/>
           <a:p>
-            <a:endParaRPr lang="en-US" dirty="0"/>
+            <a:endParaRPr lang="en-US"/>
           </a:p>
         </p:txBody>
       </p:sp>
@@ -40826,10 +40854,10 @@
           <a:lstStyle/>
           <a:p>
             <a:r>
-              <a:rPr lang="fr-FR" dirty="0"/>
+              <a:rPr lang="fr-FR"/>
               <a:t>4.3. Structure</a:t>
             </a:r>
-            <a:endParaRPr lang="fr-FR" sz="3100" dirty="0"/>
+            <a:endParaRPr lang="fr-FR" sz="3100"/>
           </a:p>
         </p:txBody>
       </p:sp>
@@ -40857,26 +40885,26 @@
           <a:lstStyle/>
           <a:p>
             <a:r>
-              <a:rPr lang="en-US" dirty="0"/>
+              <a:rPr lang="en-US"/>
               <a:t>4.</a:t>
             </a:r>
             <a:r>
-              <a:rPr lang="fr-FR" dirty="0"/>
+              <a:rPr lang="fr-FR"/>
               <a:t>3.1 Diagramme de classes</a:t>
             </a:r>
           </a:p>
           <a:p>
             <a:r>
-              <a:rPr lang="fr-FR" dirty="0"/>
+              <a:rPr lang="fr-FR"/>
               <a:t>4.3.2 Participants</a:t>
             </a:r>
           </a:p>
           <a:p>
             <a:r>
-              <a:rPr lang="fr-FR" dirty="0"/>
+              <a:rPr lang="fr-FR"/>
               <a:t>4.3.3 Collaborations</a:t>
             </a:r>
-            <a:endParaRPr lang="en-US" dirty="0"/>
+            <a:endParaRPr lang="en-US"/>
           </a:p>
         </p:txBody>
       </p:sp>
@@ -41028,13 +41056,13 @@
           <a:lstStyle/>
           <a:p>
             <a:r>
-              <a:rPr lang="fr-FR" sz="4000" dirty="0"/>
+              <a:rPr lang="fr-FR" sz="4000"/>
               <a:t>4.4.Domaines d’utilisation</a:t>
             </a:r>
             <a:br>
-              <a:rPr lang="fr-FR" dirty="0"/>
+              <a:rPr lang="fr-FR"/>
             </a:br>
-            <a:endParaRPr lang="en-US" dirty="0"/>
+            <a:endParaRPr lang="en-US"/>
           </a:p>
         </p:txBody>
       </p:sp>
@@ -41061,7 +41089,7 @@
           </a:bodyPr>
           <a:lstStyle/>
           <a:p>
-            <a:endParaRPr lang="en-US" dirty="0"/>
+            <a:endParaRPr lang="en-US"/>
           </a:p>
         </p:txBody>
       </p:sp>
@@ -41218,7 +41246,7 @@
               </a:buClr>
             </a:pPr>
             <a:r>
-              <a:rPr lang="fr-FR" dirty="0"/>
+              <a:rPr lang="fr-FR"/>
               <a:t>4.5. Exemple en C#</a:t>
             </a:r>
           </a:p>
@@ -41247,7 +41275,7 @@
           </a:bodyPr>
           <a:lstStyle/>
           <a:p>
-            <a:endParaRPr lang="en-US" dirty="0"/>
+            <a:endParaRPr lang="en-US"/>
           </a:p>
         </p:txBody>
       </p:sp>
@@ -41393,7 +41421,7 @@
           <a:lstStyle/>
           <a:p>
             <a:r>
-              <a:rPr lang="fr-FR" sz="3600" dirty="0">
+              <a:rPr lang="fr-FR" sz="3600">
                 <a:solidFill>
                   <a:schemeClr val="tx2"/>
                 </a:solidFill>
@@ -41401,21 +41429,21 @@
               <a:t>Chapitre 5</a:t>
             </a:r>
             <a:br>
-              <a:rPr lang="fr-FR" sz="3600" dirty="0">
+              <a:rPr lang="fr-FR" sz="3600">
                 <a:solidFill>
                   <a:schemeClr val="tx2"/>
                 </a:solidFill>
               </a:rPr>
             </a:br>
             <a:r>
-              <a:rPr lang="fr-FR" sz="3600" dirty="0">
+              <a:rPr lang="fr-FR" sz="3600">
                 <a:solidFill>
                   <a:schemeClr val="tx2"/>
                 </a:solidFill>
               </a:rPr>
               <a:t>Le pattern Builder</a:t>
             </a:r>
-            <a:endParaRPr lang="en-US" dirty="0">
+            <a:endParaRPr lang="en-US">
               <a:solidFill>
                 <a:schemeClr val="tx2"/>
               </a:solidFill>
@@ -41447,29 +41475,29 @@
           <a:lstStyle/>
           <a:p>
             <a:r>
-              <a:rPr lang="en-US" dirty="0"/>
+              <a:rPr lang="en-US"/>
               <a:t>5.</a:t>
             </a:r>
             <a:r>
-              <a:rPr lang="fr-FR" dirty="0"/>
+              <a:rPr lang="fr-FR"/>
               <a:t>1. Description</a:t>
             </a:r>
           </a:p>
           <a:p>
             <a:r>
-              <a:rPr lang="fr-FR" dirty="0"/>
+              <a:rPr lang="fr-FR"/>
               <a:t>5.2. Exemple</a:t>
             </a:r>
           </a:p>
           <a:p>
             <a:r>
-              <a:rPr lang="fr-FR" dirty="0"/>
+              <a:rPr lang="fr-FR"/>
               <a:t>5.3. Structure</a:t>
             </a:r>
           </a:p>
           <a:p>
             <a:r>
-              <a:rPr lang="fr-FR" dirty="0">
+              <a:rPr lang="fr-FR">
                 <a:solidFill>
                   <a:srgbClr val="404040"/>
                 </a:solidFill>
@@ -41479,14 +41507,14 @@
           </a:p>
           <a:p>
             <a:r>
-              <a:rPr lang="fr-FR" dirty="0">
+              <a:rPr lang="fr-FR">
                 <a:solidFill>
                   <a:srgbClr val="404040"/>
                 </a:solidFill>
               </a:rPr>
               <a:t>5. Exemple en C#</a:t>
             </a:r>
-            <a:endParaRPr lang="en-US" dirty="0">
+            <a:endParaRPr lang="en-US">
               <a:solidFill>
                 <a:srgbClr val="404040"/>
               </a:solidFill>
@@ -41642,7 +41670,7 @@
           <a:lstStyle/>
           <a:p>
             <a:r>
-              <a:rPr lang="en-US" dirty="0"/>
+              <a:rPr lang="en-US"/>
               <a:t>5.1. Description</a:t>
             </a:r>
           </a:p>
@@ -41671,7 +41699,7 @@
           </a:bodyPr>
           <a:lstStyle/>
           <a:p>
-            <a:endParaRPr lang="en-US" dirty="0"/>
+            <a:endParaRPr lang="en-US"/>
           </a:p>
         </p:txBody>
       </p:sp>
@@ -41702,7 +41730,7 @@
               <a:rPr lang="fr-FR" smtClean="0"/>
               <a:t>25</a:t>
             </a:fld>
-            <a:endParaRPr lang="fr-FR" dirty="0"/>
+            <a:endParaRPr lang="fr-FR"/>
           </a:p>
         </p:txBody>
       </p:sp>
@@ -41809,14 +41837,14 @@
           <a:lstStyle/>
           <a:p>
             <a:r>
-              <a:rPr lang="en-US" dirty="0"/>
+              <a:rPr lang="en-US"/>
               <a:t>5.2. </a:t>
             </a:r>
             <a:r>
-              <a:rPr lang="en-US" dirty="0" err="1"/>
+              <a:rPr lang="en-US" err="1"/>
               <a:t>Exemple</a:t>
             </a:r>
-            <a:endParaRPr lang="en-US" dirty="0"/>
+            <a:endParaRPr lang="en-US"/>
           </a:p>
         </p:txBody>
       </p:sp>
@@ -41843,7 +41871,7 @@
           </a:bodyPr>
           <a:lstStyle/>
           <a:p>
-            <a:endParaRPr lang="en-US" dirty="0"/>
+            <a:endParaRPr lang="en-US"/>
           </a:p>
         </p:txBody>
       </p:sp>
@@ -41874,7 +41902,7 @@
               <a:rPr lang="fr-FR" smtClean="0"/>
               <a:t>26</a:t>
             </a:fld>
-            <a:endParaRPr lang="fr-FR" dirty="0"/>
+            <a:endParaRPr lang="fr-FR"/>
           </a:p>
         </p:txBody>
       </p:sp>
@@ -41975,7 +42003,7 @@
           <a:lstStyle/>
           <a:p>
             <a:r>
-              <a:rPr lang="fr-FR" dirty="0"/>
+              <a:rPr lang="fr-FR"/>
               <a:t>5.3. Structure</a:t>
             </a:r>
           </a:p>
@@ -42005,19 +42033,19 @@
           <a:lstStyle/>
           <a:p>
             <a:r>
-              <a:rPr lang="fr-FR" dirty="0"/>
+              <a:rPr lang="fr-FR"/>
               <a:t>5.3.1 Diagramme de classes</a:t>
             </a:r>
           </a:p>
           <a:p>
             <a:r>
-              <a:rPr lang="fr-FR" dirty="0"/>
+              <a:rPr lang="fr-FR"/>
               <a:t>5.3.2 Participants</a:t>
             </a:r>
           </a:p>
           <a:p>
             <a:r>
-              <a:rPr lang="fr-FR" dirty="0"/>
+              <a:rPr lang="fr-FR"/>
               <a:t>5.3.3 Collaborations</a:t>
             </a:r>
           </a:p>
@@ -42165,7 +42193,7 @@
           <a:lstStyle/>
           <a:p>
             <a:r>
-              <a:rPr lang="fr-FR" dirty="0"/>
+              <a:rPr lang="fr-FR"/>
               <a:t>5.4. Domaines d’utilisation</a:t>
             </a:r>
           </a:p>
@@ -42194,7 +42222,7 @@
           </a:bodyPr>
           <a:lstStyle/>
           <a:p>
-            <a:endParaRPr lang="fr-FR" dirty="0" err="1">
+            <a:endParaRPr lang="fr-FR" err="1">
               <a:solidFill>
                 <a:srgbClr val="404040"/>
               </a:solidFill>
@@ -42344,7 +42372,7 @@
           <a:lstStyle/>
           <a:p>
             <a:r>
-              <a:rPr lang="fr-FR" dirty="0"/>
+              <a:rPr lang="fr-FR"/>
               <a:t>5.5. Exemple en C#</a:t>
             </a:r>
           </a:p>
@@ -42373,7 +42401,7 @@
           </a:bodyPr>
           <a:lstStyle/>
           <a:p>
-            <a:endParaRPr lang="fr-FR" dirty="0"/>
+            <a:endParaRPr lang="fr-FR"/>
           </a:p>
         </p:txBody>
       </p:sp>
@@ -42605,7 +42633,7 @@
           <a:lstStyle/>
           <a:p>
             <a:r>
-              <a:rPr lang="fr-FR" sz="3200" dirty="0">
+              <a:rPr lang="fr-FR" sz="3200">
                 <a:solidFill>
                   <a:schemeClr val="bg1"/>
                 </a:solidFill>
@@ -43024,18 +43052,18 @@
           <a:lstStyle/>
           <a:p>
             <a:r>
-              <a:rPr lang="en-US" dirty="0" err="1"/>
+              <a:rPr lang="en-US" err="1"/>
               <a:t>Chapitre</a:t>
             </a:r>
             <a:r>
-              <a:rPr lang="en-US" dirty="0"/>
+              <a:rPr lang="en-US"/>
               <a:t> 6</a:t>
             </a:r>
             <a:br>
-              <a:rPr lang="en-US" dirty="0"/>
+              <a:rPr lang="en-US"/>
             </a:br>
             <a:r>
-              <a:rPr lang="en-US" dirty="0"/>
+              <a:rPr lang="en-US"/>
               <a:t>Le pattern Factory Method</a:t>
             </a:r>
           </a:p>
@@ -43065,34 +43093,34 @@
           <a:lstStyle/>
           <a:p>
             <a:r>
-              <a:rPr lang="fr-FR" dirty="0"/>
+              <a:rPr lang="fr-FR"/>
               <a:t>6.1. Description</a:t>
             </a:r>
           </a:p>
           <a:p>
             <a:r>
-              <a:rPr lang="fr-FR" dirty="0"/>
+              <a:rPr lang="fr-FR"/>
               <a:t>6.2. Exemple</a:t>
             </a:r>
           </a:p>
           <a:p>
             <a:r>
-              <a:rPr lang="fr-FR" dirty="0"/>
+              <a:rPr lang="fr-FR"/>
               <a:t>6.3. Structure</a:t>
             </a:r>
           </a:p>
           <a:p>
             <a:r>
-              <a:rPr lang="fr-FR" dirty="0"/>
+              <a:rPr lang="fr-FR"/>
               <a:t>6.4. Domaines d’utilisation</a:t>
             </a:r>
           </a:p>
           <a:p>
             <a:r>
-              <a:rPr lang="fr-FR" dirty="0"/>
+              <a:rPr lang="fr-FR"/>
               <a:t>6.5. Exemple en C#</a:t>
             </a:r>
-            <a:endParaRPr lang="en-US" dirty="0"/>
+            <a:endParaRPr lang="en-US"/>
           </a:p>
         </p:txBody>
       </p:sp>
@@ -43244,7 +43272,7 @@
           <a:lstStyle/>
           <a:p>
             <a:r>
-              <a:rPr lang="fr-FR" dirty="0"/>
+              <a:rPr lang="fr-FR"/>
               <a:t>6.1. Description</a:t>
             </a:r>
           </a:p>
@@ -43273,7 +43301,7 @@
           </a:bodyPr>
           <a:lstStyle/>
           <a:p>
-            <a:endParaRPr lang="fr-FR" dirty="0"/>
+            <a:endParaRPr lang="fr-FR"/>
           </a:p>
         </p:txBody>
       </p:sp>
@@ -43425,14 +43453,14 @@
           <a:lstStyle/>
           <a:p>
             <a:r>
-              <a:rPr lang="en-US" dirty="0"/>
+              <a:rPr lang="en-US"/>
               <a:t>6.2. </a:t>
             </a:r>
             <a:r>
-              <a:rPr lang="en-US" dirty="0" err="1"/>
+              <a:rPr lang="en-US" err="1"/>
               <a:t>Exemple</a:t>
             </a:r>
-            <a:endParaRPr lang="fr-FR" dirty="0"/>
+            <a:endParaRPr lang="fr-FR"/>
           </a:p>
         </p:txBody>
       </p:sp>
@@ -43459,7 +43487,7 @@
           </a:bodyPr>
           <a:lstStyle/>
           <a:p>
-            <a:endParaRPr lang="fr-FR" dirty="0">
+            <a:endParaRPr lang="fr-FR">
               <a:solidFill>
                 <a:srgbClr val="404040"/>
               </a:solidFill>
@@ -43615,14 +43643,14 @@
           <a:lstStyle/>
           <a:p>
             <a:r>
-              <a:rPr lang="en-US" dirty="0"/>
+              <a:rPr lang="en-US"/>
               <a:t>6.3.</a:t>
             </a:r>
             <a:r>
-              <a:rPr lang="fr-FR" dirty="0"/>
+              <a:rPr lang="fr-FR"/>
               <a:t> Structure</a:t>
             </a:r>
-            <a:endParaRPr lang="en-US" dirty="0"/>
+            <a:endParaRPr lang="en-US"/>
           </a:p>
         </p:txBody>
       </p:sp>
@@ -43650,19 +43678,19 @@
           <a:lstStyle/>
           <a:p>
             <a:r>
-              <a:rPr lang="fr-FR" dirty="0"/>
+              <a:rPr lang="fr-FR"/>
               <a:t>6.3.1 Diagramme de classes</a:t>
             </a:r>
           </a:p>
           <a:p>
             <a:r>
-              <a:rPr lang="fr-FR" dirty="0"/>
+              <a:rPr lang="fr-FR"/>
               <a:t>6.3.2 Participants</a:t>
             </a:r>
           </a:p>
           <a:p>
             <a:r>
-              <a:rPr lang="fr-FR" dirty="0"/>
+              <a:rPr lang="fr-FR"/>
               <a:t>6.3.3 Collaborations</a:t>
             </a:r>
           </a:p>
@@ -43816,22 +43844,22 @@
           <a:lstStyle/>
           <a:p>
             <a:r>
-              <a:rPr lang="en-US" dirty="0"/>
+              <a:rPr lang="en-US"/>
               <a:t>6.4. </a:t>
             </a:r>
             <a:r>
-              <a:rPr lang="en-US" dirty="0" err="1"/>
+              <a:rPr lang="en-US" err="1"/>
               <a:t>Domaines</a:t>
             </a:r>
             <a:r>
-              <a:rPr lang="en-US" dirty="0"/>
+              <a:rPr lang="en-US"/>
               <a:t> </a:t>
             </a:r>
             <a:r>
-              <a:rPr lang="en-US" dirty="0" err="1"/>
+              <a:rPr lang="en-US" err="1"/>
               <a:t>d’utilisation</a:t>
             </a:r>
-            <a:endParaRPr lang="en-US" dirty="0"/>
+            <a:endParaRPr lang="en-US"/>
           </a:p>
         </p:txBody>
       </p:sp>
@@ -43858,7 +43886,7 @@
           </a:bodyPr>
           <a:lstStyle/>
           <a:p>
-            <a:endParaRPr lang="fr-FR" dirty="0">
+            <a:endParaRPr lang="fr-FR">
               <a:solidFill>
                 <a:srgbClr val="404040"/>
               </a:solidFill>
@@ -44001,7 +44029,7 @@
           <a:lstStyle/>
           <a:p>
             <a:r>
-              <a:rPr lang="fr-FR" dirty="0"/>
+              <a:rPr lang="fr-FR"/>
               <a:t>6.5. Exemple en C#</a:t>
             </a:r>
           </a:p>
@@ -44174,14 +44202,14 @@
           <a:lstStyle/>
           <a:p>
             <a:r>
-              <a:rPr lang="fr-FR" dirty="0"/>
+              <a:rPr lang="fr-FR"/>
               <a:t>Chapitre 7 </a:t>
             </a:r>
             <a:br>
-              <a:rPr lang="fr-FR" dirty="0"/>
+              <a:rPr lang="fr-FR"/>
             </a:br>
             <a:r>
-              <a:rPr lang="fr-FR" dirty="0"/>
+              <a:rPr lang="fr-FR"/>
               <a:t>Le pattern Prototype</a:t>
             </a:r>
           </a:p>
@@ -44214,31 +44242,31 @@
           <a:lstStyle/>
           <a:p>
             <a:r>
-              <a:rPr lang="fr-FR" dirty="0"/>
+              <a:rPr lang="fr-FR"/>
               <a:t>7.1. Description</a:t>
             </a:r>
           </a:p>
           <a:p>
             <a:r>
-              <a:rPr lang="fr-FR" dirty="0"/>
+              <a:rPr lang="fr-FR"/>
               <a:t>7.2. Exemple</a:t>
             </a:r>
           </a:p>
           <a:p>
             <a:r>
-              <a:rPr lang="fr-FR" dirty="0"/>
+              <a:rPr lang="fr-FR"/>
               <a:t>7.3. Structure</a:t>
             </a:r>
           </a:p>
           <a:p>
             <a:r>
-              <a:rPr lang="fr-FR" dirty="0"/>
+              <a:rPr lang="fr-FR"/>
               <a:t>7.4. Domaines d’utilisation</a:t>
             </a:r>
           </a:p>
           <a:p>
             <a:r>
-              <a:rPr lang="fr-FR" dirty="0"/>
+              <a:rPr lang="fr-FR"/>
               <a:t>7.5. Exemple en C#</a:t>
             </a:r>
           </a:p>
@@ -44386,7 +44414,7 @@
           <a:lstStyle/>
           <a:p>
             <a:r>
-              <a:rPr lang="fr-FR" dirty="0"/>
+              <a:rPr lang="fr-FR"/>
               <a:t>7.1. Description</a:t>
             </a:r>
           </a:p>
@@ -44559,7 +44587,7 @@
           <a:lstStyle/>
           <a:p>
             <a:r>
-              <a:rPr lang="fr-FR" dirty="0"/>
+              <a:rPr lang="fr-FR"/>
               <a:t>7.2. Exemple</a:t>
             </a:r>
           </a:p>
@@ -44586,7 +44614,7 @@
           <a:bodyPr/>
           <a:lstStyle/>
           <a:p>
-            <a:endParaRPr lang="fr-FR" dirty="0"/>
+            <a:endParaRPr lang="fr-FR"/>
           </a:p>
         </p:txBody>
       </p:sp>
@@ -44730,7 +44758,7 @@
           <a:lstStyle/>
           <a:p>
             <a:r>
-              <a:rPr lang="fr-FR" dirty="0"/>
+              <a:rPr lang="fr-FR"/>
               <a:t>7.3. Structure</a:t>
             </a:r>
           </a:p>
@@ -44758,19 +44786,19 @@
           <a:lstStyle/>
           <a:p>
             <a:r>
-              <a:rPr lang="fr-FR" dirty="0"/>
+              <a:rPr lang="fr-FR"/>
               <a:t>7.3.1 Diagramme de classes</a:t>
             </a:r>
           </a:p>
           <a:p>
             <a:r>
-              <a:rPr lang="fr-FR" dirty="0"/>
+              <a:rPr lang="fr-FR"/>
               <a:t>7.3.2 Participants</a:t>
             </a:r>
           </a:p>
           <a:p>
             <a:r>
-              <a:rPr lang="fr-FR" dirty="0"/>
+              <a:rPr lang="fr-FR"/>
               <a:t>7.3.3 Collaboration</a:t>
             </a:r>
           </a:p>
@@ -45010,7 +45038,7 @@
           <a:lstStyle/>
           <a:p>
             <a:r>
-              <a:rPr lang="fr-FR" sz="3200" dirty="0">
+              <a:rPr lang="fr-FR" sz="3200">
                 <a:solidFill>
                   <a:schemeClr val="bg1"/>
                 </a:solidFill>
@@ -45429,7 +45457,7 @@
           <a:lstStyle/>
           <a:p>
             <a:r>
-              <a:rPr lang="fr-FR" dirty="0"/>
+              <a:rPr lang="fr-FR"/>
               <a:t>7.4. Domaines d’utilisation</a:t>
             </a:r>
           </a:p>
@@ -45600,7 +45628,7 @@
           <a:lstStyle/>
           <a:p>
             <a:r>
-              <a:rPr lang="fr-FR" dirty="0"/>
+              <a:rPr lang="fr-FR"/>
               <a:t>7.5. Exemple en C#</a:t>
             </a:r>
           </a:p>
@@ -45627,7 +45655,7 @@
           <a:bodyPr/>
           <a:lstStyle/>
           <a:p>
-            <a:endParaRPr lang="fr-FR" dirty="0"/>
+            <a:endParaRPr lang="fr-FR"/>
           </a:p>
         </p:txBody>
       </p:sp>
@@ -45773,14 +45801,14 @@
           <a:lstStyle/>
           <a:p>
             <a:r>
-              <a:rPr lang="fr-FR" dirty="0"/>
+              <a:rPr lang="fr-FR"/>
               <a:t>Chapitre 8</a:t>
             </a:r>
             <a:br>
-              <a:rPr lang="fr-FR" dirty="0"/>
+              <a:rPr lang="fr-FR"/>
             </a:br>
             <a:r>
-              <a:rPr lang="fr-FR" dirty="0"/>
+              <a:rPr lang="fr-FR"/>
               <a:t>Le pattern Singleton</a:t>
             </a:r>
           </a:p>
@@ -45815,31 +45843,31 @@
           <a:lstStyle/>
           <a:p>
             <a:r>
-              <a:rPr lang="fr-FR" dirty="0"/>
+              <a:rPr lang="fr-FR"/>
               <a:t>8.1. Description</a:t>
             </a:r>
           </a:p>
           <a:p>
             <a:r>
-              <a:rPr lang="fr-FR" dirty="0"/>
+              <a:rPr lang="fr-FR"/>
               <a:t>2. Exemple</a:t>
             </a:r>
           </a:p>
           <a:p>
             <a:r>
-              <a:rPr lang="fr-FR" dirty="0"/>
+              <a:rPr lang="fr-FR"/>
               <a:t>3. Structure</a:t>
             </a:r>
           </a:p>
           <a:p>
             <a:r>
-              <a:rPr lang="fr-FR" dirty="0"/>
+              <a:rPr lang="fr-FR"/>
               <a:t>4. Domaine d’utilisation</a:t>
             </a:r>
           </a:p>
           <a:p>
             <a:r>
-              <a:rPr lang="fr-FR" dirty="0"/>
+              <a:rPr lang="fr-FR"/>
               <a:t>5. Exemples en C#</a:t>
             </a:r>
           </a:p>
@@ -45985,7 +46013,7 @@
           <a:lstStyle/>
           <a:p>
             <a:r>
-              <a:rPr lang="fr-FR" dirty="0"/>
+              <a:rPr lang="fr-FR"/>
               <a:t>8.1. Description</a:t>
             </a:r>
           </a:p>
@@ -46012,7 +46040,7 @@
           <a:bodyPr/>
           <a:lstStyle/>
           <a:p>
-            <a:endParaRPr lang="fr-FR" dirty="0"/>
+            <a:endParaRPr lang="fr-FR"/>
           </a:p>
         </p:txBody>
       </p:sp>
@@ -46156,7 +46184,7 @@
           <a:lstStyle/>
           <a:p>
             <a:r>
-              <a:rPr lang="fr-FR" dirty="0"/>
+              <a:rPr lang="fr-FR"/>
               <a:t>8.2. Exemple</a:t>
             </a:r>
           </a:p>
@@ -46183,7 +46211,7 @@
           <a:bodyPr/>
           <a:lstStyle/>
           <a:p>
-            <a:endParaRPr lang="fr-FR" dirty="0"/>
+            <a:endParaRPr lang="fr-FR"/>
           </a:p>
         </p:txBody>
       </p:sp>
@@ -46329,7 +46357,7 @@
           <a:lstStyle/>
           <a:p>
             <a:r>
-              <a:rPr lang="fr-FR" dirty="0"/>
+              <a:rPr lang="fr-FR"/>
               <a:t>8.3. Structure</a:t>
             </a:r>
           </a:p>
@@ -46357,19 +46385,19 @@
           <a:lstStyle/>
           <a:p>
             <a:r>
-              <a:rPr lang="fr-FR" dirty="0"/>
+              <a:rPr lang="fr-FR"/>
               <a:t>8.3.1 Diagramme de classe</a:t>
             </a:r>
           </a:p>
           <a:p>
             <a:r>
-              <a:rPr lang="fr-FR" dirty="0"/>
+              <a:rPr lang="fr-FR"/>
               <a:t>8.3.2 Participant</a:t>
             </a:r>
           </a:p>
           <a:p>
             <a:r>
-              <a:rPr lang="fr-FR" dirty="0"/>
+              <a:rPr lang="fr-FR"/>
               <a:t>8.3.3 Collaboration</a:t>
             </a:r>
           </a:p>
@@ -46515,7 +46543,7 @@
           <a:lstStyle/>
           <a:p>
             <a:r>
-              <a:rPr lang="fr-FR" dirty="0"/>
+              <a:rPr lang="fr-FR"/>
               <a:t>8.4. Domaine d’utilisation</a:t>
             </a:r>
           </a:p>
@@ -46688,7 +46716,7 @@
           <a:lstStyle/>
           <a:p>
             <a:r>
-              <a:rPr lang="fr-FR" dirty="0"/>
+              <a:rPr lang="fr-FR"/>
               <a:t>8.5. Exemples en C# </a:t>
             </a:r>
           </a:p>
@@ -46716,13 +46744,13 @@
           <a:lstStyle/>
           <a:p>
             <a:r>
-              <a:rPr lang="fr-FR" dirty="0"/>
+              <a:rPr lang="fr-FR"/>
               <a:t>8.5.1 La liasse vierge</a:t>
             </a:r>
           </a:p>
           <a:p>
             <a:r>
-              <a:rPr lang="fr-FR" dirty="0"/>
+              <a:rPr lang="fr-FR"/>
               <a:t>5.2 La classe Vendeur</a:t>
             </a:r>
           </a:p>
@@ -46870,14 +46898,14 @@
           <a:lstStyle/>
           <a:p>
             <a:r>
-              <a:rPr lang="fr-FR" dirty="0"/>
+              <a:rPr lang="fr-FR"/>
               <a:t>Chapitre 9</a:t>
             </a:r>
             <a:br>
-              <a:rPr lang="fr-FR" dirty="0"/>
+              <a:rPr lang="fr-FR"/>
             </a:br>
             <a:r>
-              <a:rPr lang="fr-FR" dirty="0"/>
+              <a:rPr lang="fr-FR"/>
               <a:t>Introduction aux patterns de structuration</a:t>
             </a:r>
           </a:p>
@@ -46905,13 +46933,13 @@
           <a:lstStyle/>
           <a:p>
             <a:r>
-              <a:rPr lang="fr-FR" dirty="0"/>
+              <a:rPr lang="fr-FR"/>
               <a:t>9.1. Présentation</a:t>
             </a:r>
           </a:p>
           <a:p>
             <a:r>
-              <a:rPr lang="fr-FR" dirty="0"/>
+              <a:rPr lang="fr-FR"/>
               <a:t>9.2. Composition statique et dynamique</a:t>
             </a:r>
           </a:p>
@@ -47057,7 +47085,7 @@
           <a:lstStyle/>
           <a:p>
             <a:r>
-              <a:rPr lang="fr-FR" dirty="0"/>
+              <a:rPr lang="fr-FR"/>
               <a:t>9.1. Présentation</a:t>
             </a:r>
           </a:p>
@@ -47084,7 +47112,7 @@
           <a:bodyPr/>
           <a:lstStyle/>
           <a:p>
-            <a:endParaRPr lang="fr-FR" dirty="0"/>
+            <a:endParaRPr lang="fr-FR"/>
           </a:p>
         </p:txBody>
       </p:sp>
@@ -47230,21 +47258,21 @@
           <a:lstStyle/>
           <a:p>
             <a:r>
-              <a:rPr lang="en-US" dirty="0" err="1"/>
+              <a:rPr lang="en-US" err="1"/>
               <a:t>Chapitre</a:t>
             </a:r>
             <a:r>
-              <a:rPr lang="en-US" dirty="0"/>
+              <a:rPr lang="en-US"/>
               <a:t> 1</a:t>
             </a:r>
             <a:br>
-              <a:rPr lang="en-US" dirty="0"/>
+              <a:rPr lang="en-US"/>
             </a:br>
             <a:r>
-              <a:rPr lang="fr-FR" dirty="0"/>
+              <a:rPr lang="fr-FR"/>
               <a:t>Introduction aux patterns de conception</a:t>
             </a:r>
-            <a:endParaRPr lang="en-US" sz="2900" dirty="0"/>
+            <a:endParaRPr lang="en-US" sz="2900"/>
           </a:p>
         </p:txBody>
       </p:sp>
@@ -47272,38 +47300,38 @@
           <a:lstStyle/>
           <a:p>
             <a:r>
-              <a:rPr lang="en-US" dirty="0"/>
+              <a:rPr lang="en-US"/>
               <a:t>1.</a:t>
             </a:r>
             <a:r>
-              <a:rPr lang="fr-FR" dirty="0"/>
+              <a:rPr lang="fr-FR"/>
               <a:t> 1. Design patterns ou patterns de conception</a:t>
             </a:r>
           </a:p>
           <a:p>
             <a:r>
-              <a:rPr lang="fr-FR" dirty="0"/>
+              <a:rPr lang="fr-FR"/>
               <a:t>1.2. La description des patterns de conception</a:t>
             </a:r>
           </a:p>
           <a:p>
             <a:r>
-              <a:rPr lang="fr-FR" dirty="0"/>
+              <a:rPr lang="fr-FR"/>
               <a:t>1.3. Le catalogue des patterns de conception</a:t>
             </a:r>
           </a:p>
           <a:p>
             <a:r>
-              <a:rPr lang="fr-FR" dirty="0"/>
+              <a:rPr lang="fr-FR"/>
               <a:t>1.4. Comment choisir et utiliser un pattern de conception pour résoudre un problème</a:t>
             </a:r>
           </a:p>
           <a:p>
             <a:r>
-              <a:rPr lang="fr-FR" dirty="0"/>
+              <a:rPr lang="fr-FR"/>
               <a:t>1.5. Organisation du catalogue des patterns de conception</a:t>
             </a:r>
-            <a:endParaRPr lang="en-US" dirty="0"/>
+            <a:endParaRPr lang="en-US"/>
           </a:p>
         </p:txBody>
       </p:sp>
@@ -47447,7 +47475,7 @@
           <a:lstStyle/>
           <a:p>
             <a:r>
-              <a:rPr lang="fr-FR" dirty="0"/>
+              <a:rPr lang="fr-FR"/>
               <a:t>9.2. Composition statique et dynamique</a:t>
             </a:r>
           </a:p>
@@ -47620,14 +47648,14 @@
           <a:lstStyle/>
           <a:p>
             <a:r>
-              <a:rPr lang="fr-FR" dirty="0"/>
+              <a:rPr lang="fr-FR"/>
               <a:t>Chapitre 10</a:t>
             </a:r>
             <a:br>
-              <a:rPr lang="fr-FR" dirty="0"/>
+              <a:rPr lang="fr-FR"/>
             </a:br>
             <a:r>
-              <a:rPr lang="fr-FR" dirty="0"/>
+              <a:rPr lang="fr-FR"/>
               <a:t>Le pattern Adapter</a:t>
             </a:r>
           </a:p>
@@ -47655,25 +47683,25 @@
           <a:lstStyle/>
           <a:p>
             <a:r>
-              <a:rPr lang="fr-FR" dirty="0"/>
+              <a:rPr lang="fr-FR"/>
               <a:t>10.1. Description</a:t>
             </a:r>
           </a:p>
           <a:p>
             <a:r>
-              <a:rPr lang="fr-FR" dirty="0"/>
+              <a:rPr lang="fr-FR"/>
               <a:t>10.2. Exemple</a:t>
             </a:r>
           </a:p>
           <a:p>
             <a:r>
-              <a:rPr lang="fr-FR" dirty="0"/>
+              <a:rPr lang="fr-FR"/>
               <a:t>10.. Domaines d’application</a:t>
             </a:r>
           </a:p>
           <a:p>
             <a:r>
-              <a:rPr lang="fr-FR" dirty="0"/>
+              <a:rPr lang="fr-FR"/>
               <a:t>10.5. Exemple en C#</a:t>
             </a:r>
           </a:p>
@@ -47819,7 +47847,7 @@
           <a:lstStyle/>
           <a:p>
             <a:r>
-              <a:rPr lang="fr-FR" dirty="0"/>
+              <a:rPr lang="fr-FR"/>
               <a:t>10.1. Description</a:t>
             </a:r>
           </a:p>
@@ -47846,7 +47874,7 @@
           <a:bodyPr/>
           <a:lstStyle/>
           <a:p>
-            <a:endParaRPr lang="fr-FR" dirty="0"/>
+            <a:endParaRPr lang="fr-FR"/>
           </a:p>
         </p:txBody>
       </p:sp>
@@ -47992,7 +48020,7 @@
           <a:lstStyle/>
           <a:p>
             <a:r>
-              <a:rPr lang="fr-FR" dirty="0"/>
+              <a:rPr lang="fr-FR"/>
               <a:t>10.2. Exemple</a:t>
             </a:r>
           </a:p>
@@ -48019,7 +48047,7 @@
           <a:bodyPr/>
           <a:lstStyle/>
           <a:p>
-            <a:endParaRPr lang="fr-FR" dirty="0"/>
+            <a:endParaRPr lang="fr-FR"/>
           </a:p>
         </p:txBody>
       </p:sp>
@@ -48163,7 +48191,7 @@
           <a:lstStyle/>
           <a:p>
             <a:r>
-              <a:rPr lang="fr-FR" dirty="0"/>
+              <a:rPr lang="fr-FR"/>
               <a:t>10.3. Structure</a:t>
             </a:r>
           </a:p>
@@ -48191,19 +48219,19 @@
           <a:lstStyle/>
           <a:p>
             <a:r>
-              <a:rPr lang="fr-FR" dirty="0"/>
+              <a:rPr lang="fr-FR"/>
               <a:t>10.3.1 Diagramme de classes</a:t>
             </a:r>
           </a:p>
           <a:p>
             <a:r>
-              <a:rPr lang="fr-FR" dirty="0"/>
+              <a:rPr lang="fr-FR"/>
               <a:t>10.3.2 Participants</a:t>
             </a:r>
           </a:p>
           <a:p>
             <a:r>
-              <a:rPr lang="fr-FR" dirty="0"/>
+              <a:rPr lang="fr-FR"/>
               <a:t>10.3.3 Collaborations</a:t>
             </a:r>
           </a:p>
@@ -48351,7 +48379,7 @@
           <a:lstStyle/>
           <a:p>
             <a:r>
-              <a:rPr lang="fr-FR" dirty="0"/>
+              <a:rPr lang="fr-FR"/>
               <a:t>10.4. Domaines d’application</a:t>
             </a:r>
           </a:p>
@@ -48378,7 +48406,7 @@
           <a:bodyPr/>
           <a:lstStyle/>
           <a:p>
-            <a:endParaRPr lang="fr-FR" dirty="0"/>
+            <a:endParaRPr lang="fr-FR"/>
           </a:p>
         </p:txBody>
       </p:sp>
@@ -48522,7 +48550,7 @@
           <a:lstStyle/>
           <a:p>
             <a:r>
-              <a:rPr lang="fr-FR" dirty="0"/>
+              <a:rPr lang="fr-FR"/>
               <a:t>10.5. Exemple en C#</a:t>
             </a:r>
           </a:p>
@@ -48549,7 +48577,7 @@
           <a:bodyPr/>
           <a:lstStyle/>
           <a:p>
-            <a:endParaRPr lang="fr-FR" dirty="0"/>
+            <a:endParaRPr lang="fr-FR"/>
           </a:p>
         </p:txBody>
       </p:sp>
@@ -48695,14 +48723,14 @@
           <a:lstStyle/>
           <a:p>
             <a:r>
-              <a:rPr lang="fr-FR" dirty="0"/>
+              <a:rPr lang="fr-FR"/>
               <a:t>Chapitre 11</a:t>
             </a:r>
             <a:br>
-              <a:rPr lang="fr-FR" dirty="0"/>
+              <a:rPr lang="fr-FR"/>
             </a:br>
             <a:r>
-              <a:rPr lang="fr-FR" dirty="0"/>
+              <a:rPr lang="fr-FR"/>
               <a:t>Le pattern Bridge</a:t>
             </a:r>
           </a:p>
@@ -48730,31 +48758,31 @@
           <a:lstStyle/>
           <a:p>
             <a:r>
-              <a:rPr lang="fr-FR" dirty="0"/>
+              <a:rPr lang="fr-FR"/>
               <a:t>11.1. Description</a:t>
             </a:r>
           </a:p>
           <a:p>
             <a:r>
-              <a:rPr lang="fr-FR" dirty="0"/>
+              <a:rPr lang="fr-FR"/>
               <a:t>11.2. Exemple</a:t>
             </a:r>
           </a:p>
           <a:p>
             <a:r>
-              <a:rPr lang="fr-FR" dirty="0"/>
+              <a:rPr lang="fr-FR"/>
               <a:t>11.3. Structure</a:t>
             </a:r>
           </a:p>
           <a:p>
             <a:r>
-              <a:rPr lang="fr-FR" dirty="0"/>
+              <a:rPr lang="fr-FR"/>
               <a:t>11.4. Domaines d’application</a:t>
             </a:r>
           </a:p>
           <a:p>
             <a:r>
-              <a:rPr lang="fr-FR" dirty="0"/>
+              <a:rPr lang="fr-FR"/>
               <a:t>11.5. Exemple en C#</a:t>
             </a:r>
           </a:p>
@@ -48902,7 +48930,7 @@
           <a:lstStyle/>
           <a:p>
             <a:r>
-              <a:rPr lang="fr-FR" dirty="0"/>
+              <a:rPr lang="fr-FR"/>
               <a:t>11.1. Description</a:t>
             </a:r>
           </a:p>
@@ -48929,7 +48957,7 @@
           <a:bodyPr/>
           <a:lstStyle/>
           <a:p>
-            <a:endParaRPr lang="fr-FR" dirty="0"/>
+            <a:endParaRPr lang="fr-FR"/>
           </a:p>
         </p:txBody>
       </p:sp>
@@ -49073,7 +49101,7 @@
           <a:lstStyle/>
           <a:p>
             <a:r>
-              <a:rPr lang="fr-FR" dirty="0"/>
+              <a:rPr lang="fr-FR"/>
               <a:t>11.2. Exemple</a:t>
             </a:r>
           </a:p>
@@ -49100,7 +49128,7 @@
           <a:bodyPr/>
           <a:lstStyle/>
           <a:p>
-            <a:endParaRPr lang="fr-FR" dirty="0"/>
+            <a:endParaRPr lang="fr-FR"/>
           </a:p>
         </p:txBody>
       </p:sp>
@@ -49244,7 +49272,7 @@
           <a:lstStyle/>
           <a:p>
             <a:r>
-              <a:rPr lang="fr-FR" dirty="0"/>
+              <a:rPr lang="fr-FR"/>
               <a:t>1.1. Design patterns ou patterns de conception</a:t>
             </a:r>
           </a:p>
@@ -49268,9 +49296,14 @@
         </p:nvSpPr>
         <p:spPr/>
         <p:txBody>
-          <a:bodyPr/>
+          <a:bodyPr vert="horz" lIns="91440" tIns="45720" rIns="91440" bIns="45720" rtlCol="0" anchor="t">
+            <a:normAutofit/>
+          </a:bodyPr>
           <a:lstStyle/>
           <a:p>
+            <a:pPr marL="0" indent="0">
+              <a:buNone/>
+            </a:pPr>
             <a:endParaRPr lang="fr-FR"/>
           </a:p>
         </p:txBody>
@@ -49415,7 +49448,7 @@
           <a:lstStyle/>
           <a:p>
             <a:r>
-              <a:rPr lang="fr-FR" dirty="0"/>
+              <a:rPr lang="fr-FR"/>
               <a:t>11.3. Structure</a:t>
             </a:r>
           </a:p>
@@ -49443,19 +49476,19 @@
           <a:lstStyle/>
           <a:p>
             <a:r>
-              <a:rPr lang="fr-FR" dirty="0"/>
+              <a:rPr lang="fr-FR"/>
               <a:t>11.3.1 Diagramme de classes</a:t>
             </a:r>
           </a:p>
           <a:p>
             <a:r>
-              <a:rPr lang="fr-FR" dirty="0"/>
+              <a:rPr lang="fr-FR"/>
               <a:t>11.3.2 Participants</a:t>
             </a:r>
           </a:p>
           <a:p>
             <a:r>
-              <a:rPr lang="fr-FR" dirty="0"/>
+              <a:rPr lang="fr-FR"/>
               <a:t>11.3.3 Collaborations</a:t>
             </a:r>
           </a:p>
@@ -49601,7 +49634,7 @@
           <a:lstStyle/>
           <a:p>
             <a:r>
-              <a:rPr lang="fr-FR" dirty="0"/>
+              <a:rPr lang="fr-FR"/>
               <a:t>11.4. Domaines d’application</a:t>
             </a:r>
           </a:p>
@@ -49774,7 +49807,7 @@
           <a:lstStyle/>
           <a:p>
             <a:r>
-              <a:rPr lang="fr-FR" dirty="0"/>
+              <a:rPr lang="fr-FR"/>
               <a:t>11.5. Exemple en C#</a:t>
             </a:r>
           </a:p>
@@ -49947,14 +49980,14 @@
           <a:lstStyle/>
           <a:p>
             <a:r>
-              <a:rPr lang="fr-FR" dirty="0"/>
+              <a:rPr lang="fr-FR"/>
               <a:t>Chapitre 12</a:t>
             </a:r>
             <a:br>
-              <a:rPr lang="fr-FR" dirty="0"/>
+              <a:rPr lang="fr-FR"/>
             </a:br>
             <a:r>
-              <a:rPr lang="fr-FR" dirty="0"/>
+              <a:rPr lang="fr-FR"/>
               <a:t>Le pattern Composite</a:t>
             </a:r>
           </a:p>
@@ -49982,31 +50015,31 @@
           <a:lstStyle/>
           <a:p>
             <a:r>
-              <a:rPr lang="fr-FR" dirty="0"/>
+              <a:rPr lang="fr-FR"/>
               <a:t>12.1. Description</a:t>
             </a:r>
           </a:p>
           <a:p>
             <a:r>
-              <a:rPr lang="fr-FR" dirty="0"/>
+              <a:rPr lang="fr-FR"/>
               <a:t>12.2. Exemple</a:t>
             </a:r>
           </a:p>
           <a:p>
             <a:r>
-              <a:rPr lang="fr-FR" dirty="0"/>
+              <a:rPr lang="fr-FR"/>
               <a:t>12.3. Structure</a:t>
             </a:r>
           </a:p>
           <a:p>
             <a:r>
-              <a:rPr lang="fr-FR" dirty="0"/>
+              <a:rPr lang="fr-FR"/>
               <a:t>12.4. Domaines d’application</a:t>
             </a:r>
           </a:p>
           <a:p>
             <a:r>
-              <a:rPr lang="fr-FR" dirty="0"/>
+              <a:rPr lang="fr-FR"/>
               <a:t>12.5. Exemple en C#</a:t>
             </a:r>
           </a:p>
@@ -50152,7 +50185,7 @@
           <a:lstStyle/>
           <a:p>
             <a:r>
-              <a:rPr lang="fr-FR" dirty="0"/>
+              <a:rPr lang="fr-FR"/>
               <a:t>12.1. Description</a:t>
             </a:r>
           </a:p>
@@ -50179,7 +50212,7 @@
           <a:bodyPr/>
           <a:lstStyle/>
           <a:p>
-            <a:endParaRPr lang="fr-FR" dirty="0"/>
+            <a:endParaRPr lang="fr-FR"/>
           </a:p>
         </p:txBody>
       </p:sp>
@@ -50323,7 +50356,7 @@
           <a:lstStyle/>
           <a:p>
             <a:r>
-              <a:rPr lang="fr-FR" dirty="0"/>
+              <a:rPr lang="fr-FR"/>
               <a:t>12.2. Exemple</a:t>
             </a:r>
           </a:p>
@@ -50350,7 +50383,7 @@
           <a:bodyPr/>
           <a:lstStyle/>
           <a:p>
-            <a:endParaRPr lang="fr-FR" dirty="0"/>
+            <a:endParaRPr lang="fr-FR"/>
           </a:p>
         </p:txBody>
       </p:sp>
@@ -50494,7 +50527,7 @@
           <a:lstStyle/>
           <a:p>
             <a:r>
-              <a:rPr lang="fr-FR" dirty="0"/>
+              <a:rPr lang="fr-FR"/>
               <a:t>12.3. Structure</a:t>
             </a:r>
           </a:p>
@@ -50522,19 +50555,19 @@
           <a:lstStyle/>
           <a:p>
             <a:r>
-              <a:rPr lang="fr-FR" dirty="0"/>
+              <a:rPr lang="fr-FR"/>
               <a:t>12.3.1 Diagramme de classes</a:t>
             </a:r>
           </a:p>
           <a:p>
             <a:r>
-              <a:rPr lang="fr-FR" dirty="0"/>
+              <a:rPr lang="fr-FR"/>
               <a:t>12.3.2 Participants</a:t>
             </a:r>
           </a:p>
           <a:p>
             <a:r>
-              <a:rPr lang="fr-FR" dirty="0"/>
+              <a:rPr lang="fr-FR"/>
               <a:t>12..3 Collaborations</a:t>
             </a:r>
           </a:p>
@@ -50680,7 +50713,7 @@
           <a:lstStyle/>
           <a:p>
             <a:r>
-              <a:rPr lang="fr-FR" dirty="0"/>
+              <a:rPr lang="fr-FR"/>
               <a:t>12.4. Domaines d’application</a:t>
             </a:r>
           </a:p>
@@ -50707,7 +50740,7 @@
           <a:bodyPr/>
           <a:lstStyle/>
           <a:p>
-            <a:endParaRPr lang="fr-FR" dirty="0"/>
+            <a:endParaRPr lang="fr-FR"/>
           </a:p>
         </p:txBody>
       </p:sp>
@@ -50851,7 +50884,7 @@
           <a:lstStyle/>
           <a:p>
             <a:r>
-              <a:rPr lang="fr-FR" dirty="0"/>
+              <a:rPr lang="fr-FR"/>
               <a:t>12.5. Exemple en C#</a:t>
             </a:r>
           </a:p>
@@ -50878,7 +50911,7 @@
           <a:bodyPr/>
           <a:lstStyle/>
           <a:p>
-            <a:endParaRPr lang="fr-FR" dirty="0"/>
+            <a:endParaRPr lang="fr-FR"/>
           </a:p>
         </p:txBody>
       </p:sp>
@@ -51024,21 +51057,21 @@
           <a:lstStyle/>
           <a:p>
             <a:r>
-              <a:rPr lang="fr-FR" dirty="0"/>
+              <a:rPr lang="fr-FR"/>
               <a:t>Chapitre 13</a:t>
             </a:r>
             <a:br>
-              <a:rPr lang="fr-FR" dirty="0"/>
+              <a:rPr lang="fr-FR"/>
             </a:br>
             <a:r>
-              <a:rPr lang="fr-FR" dirty="0"/>
+              <a:rPr lang="fr-FR"/>
               <a:t>Le pattern </a:t>
             </a:r>
             <a:r>
-              <a:rPr lang="fr-FR" dirty="0" err="1"/>
+              <a:rPr lang="fr-FR" err="1"/>
               <a:t>Decorator</a:t>
             </a:r>
-            <a:endParaRPr lang="fr-FR" dirty="0"/>
+            <a:endParaRPr lang="fr-FR"/>
           </a:p>
         </p:txBody>
       </p:sp>
@@ -51064,31 +51097,31 @@
           <a:lstStyle/>
           <a:p>
             <a:r>
-              <a:rPr lang="fr-FR" dirty="0"/>
+              <a:rPr lang="fr-FR"/>
               <a:t>13.1. Description</a:t>
             </a:r>
           </a:p>
           <a:p>
             <a:r>
-              <a:rPr lang="fr-FR" dirty="0"/>
+              <a:rPr lang="fr-FR"/>
               <a:t>13.2. Exemple</a:t>
             </a:r>
           </a:p>
           <a:p>
             <a:r>
-              <a:rPr lang="fr-FR" dirty="0"/>
+              <a:rPr lang="fr-FR"/>
               <a:t>13.3. Structure</a:t>
             </a:r>
           </a:p>
           <a:p>
             <a:r>
-              <a:rPr lang="fr-FR" dirty="0"/>
+              <a:rPr lang="fr-FR"/>
               <a:t>13.4. Domaines d’application</a:t>
             </a:r>
           </a:p>
           <a:p>
             <a:r>
-              <a:rPr lang="fr-FR" dirty="0"/>
+              <a:rPr lang="fr-FR"/>
               <a:t>13.5. Exemple en C#</a:t>
             </a:r>
           </a:p>
@@ -51234,7 +51267,7 @@
           <a:lstStyle/>
           <a:p>
             <a:r>
-              <a:rPr lang="fr-FR" dirty="0"/>
+              <a:rPr lang="fr-FR"/>
               <a:t>1.2. La description des patterns de conception</a:t>
             </a:r>
           </a:p>
@@ -51405,7 +51438,7 @@
           <a:lstStyle/>
           <a:p>
             <a:r>
-              <a:rPr lang="fr-FR" dirty="0"/>
+              <a:rPr lang="fr-FR"/>
               <a:t>13.1. Description</a:t>
             </a:r>
           </a:p>
@@ -51576,7 +51609,7 @@
           <a:lstStyle/>
           <a:p>
             <a:r>
-              <a:rPr lang="fr-FR" dirty="0"/>
+              <a:rPr lang="fr-FR"/>
               <a:t>13.2. Exemple</a:t>
             </a:r>
           </a:p>
@@ -51603,7 +51636,7 @@
           <a:bodyPr/>
           <a:lstStyle/>
           <a:p>
-            <a:endParaRPr lang="fr-FR" dirty="0"/>
+            <a:endParaRPr lang="fr-FR"/>
           </a:p>
         </p:txBody>
       </p:sp>
@@ -51747,7 +51780,7 @@
           <a:lstStyle/>
           <a:p>
             <a:r>
-              <a:rPr lang="fr-FR" dirty="0"/>
+              <a:rPr lang="fr-FR"/>
               <a:t>13.3. Structure</a:t>
             </a:r>
           </a:p>
@@ -51775,19 +51808,19 @@
           <a:lstStyle/>
           <a:p>
             <a:r>
-              <a:rPr lang="fr-FR" dirty="0"/>
+              <a:rPr lang="fr-FR"/>
               <a:t>13.3.1 Diagramme de classes</a:t>
             </a:r>
           </a:p>
           <a:p>
             <a:r>
-              <a:rPr lang="fr-FR" dirty="0"/>
+              <a:rPr lang="fr-FR"/>
               <a:t>13.3.2 Participants</a:t>
             </a:r>
           </a:p>
           <a:p>
             <a:r>
-              <a:rPr lang="fr-FR" dirty="0"/>
+              <a:rPr lang="fr-FR"/>
               <a:t>13.3.3 Collaborations</a:t>
             </a:r>
           </a:p>
@@ -51933,7 +51966,7 @@
           <a:lstStyle/>
           <a:p>
             <a:r>
-              <a:rPr lang="fr-FR" dirty="0"/>
+              <a:rPr lang="fr-FR"/>
               <a:t>13.4. Domaines d’application</a:t>
             </a:r>
           </a:p>
@@ -51960,7 +51993,7 @@
           <a:bodyPr/>
           <a:lstStyle/>
           <a:p>
-            <a:endParaRPr lang="fr-FR" dirty="0"/>
+            <a:endParaRPr lang="fr-FR"/>
           </a:p>
         </p:txBody>
       </p:sp>
@@ -52104,7 +52137,7 @@
           <a:lstStyle/>
           <a:p>
             <a:r>
-              <a:rPr lang="fr-FR" dirty="0"/>
+              <a:rPr lang="fr-FR"/>
               <a:t>13.5. Exemple en C#</a:t>
             </a:r>
           </a:p>
@@ -52138,7 +52171,7 @@
           </a:bodyPr>
           <a:lstStyle/>
           <a:p>
-            <a:endParaRPr lang="fr-FR" dirty="0"/>
+            <a:endParaRPr lang="fr-FR"/>
           </a:p>
         </p:txBody>
       </p:sp>
@@ -52284,21 +52317,21 @@
           <a:lstStyle/>
           <a:p>
             <a:r>
-              <a:rPr lang="fr-FR" dirty="0"/>
+              <a:rPr lang="fr-FR"/>
               <a:t>Chapitre 14</a:t>
             </a:r>
             <a:br>
-              <a:rPr lang="fr-FR" dirty="0"/>
+              <a:rPr lang="fr-FR"/>
             </a:br>
             <a:r>
-              <a:rPr lang="fr-FR" dirty="0"/>
+              <a:rPr lang="fr-FR"/>
               <a:t>Le pattern </a:t>
             </a:r>
             <a:r>
-              <a:rPr lang="fr-FR" dirty="0" err="1"/>
+              <a:rPr lang="fr-FR" err="1"/>
               <a:t>Facade</a:t>
             </a:r>
-            <a:endParaRPr lang="fr-FR" dirty="0"/>
+            <a:endParaRPr lang="fr-FR"/>
           </a:p>
         </p:txBody>
       </p:sp>
@@ -52324,31 +52357,31 @@
           <a:lstStyle/>
           <a:p>
             <a:r>
-              <a:rPr lang="fr-FR" dirty="0"/>
+              <a:rPr lang="fr-FR"/>
               <a:t>14.1. Description</a:t>
             </a:r>
           </a:p>
           <a:p>
             <a:r>
-              <a:rPr lang="fr-FR" dirty="0"/>
+              <a:rPr lang="fr-FR"/>
               <a:t>14.2. Exemple</a:t>
             </a:r>
           </a:p>
           <a:p>
             <a:r>
-              <a:rPr lang="fr-FR" dirty="0"/>
+              <a:rPr lang="fr-FR"/>
               <a:t>14.3. Structure</a:t>
             </a:r>
           </a:p>
           <a:p>
             <a:r>
-              <a:rPr lang="fr-FR" dirty="0"/>
+              <a:rPr lang="fr-FR"/>
               <a:t>14.4. Domaines d’application</a:t>
             </a:r>
           </a:p>
           <a:p>
             <a:r>
-              <a:rPr lang="fr-FR" dirty="0"/>
+              <a:rPr lang="fr-FR"/>
               <a:t>14.5. Exemple en C#</a:t>
             </a:r>
           </a:p>
@@ -52494,7 +52527,7 @@
           <a:lstStyle/>
           <a:p>
             <a:r>
-              <a:rPr lang="fr-FR" dirty="0"/>
+              <a:rPr lang="fr-FR"/>
               <a:t>14.1. Description</a:t>
             </a:r>
           </a:p>
@@ -52521,7 +52554,7 @@
           <a:bodyPr/>
           <a:lstStyle/>
           <a:p>
-            <a:endParaRPr lang="fr-FR" dirty="0"/>
+            <a:endParaRPr lang="fr-FR"/>
           </a:p>
         </p:txBody>
       </p:sp>
@@ -52665,7 +52698,7 @@
           <a:lstStyle/>
           <a:p>
             <a:r>
-              <a:rPr lang="fr-FR" dirty="0"/>
+              <a:rPr lang="fr-FR"/>
               <a:t>14.2. Exemple</a:t>
             </a:r>
           </a:p>
@@ -52836,7 +52869,7 @@
           <a:lstStyle/>
           <a:p>
             <a:r>
-              <a:rPr lang="fr-FR" dirty="0"/>
+              <a:rPr lang="fr-FR"/>
               <a:t>14.3. Structure</a:t>
             </a:r>
           </a:p>
@@ -52864,19 +52897,19 @@
           <a:lstStyle/>
           <a:p>
             <a:r>
-              <a:rPr lang="fr-FR" dirty="0"/>
+              <a:rPr lang="fr-FR"/>
               <a:t>14.3.1 Diagramme de classes</a:t>
             </a:r>
           </a:p>
           <a:p>
             <a:r>
-              <a:rPr lang="fr-FR" dirty="0"/>
+              <a:rPr lang="fr-FR"/>
               <a:t>14.3.2 Participants</a:t>
             </a:r>
           </a:p>
           <a:p>
             <a:r>
-              <a:rPr lang="fr-FR" dirty="0"/>
+              <a:rPr lang="fr-FR"/>
               <a:t>14.3.3 Collaborations</a:t>
             </a:r>
           </a:p>
@@ -53024,7 +53057,7 @@
           <a:lstStyle/>
           <a:p>
             <a:r>
-              <a:rPr lang="fr-FR" dirty="0"/>
+              <a:rPr lang="fr-FR"/>
               <a:t>14.4. Domaines d’application</a:t>
             </a:r>
           </a:p>
@@ -53051,7 +53084,7 @@
           <a:bodyPr/>
           <a:lstStyle/>
           <a:p>
-            <a:endParaRPr lang="fr-FR" dirty="0"/>
+            <a:endParaRPr lang="fr-FR"/>
           </a:p>
         </p:txBody>
       </p:sp>
@@ -53197,7 +53230,7 @@
           <a:lstStyle/>
           <a:p>
             <a:r>
-              <a:rPr lang="fr-FR" dirty="0"/>
+              <a:rPr lang="fr-FR"/>
               <a:t>1.3. Le catalogue des patterns de conception</a:t>
             </a:r>
           </a:p>
@@ -53363,7 +53396,7 @@
           <a:lstStyle/>
           <a:p>
             <a:r>
-              <a:rPr lang="fr-FR" dirty="0"/>
+              <a:rPr lang="fr-FR"/>
               <a:t>14.5. Exemple en C#</a:t>
             </a:r>
           </a:p>
@@ -53390,7 +53423,7 @@
           <a:bodyPr/>
           <a:lstStyle/>
           <a:p>
-            <a:endParaRPr lang="fr-FR" dirty="0"/>
+            <a:endParaRPr lang="fr-FR"/>
           </a:p>
         </p:txBody>
       </p:sp>
@@ -53536,21 +53569,21 @@
           <a:lstStyle/>
           <a:p>
             <a:r>
-              <a:rPr lang="fr-FR" dirty="0"/>
+              <a:rPr lang="fr-FR"/>
               <a:t>Chapitre 15</a:t>
             </a:r>
             <a:br>
-              <a:rPr lang="fr-FR" dirty="0"/>
+              <a:rPr lang="fr-FR"/>
             </a:br>
             <a:r>
-              <a:rPr lang="fr-FR" dirty="0"/>
+              <a:rPr lang="fr-FR"/>
               <a:t>Le pattern </a:t>
             </a:r>
             <a:r>
-              <a:rPr lang="fr-FR" dirty="0" err="1"/>
+              <a:rPr lang="fr-FR" err="1"/>
               <a:t>Flyweight</a:t>
             </a:r>
-            <a:endParaRPr lang="fr-FR" dirty="0"/>
+            <a:endParaRPr lang="fr-FR"/>
           </a:p>
         </p:txBody>
       </p:sp>
@@ -53576,31 +53609,31 @@
           <a:lstStyle/>
           <a:p>
             <a:r>
-              <a:rPr lang="fr-FR" dirty="0"/>
+              <a:rPr lang="fr-FR"/>
               <a:t>15.1. Description</a:t>
             </a:r>
           </a:p>
           <a:p>
             <a:r>
-              <a:rPr lang="fr-FR" dirty="0"/>
+              <a:rPr lang="fr-FR"/>
               <a:t>15.2. Exemple</a:t>
             </a:r>
           </a:p>
           <a:p>
             <a:r>
-              <a:rPr lang="fr-FR" dirty="0"/>
+              <a:rPr lang="fr-FR"/>
               <a:t>15.3. Structure</a:t>
             </a:r>
           </a:p>
           <a:p>
             <a:r>
-              <a:rPr lang="fr-FR" dirty="0"/>
+              <a:rPr lang="fr-FR"/>
               <a:t>15.4. Domaine d’application</a:t>
             </a:r>
           </a:p>
           <a:p>
             <a:r>
-              <a:rPr lang="fr-FR" dirty="0"/>
+              <a:rPr lang="fr-FR"/>
               <a:t>15.5. Exemple en C#</a:t>
             </a:r>
           </a:p>
@@ -53746,7 +53779,7 @@
           <a:lstStyle/>
           <a:p>
             <a:r>
-              <a:rPr lang="fr-FR" dirty="0"/>
+              <a:rPr lang="fr-FR"/>
               <a:t>15.1. Description</a:t>
             </a:r>
           </a:p>
@@ -53917,7 +53950,7 @@
           <a:lstStyle/>
           <a:p>
             <a:r>
-              <a:rPr lang="fr-FR" dirty="0"/>
+              <a:rPr lang="fr-FR"/>
               <a:t>15.2. Exemple</a:t>
             </a:r>
           </a:p>
@@ -53944,7 +53977,7 @@
           <a:bodyPr/>
           <a:lstStyle/>
           <a:p>
-            <a:endParaRPr lang="fr-FR" dirty="0"/>
+            <a:endParaRPr lang="fr-FR"/>
           </a:p>
         </p:txBody>
       </p:sp>
@@ -54088,7 +54121,7 @@
           <a:lstStyle/>
           <a:p>
             <a:r>
-              <a:rPr lang="fr-FR" dirty="0"/>
+              <a:rPr lang="fr-FR"/>
               <a:t>15.3. Structure</a:t>
             </a:r>
           </a:p>
@@ -54116,19 +54149,19 @@
           <a:lstStyle/>
           <a:p>
             <a:r>
-              <a:rPr lang="fr-FR" dirty="0"/>
+              <a:rPr lang="fr-FR"/>
               <a:t>15.3.1 Diagramme de classes</a:t>
             </a:r>
           </a:p>
           <a:p>
             <a:r>
-              <a:rPr lang="fr-FR" dirty="0"/>
+              <a:rPr lang="fr-FR"/>
               <a:t>15.3.2 Participants</a:t>
             </a:r>
           </a:p>
           <a:p>
             <a:r>
-              <a:rPr lang="fr-FR" dirty="0"/>
+              <a:rPr lang="fr-FR"/>
               <a:t>15.3.3 Collaborations</a:t>
             </a:r>
           </a:p>
@@ -54276,7 +54309,7 @@
           <a:lstStyle/>
           <a:p>
             <a:r>
-              <a:rPr lang="fr-FR" dirty="0"/>
+              <a:rPr lang="fr-FR"/>
               <a:t>15.4. Domaine d’application</a:t>
             </a:r>
           </a:p>
@@ -54303,7 +54336,7 @@
           <a:bodyPr/>
           <a:lstStyle/>
           <a:p>
-            <a:endParaRPr lang="fr-FR" dirty="0"/>
+            <a:endParaRPr lang="fr-FR"/>
           </a:p>
         </p:txBody>
       </p:sp>
@@ -54447,7 +54480,7 @@
           <a:lstStyle/>
           <a:p>
             <a:r>
-              <a:rPr lang="fr-FR" dirty="0"/>
+              <a:rPr lang="fr-FR"/>
               <a:t>15.5. Exemple en C#</a:t>
             </a:r>
           </a:p>
@@ -54620,14 +54653,14 @@
           <a:lstStyle/>
           <a:p>
             <a:r>
-              <a:rPr lang="fr-FR" dirty="0"/>
+              <a:rPr lang="fr-FR"/>
               <a:t>Chapitre 16</a:t>
             </a:r>
             <a:br>
-              <a:rPr lang="fr-FR" dirty="0"/>
+              <a:rPr lang="fr-FR"/>
             </a:br>
             <a:r>
-              <a:rPr lang="fr-FR" dirty="0"/>
+              <a:rPr lang="fr-FR"/>
               <a:t>Le pattern Proxy</a:t>
             </a:r>
           </a:p>
@@ -54655,31 +54688,31 @@
           <a:lstStyle/>
           <a:p>
             <a:r>
-              <a:rPr lang="fr-FR" dirty="0"/>
+              <a:rPr lang="fr-FR"/>
               <a:t>16.1. Description</a:t>
             </a:r>
           </a:p>
           <a:p>
             <a:r>
-              <a:rPr lang="fr-FR" dirty="0"/>
+              <a:rPr lang="fr-FR"/>
               <a:t>16.2. Exemple</a:t>
             </a:r>
           </a:p>
           <a:p>
             <a:r>
-              <a:rPr lang="fr-FR" dirty="0"/>
+              <a:rPr lang="fr-FR"/>
               <a:t>16.3. Structure</a:t>
             </a:r>
           </a:p>
           <a:p>
             <a:r>
-              <a:rPr lang="fr-FR" dirty="0"/>
+              <a:rPr lang="fr-FR"/>
               <a:t>16.4. Domaines d’application</a:t>
             </a:r>
           </a:p>
           <a:p>
             <a:r>
-              <a:rPr lang="fr-FR" dirty="0"/>
+              <a:rPr lang="fr-FR"/>
               <a:t>16.5. Exemple en C#</a:t>
             </a:r>
           </a:p>
@@ -54825,7 +54858,7 @@
           <a:lstStyle/>
           <a:p>
             <a:r>
-              <a:rPr lang="fr-FR" dirty="0"/>
+              <a:rPr lang="fr-FR"/>
               <a:t>16.1. Description</a:t>
             </a:r>
           </a:p>
@@ -54998,7 +55031,7 @@
           <a:lstStyle/>
           <a:p>
             <a:r>
-              <a:rPr lang="fr-FR" dirty="0"/>
+              <a:rPr lang="fr-FR"/>
               <a:t>16.2. Exemple</a:t>
             </a:r>
           </a:p>
@@ -55171,7 +55204,7 @@
           <a:lstStyle/>
           <a:p>
             <a:r>
-              <a:rPr lang="fr-FR" dirty="0"/>
+              <a:rPr lang="fr-FR"/>
               <a:t>1.4. Comment choisir et utiliser un pattern de conception pour résoudre un problème</a:t>
             </a:r>
           </a:p>
@@ -55337,7 +55370,7 @@
           <a:lstStyle/>
           <a:p>
             <a:r>
-              <a:rPr lang="fr-FR" dirty="0"/>
+              <a:rPr lang="fr-FR"/>
               <a:t>16.3. Structure</a:t>
             </a:r>
           </a:p>
@@ -55365,24 +55398,24 @@
           <a:lstStyle/>
           <a:p>
             <a:r>
-              <a:rPr lang="fr-FR" dirty="0"/>
+              <a:rPr lang="fr-FR"/>
               <a:t>16.3.1 Diagramme de classes</a:t>
             </a:r>
           </a:p>
           <a:p>
             <a:r>
-              <a:rPr lang="fr-FR" dirty="0"/>
+              <a:rPr lang="fr-FR"/>
               <a:t>16.3.2 Participants</a:t>
             </a:r>
           </a:p>
           <a:p>
             <a:r>
-              <a:rPr lang="fr-FR" dirty="0"/>
+              <a:rPr lang="fr-FR"/>
               <a:t>16.3.3 Collaborations</a:t>
             </a:r>
           </a:p>
           <a:p>
-            <a:endParaRPr lang="fr-FR" dirty="0"/>
+            <a:endParaRPr lang="fr-FR"/>
           </a:p>
         </p:txBody>
       </p:sp>
@@ -55526,7 +55559,7 @@
           <a:lstStyle/>
           <a:p>
             <a:r>
-              <a:rPr lang="fr-FR" dirty="0"/>
+              <a:rPr lang="fr-FR"/>
               <a:t>16.4. Domaines d’application</a:t>
             </a:r>
           </a:p>
@@ -55692,7 +55725,7 @@
           <a:lstStyle/>
           <a:p>
             <a:r>
-              <a:rPr lang="fr-FR" dirty="0"/>
+              <a:rPr lang="fr-FR"/>
               <a:t>16.5. Exemple en C#</a:t>
             </a:r>
           </a:p>
@@ -55865,14 +55898,14 @@
           <a:lstStyle/>
           <a:p>
             <a:r>
-              <a:rPr lang="fr-FR" dirty="0"/>
+              <a:rPr lang="fr-FR"/>
               <a:t>Chapitre 17</a:t>
             </a:r>
             <a:br>
-              <a:rPr lang="fr-FR" dirty="0"/>
+              <a:rPr lang="fr-FR"/>
             </a:br>
             <a:r>
-              <a:rPr lang="fr-FR" dirty="0"/>
+              <a:rPr lang="fr-FR"/>
               <a:t>Introduction aux patterns de comportement</a:t>
             </a:r>
           </a:p>
@@ -55900,13 +55933,13 @@
           <a:lstStyle/>
           <a:p>
             <a:r>
-              <a:rPr lang="fr-FR" dirty="0"/>
+              <a:rPr lang="fr-FR"/>
               <a:t>17.1. Présentation</a:t>
             </a:r>
           </a:p>
           <a:p>
             <a:r>
-              <a:rPr lang="fr-FR" dirty="0"/>
+              <a:rPr lang="fr-FR"/>
               <a:t>2. Distribution par héritage ou par délégation</a:t>
             </a:r>
           </a:p>
@@ -56052,13 +56085,13 @@
           <a:lstStyle/>
           <a:p>
             <a:r>
-              <a:rPr lang="fr-FR" dirty="0"/>
+              <a:rPr lang="fr-FR"/>
               <a:t>17.1. Présentation</a:t>
             </a:r>
             <a:br>
-              <a:rPr lang="fr-FR" dirty="0"/>
+              <a:rPr lang="fr-FR"/>
             </a:br>
-            <a:endParaRPr lang="fr-FR" dirty="0"/>
+            <a:endParaRPr lang="fr-FR"/>
           </a:p>
         </p:txBody>
       </p:sp>
@@ -56229,13 +56262,13 @@
           <a:lstStyle/>
           <a:p>
             <a:r>
-              <a:rPr lang="fr-FR" dirty="0"/>
+              <a:rPr lang="fr-FR"/>
               <a:t>17.2. Distribution par héritage ou par délégation</a:t>
             </a:r>
             <a:br>
-              <a:rPr lang="fr-FR" dirty="0"/>
+              <a:rPr lang="fr-FR"/>
             </a:br>
-            <a:endParaRPr lang="fr-FR" dirty="0"/>
+            <a:endParaRPr lang="fr-FR"/>
           </a:p>
         </p:txBody>
       </p:sp>
@@ -56406,17 +56439,17 @@
           <a:lstStyle/>
           <a:p>
             <a:r>
-              <a:rPr lang="fr-FR" dirty="0"/>
+              <a:rPr lang="fr-FR"/>
               <a:t>Chapitre 18</a:t>
             </a:r>
             <a:br>
-              <a:rPr lang="fr-FR" dirty="0"/>
+              <a:rPr lang="fr-FR"/>
             </a:br>
             <a:r>
-              <a:rPr lang="en-US" dirty="0"/>
+              <a:rPr lang="en-US"/>
               <a:t>Le pattern Chain of Responsibility</a:t>
             </a:r>
-            <a:endParaRPr lang="fr-FR" dirty="0"/>
+            <a:endParaRPr lang="fr-FR"/>
           </a:p>
         </p:txBody>
       </p:sp>
@@ -56442,31 +56475,31 @@
           <a:lstStyle/>
           <a:p>
             <a:r>
-              <a:rPr lang="fr-FR" dirty="0"/>
+              <a:rPr lang="fr-FR"/>
               <a:t>18.1. Description</a:t>
             </a:r>
           </a:p>
           <a:p>
             <a:r>
-              <a:rPr lang="fr-FR" dirty="0"/>
+              <a:rPr lang="fr-FR"/>
               <a:t>2. Exemple</a:t>
             </a:r>
           </a:p>
           <a:p>
             <a:r>
-              <a:rPr lang="fr-FR" dirty="0"/>
+              <a:rPr lang="fr-FR"/>
               <a:t>3. Structure</a:t>
             </a:r>
           </a:p>
           <a:p>
             <a:r>
-              <a:rPr lang="fr-FR" dirty="0"/>
+              <a:rPr lang="fr-FR"/>
               <a:t>4. Domaines d’application</a:t>
             </a:r>
           </a:p>
           <a:p>
             <a:r>
-              <a:rPr lang="fr-FR" dirty="0"/>
+              <a:rPr lang="fr-FR"/>
               <a:t>5. Exemple en C#</a:t>
             </a:r>
           </a:p>
@@ -56612,7 +56645,7 @@
           <a:lstStyle/>
           <a:p>
             <a:r>
-              <a:rPr lang="fr-FR" dirty="0"/>
+              <a:rPr lang="fr-FR"/>
               <a:t>18.1. Description</a:t>
             </a:r>
           </a:p>
@@ -56639,7 +56672,7 @@
           <a:bodyPr/>
           <a:lstStyle/>
           <a:p>
-            <a:endParaRPr lang="fr-FR" dirty="0"/>
+            <a:endParaRPr lang="fr-FR"/>
           </a:p>
         </p:txBody>
       </p:sp>
@@ -56783,7 +56816,7 @@
           <a:lstStyle/>
           <a:p>
             <a:r>
-              <a:rPr lang="fr-FR" dirty="0"/>
+              <a:rPr lang="fr-FR"/>
               <a:t>18.2. Exemple</a:t>
             </a:r>
           </a:p>
@@ -56954,7 +56987,7 @@
           <a:lstStyle/>
           <a:p>
             <a:r>
-              <a:rPr lang="fr-FR" dirty="0"/>
+              <a:rPr lang="fr-FR"/>
               <a:t>18.3. Structure</a:t>
             </a:r>
           </a:p>
@@ -56982,19 +57015,19 @@
           <a:lstStyle/>
           <a:p>
             <a:r>
-              <a:rPr lang="fr-FR" dirty="0"/>
+              <a:rPr lang="fr-FR"/>
               <a:t>18.3.1 Diagramme de classes</a:t>
             </a:r>
           </a:p>
           <a:p>
             <a:r>
-              <a:rPr lang="fr-FR" dirty="0"/>
+              <a:rPr lang="fr-FR"/>
               <a:t>18.3.2 Participants</a:t>
             </a:r>
           </a:p>
           <a:p>
             <a:r>
-              <a:rPr lang="fr-FR" dirty="0"/>
+              <a:rPr lang="fr-FR"/>
               <a:t>18.3.3 Collaborations</a:t>
             </a:r>
           </a:p>
@@ -57655,6 +57688,26 @@
 </file>
 
 <file path=customXml/item1.xml><?xml version="1.0" encoding="utf-8"?>
+<p:properties xmlns:p="http://schemas.microsoft.com/office/2006/metadata/properties" xmlns:xsi="http://www.w3.org/2001/XMLSchema-instance" xmlns:pc="http://schemas.microsoft.com/office/infopath/2007/PartnerControls">
+  <documentManagement>
+    <TaxCatchAll xmlns="acb9c5b8-3c7c-4189-9f57-c6855d0a4947" xsi:nil="true"/>
+    <lcf76f155ced4ddcb4097134ff3c332f xmlns="63a52c89-347b-49ef-abcd-1581abc07810">
+      <Terms xmlns="http://schemas.microsoft.com/office/infopath/2007/PartnerControls"/>
+    </lcf76f155ced4ddcb4097134ff3c332f>
+  </documentManagement>
+</p:properties>
+</file>
+
+<file path=customXml/item2.xml><?xml version="1.0" encoding="utf-8"?>
+<?mso-contentType ?>
+<FormTemplates xmlns="http://schemas.microsoft.com/sharepoint/v3/contenttype/forms">
+  <Display>DocumentLibraryForm</Display>
+  <Edit>DocumentLibraryForm</Edit>
+  <New>DocumentLibraryForm</New>
+</FormTemplates>
+</file>
+
+<file path=customXml/item3.xml><?xml version="1.0" encoding="utf-8"?>
 <ct:contentTypeSchema xmlns:ct="http://schemas.microsoft.com/office/2006/metadata/contentType" xmlns:ma="http://schemas.microsoft.com/office/2006/metadata/properties/metaAttributes" ct:_="" ma:_="" ma:contentTypeName="Document" ma:contentTypeID="0x01010036DEE29EAD311A42AE8DBE1C2B92CD04" ma:contentTypeVersion="11" ma:contentTypeDescription="Crée un document." ma:contentTypeScope="" ma:versionID="c5bfd14867d16b566ddd3b4afdce1790">
   <xsd:schema xmlns:xsd="http://www.w3.org/2001/XMLSchema" xmlns:xs="http://www.w3.org/2001/XMLSchema" xmlns:p="http://schemas.microsoft.com/office/2006/metadata/properties" xmlns:ns2="63a52c89-347b-49ef-abcd-1581abc07810" xmlns:ns3="acb9c5b8-3c7c-4189-9f57-c6855d0a4947" targetNamespace="http://schemas.microsoft.com/office/2006/metadata/properties" ma:root="true" ma:fieldsID="04a8f9267670d8ba8493024c57f5bf8f" ns2:_="" ns3:_="">
     <xsd:import namespace="63a52c89-347b-49ef-abcd-1581abc07810"/>
@@ -57849,50 +57902,47 @@
 </ct:contentTypeSchema>
 </file>
 
-<file path=customXml/item2.xml><?xml version="1.0" encoding="utf-8"?>
-<p:properties xmlns:p="http://schemas.microsoft.com/office/2006/metadata/properties" xmlns:xsi="http://www.w3.org/2001/XMLSchema-instance" xmlns:pc="http://schemas.microsoft.com/office/infopath/2007/PartnerControls">
-  <documentManagement>
-    <TaxCatchAll xmlns="acb9c5b8-3c7c-4189-9f57-c6855d0a4947" xsi:nil="true"/>
-    <lcf76f155ced4ddcb4097134ff3c332f xmlns="63a52c89-347b-49ef-abcd-1581abc07810">
-      <Terms xmlns="http://schemas.microsoft.com/office/infopath/2007/PartnerControls"/>
-    </lcf76f155ced4ddcb4097134ff3c332f>
-  </documentManagement>
-</p:properties>
-</file>
-
-<file path=customXml/item3.xml><?xml version="1.0" encoding="utf-8"?>
-<?mso-contentType ?>
-<FormTemplates xmlns="http://schemas.microsoft.com/sharepoint/v3/contenttype/forms">
-  <Display>DocumentLibraryForm</Display>
-  <Edit>DocumentLibraryForm</Edit>
-  <New>DocumentLibraryForm</New>
-</FormTemplates>
-</file>
-
 <file path=customXml/itemProps1.xml><?xml version="1.0" encoding="utf-8"?>
-<ds:datastoreItem xmlns:ds="http://schemas.openxmlformats.org/officeDocument/2006/customXml" ds:itemID="{0C05D131-B178-43E0-820D-9ACA2DF2E87A}"/>
+<ds:datastoreItem xmlns:ds="http://schemas.openxmlformats.org/officeDocument/2006/customXml" ds:itemID="{B02D9207-75B4-4FAC-A48D-3D9278E8E9CB}">
+  <ds:schemaRefs>
+    <ds:schemaRef ds:uri="288afd39-9301-47a6-8729-307a4250536c"/>
+    <ds:schemaRef ds:uri="63a52c89-347b-49ef-abcd-1581abc07810"/>
+    <ds:schemaRef ds:uri="acb9c5b8-3c7c-4189-9f57-c6855d0a4947"/>
+    <ds:schemaRef ds:uri="http://purl.org/dc/dcmitype/"/>
+    <ds:schemaRef ds:uri="http://purl.org/dc/elements/1.1/"/>
+    <ds:schemaRef ds:uri="http://purl.org/dc/terms/"/>
+    <ds:schemaRef ds:uri="http://schemas.microsoft.com/office/2006/documentManagement/types"/>
+    <ds:schemaRef ds:uri="http://schemas.microsoft.com/office/2006/metadata/properties"/>
+    <ds:schemaRef ds:uri="http://schemas.microsoft.com/office/infopath/2007/PartnerControls"/>
+    <ds:schemaRef ds:uri="http://schemas.openxmlformats.org/package/2006/metadata/core-properties"/>
+    <ds:schemaRef ds:uri="http://www.w3.org/XML/1998/namespace"/>
+  </ds:schemaRefs>
+</ds:datastoreItem>
 </file>
 
 <file path=customXml/itemProps2.xml><?xml version="1.0" encoding="utf-8"?>
-<ds:datastoreItem xmlns:ds="http://schemas.openxmlformats.org/officeDocument/2006/customXml" ds:itemID="{B02D9207-75B4-4FAC-A48D-3D9278E8E9CB}">
+<ds:datastoreItem xmlns:ds="http://schemas.openxmlformats.org/officeDocument/2006/customXml" ds:itemID="{CD6C7607-268C-4C5E-9E7E-E1D66034AE5D}">
   <ds:schemaRefs>
-    <ds:schemaRef ds:uri="http://purl.org/dc/terms/"/>
-    <ds:schemaRef ds:uri="http://schemas.microsoft.com/office/2006/metadata/properties"/>
-    <ds:schemaRef ds:uri="http://purl.org/dc/elements/1.1/"/>
-    <ds:schemaRef ds:uri="http://schemas.microsoft.com/office/2006/documentManagement/types"/>
-    <ds:schemaRef ds:uri="288afd39-9301-47a6-8729-307a4250536c"/>
-    <ds:schemaRef ds:uri="http://schemas.openxmlformats.org/package/2006/metadata/core-properties"/>
-    <ds:schemaRef ds:uri="http://schemas.microsoft.com/office/infopath/2007/PartnerControls"/>
-    <ds:schemaRef ds:uri="http://www.w3.org/XML/1998/namespace"/>
-    <ds:schemaRef ds:uri="http://purl.org/dc/dcmitype/"/>
+    <ds:schemaRef ds:uri="http://schemas.microsoft.com/sharepoint/v3/contenttype/forms"/>
   </ds:schemaRefs>
 </ds:datastoreItem>
 </file>
 
 <file path=customXml/itemProps3.xml><?xml version="1.0" encoding="utf-8"?>
-<ds:datastoreItem xmlns:ds="http://schemas.openxmlformats.org/officeDocument/2006/customXml" ds:itemID="{CD6C7607-268C-4C5E-9E7E-E1D66034AE5D}">
+<ds:datastoreItem xmlns:ds="http://schemas.openxmlformats.org/officeDocument/2006/customXml" ds:itemID="{0C05D131-B178-43E0-820D-9ACA2DF2E87A}">
   <ds:schemaRefs>
-    <ds:schemaRef ds:uri="http://schemas.microsoft.com/sharepoint/v3/contenttype/forms"/>
+    <ds:schemaRef ds:uri="63a52c89-347b-49ef-abcd-1581abc07810"/>
+    <ds:schemaRef ds:uri="acb9c5b8-3c7c-4189-9f57-c6855d0a4947"/>
+    <ds:schemaRef ds:uri="http://purl.org/dc/elements/1.1/"/>
+    <ds:schemaRef ds:uri="http://purl.org/dc/terms/"/>
+    <ds:schemaRef ds:uri="http://schemas.microsoft.com/internal/obd"/>
+    <ds:schemaRef ds:uri="http://schemas.microsoft.com/office/2006/documentManagement/types"/>
+    <ds:schemaRef ds:uri="http://schemas.microsoft.com/office/2006/metadata/contentType"/>
+    <ds:schemaRef ds:uri="http://schemas.microsoft.com/office/2006/metadata/properties"/>
+    <ds:schemaRef ds:uri="http://schemas.microsoft.com/office/2006/metadata/properties/metaAttributes"/>
+    <ds:schemaRef ds:uri="http://schemas.microsoft.com/office/infopath/2007/PartnerControls"/>
+    <ds:schemaRef ds:uri="http://schemas.openxmlformats.org/package/2006/metadata/core-properties"/>
+    <ds:schemaRef ds:uri="http://www.w3.org/2001/XMLSchema"/>
   </ds:schemaRefs>
 </ds:datastoreItem>
 </file>